--- a/project/Social Media Usage and Emotional Well-Being.pptx
+++ b/project/Social Media Usage and Emotional Well-Being.pptx
@@ -5,21 +5,32 @@
     <p:sldMasterId id="2147483648" r:id="rId1"/>
   </p:sldMasterIdLst>
   <p:notesMasterIdLst>
-    <p:notesMasterId r:id="rId11"/>
+    <p:notesMasterId r:id="rId22"/>
   </p:notesMasterIdLst>
   <p:handoutMasterIdLst>
-    <p:handoutMasterId r:id="rId12"/>
+    <p:handoutMasterId r:id="rId23"/>
   </p:handoutMasterIdLst>
   <p:sldIdLst>
     <p:sldId id="273" r:id="rId2"/>
     <p:sldId id="267" r:id="rId3"/>
     <p:sldId id="268" r:id="rId4"/>
-    <p:sldId id="274" r:id="rId5"/>
-    <p:sldId id="275" r:id="rId6"/>
-    <p:sldId id="276" r:id="rId7"/>
-    <p:sldId id="261" r:id="rId8"/>
-    <p:sldId id="277" r:id="rId9"/>
-    <p:sldId id="262" r:id="rId10"/>
+    <p:sldId id="292" r:id="rId5"/>
+    <p:sldId id="287" r:id="rId6"/>
+    <p:sldId id="281" r:id="rId7"/>
+    <p:sldId id="278" r:id="rId8"/>
+    <p:sldId id="280" r:id="rId9"/>
+    <p:sldId id="282" r:id="rId10"/>
+    <p:sldId id="288" r:id="rId11"/>
+    <p:sldId id="283" r:id="rId12"/>
+    <p:sldId id="290" r:id="rId13"/>
+    <p:sldId id="284" r:id="rId14"/>
+    <p:sldId id="291" r:id="rId15"/>
+    <p:sldId id="274" r:id="rId16"/>
+    <p:sldId id="275" r:id="rId17"/>
+    <p:sldId id="277" r:id="rId18"/>
+    <p:sldId id="262" r:id="rId19"/>
+    <p:sldId id="293" r:id="rId20"/>
+    <p:sldId id="286" r:id="rId21"/>
   </p:sldIdLst>
   <p:sldSz cx="12188825" cy="6858000"/>
   <p:notesSz cx="6858000" cy="9144000"/>
@@ -156,6 +167,32 @@
 </p:presentation>
 </file>
 
+<file path=ppt/commentAuthors.xml><?xml version="1.0" encoding="utf-8"?>
+<p:cmAuthorLst xmlns:a="http://schemas.openxmlformats.org/drawingml/2006/main" xmlns:r="http://schemas.openxmlformats.org/officeDocument/2006/relationships" xmlns:p="http://schemas.openxmlformats.org/presentationml/2006/main">
+  <p:cmAuthor id="1" name="Bratati Chakraborti" initials="BC" lastIdx="1" clrIdx="0">
+    <p:extLst>
+      <p:ext uri="{19B8F6BF-5375-455C-9EA6-DF929625EA0E}">
+        <p15:presenceInfo xmlns:p15="http://schemas.microsoft.com/office/powerpoint/2012/main" userId="37dce271d413a625" providerId="Windows Live"/>
+      </p:ext>
+    </p:extLst>
+  </p:cmAuthor>
+</p:cmAuthorLst>
+</file>
+
+<file path=ppt/comments/comment1.xml><?xml version="1.0" encoding="utf-8"?>
+<p:cmLst xmlns:a="http://schemas.openxmlformats.org/drawingml/2006/main" xmlns:r="http://schemas.openxmlformats.org/officeDocument/2006/relationships" xmlns:p="http://schemas.openxmlformats.org/presentationml/2006/main">
+  <p:cm authorId="1" dt="2024-06-14T13:24:58.553" idx="1">
+    <p:pos x="10" y="10"/>
+    <p:text/>
+    <p:extLst>
+      <p:ext uri="{C676402C-5697-4E1C-873F-D02D1690AC5C}">
+        <p15:threadingInfo xmlns:p15="http://schemas.microsoft.com/office/powerpoint/2012/main" timeZoneBias="-120"/>
+      </p:ext>
+    </p:extLst>
+  </p:cm>
+</p:cmLst>
+</file>
+
 <file path=ppt/handoutMasters/handoutMaster1.xml><?xml version="1.0" encoding="utf-8"?>
 <p:handoutMaster xmlns:a="http://schemas.openxmlformats.org/drawingml/2006/main" xmlns:r="http://schemas.openxmlformats.org/officeDocument/2006/relationships" xmlns:p="http://schemas.openxmlformats.org/presentationml/2006/main">
   <p:cSld>
@@ -240,7 +277,7 @@
             <a:pPr rtl="0"/>
             <a:fld id="{C402F678-F322-436F-969F-581A681A4022}" type="datetime1">
               <a:rPr lang="en-GB" smtClean="0"/>
-              <a:t>13/06/2024</a:t>
+              <a:t>16/06/2024</a:t>
             </a:fld>
             <a:endParaRPr lang="en-GB" dirty="0"/>
           </a:p>
@@ -418,7 +455,7 @@
             <a:pPr rtl="0"/>
             <a:fld id="{F5F85D5D-D531-4EF4-BBA5-13F53735D17A}" type="datetime1">
               <a:rPr lang="en-GB" noProof="0" smtClean="0"/>
-              <a:t>13/06/2024</a:t>
+              <a:t>16/06/2024</a:t>
             </a:fld>
             <a:endParaRPr lang="en-GB" noProof="0" dirty="0"/>
           </a:p>
@@ -1101,93 +1138,7 @@
             <a:fld id="{841221E5-7225-48EB-A4EE-420E7BFCF705}" type="slidenum">
               <a:rPr lang="en-GB" smtClean="0"/>
               <a:pPr rtl="0"/>
-              <a:t>7</a:t>
-            </a:fld>
-            <a:endParaRPr lang="en-GB" dirty="0"/>
-          </a:p>
-        </p:txBody>
-      </p:sp>
-    </p:spTree>
-    <p:extLst>
-      <p:ext uri="{BB962C8B-B14F-4D97-AF65-F5344CB8AC3E}">
-        <p14:creationId xmlns:p14="http://schemas.microsoft.com/office/powerpoint/2010/main" val="3861108969"/>
-      </p:ext>
-    </p:extLst>
-  </p:cSld>
-  <p:clrMapOvr>
-    <a:masterClrMapping/>
-  </p:clrMapOvr>
-</p:notes>
-</file>
-
-<file path=ppt/notesSlides/notesSlide5.xml><?xml version="1.0" encoding="utf-8"?>
-<p:notes xmlns:a="http://schemas.openxmlformats.org/drawingml/2006/main" xmlns:r="http://schemas.openxmlformats.org/officeDocument/2006/relationships" xmlns:p="http://schemas.openxmlformats.org/presentationml/2006/main">
-  <p:cSld>
-    <p:spTree>
-      <p:nvGrpSpPr>
-        <p:cNvPr id="1" name=""/>
-        <p:cNvGrpSpPr/>
-        <p:nvPr/>
-      </p:nvGrpSpPr>
-      <p:grpSpPr>
-        <a:xfrm>
-          <a:off x="0" y="0"/>
-          <a:ext cx="0" cy="0"/>
-          <a:chOff x="0" y="0"/>
-          <a:chExt cx="0" cy="0"/>
-        </a:xfrm>
-      </p:grpSpPr>
-      <p:sp>
-        <p:nvSpPr>
-          <p:cNvPr id="2" name="Slide Image Placeholder 1"/>
-          <p:cNvSpPr>
-            <a:spLocks noGrp="1" noRot="1" noChangeAspect="1"/>
-          </p:cNvSpPr>
-          <p:nvPr>
-            <p:ph type="sldImg"/>
-          </p:nvPr>
-        </p:nvSpPr>
-        <p:spPr/>
-      </p:sp>
-      <p:sp>
-        <p:nvSpPr>
-          <p:cNvPr id="3" name="Notes Placeholder 2"/>
-          <p:cNvSpPr>
-            <a:spLocks noGrp="1"/>
-          </p:cNvSpPr>
-          <p:nvPr>
-            <p:ph type="body" idx="1"/>
-          </p:nvPr>
-        </p:nvSpPr>
-        <p:spPr/>
-        <p:txBody>
-          <a:bodyPr/>
-          <a:lstStyle/>
-          <a:p>
-            <a:endParaRPr lang="en-GB" dirty="0"/>
-          </a:p>
-        </p:txBody>
-      </p:sp>
-      <p:sp>
-        <p:nvSpPr>
-          <p:cNvPr id="4" name="Slide Number Placeholder 3"/>
-          <p:cNvSpPr>
-            <a:spLocks noGrp="1"/>
-          </p:cNvSpPr>
-          <p:nvPr>
-            <p:ph type="sldNum" sz="quarter" idx="10"/>
-          </p:nvPr>
-        </p:nvSpPr>
-        <p:spPr/>
-        <p:txBody>
-          <a:bodyPr/>
-          <a:lstStyle/>
-          <a:p>
-            <a:pPr rtl="0"/>
-            <a:fld id="{841221E5-7225-48EB-A4EE-420E7BFCF705}" type="slidenum">
-              <a:rPr lang="en-GB" smtClean="0"/>
-              <a:pPr rtl="0"/>
-              <a:t>9</a:t>
+              <a:t>18</a:t>
             </a:fld>
             <a:endParaRPr lang="en-GB" dirty="0"/>
           </a:p>
@@ -2125,7 +2076,7 @@
             <a:pPr rtl="0"/>
             <a:fld id="{4553D316-16AB-42CE-89B2-F5A42FA03291}" type="datetime1">
               <a:rPr lang="en-GB" noProof="0" smtClean="0"/>
-              <a:t>13/06/2024</a:t>
+              <a:t>16/06/2024</a:t>
             </a:fld>
             <a:endParaRPr lang="en-GB" noProof="0" dirty="0"/>
           </a:p>
@@ -2352,7 +2303,7 @@
             <a:pPr rtl="0"/>
             <a:fld id="{575E590D-3E1C-4529-9FEB-6819CB8D64A4}" type="datetime1">
               <a:rPr lang="en-GB" noProof="0" smtClean="0"/>
-              <a:t>13/06/2024</a:t>
+              <a:t>16/06/2024</a:t>
             </a:fld>
             <a:endParaRPr lang="en-GB" noProof="0" dirty="0"/>
           </a:p>
@@ -3174,7 +3125,7 @@
             <a:pPr rtl="0"/>
             <a:fld id="{200C96D0-FA2C-4E12-9A01-4FB6EBCFF224}" type="datetime1">
               <a:rPr lang="en-GB" noProof="0" smtClean="0"/>
-              <a:t>13/06/2024</a:t>
+              <a:t>16/06/2024</a:t>
             </a:fld>
             <a:endParaRPr lang="en-GB" noProof="0" dirty="0"/>
           </a:p>
@@ -3379,7 +3330,7 @@
             <a:pPr rtl="0"/>
             <a:fld id="{22D90D2D-092C-49A5-8BDF-9B6C10AEC9FC}" type="datetime1">
               <a:rPr lang="en-GB" noProof="0" smtClean="0"/>
-              <a:t>13/06/2024</a:t>
+              <a:t>16/06/2024</a:t>
             </a:fld>
             <a:endParaRPr lang="en-GB" noProof="0" dirty="0"/>
           </a:p>
@@ -4648,7 +4599,7 @@
             <a:pPr rtl="0"/>
             <a:fld id="{3D514119-688F-4086-B70F-3CB79DC41DC9}" type="datetime1">
               <a:rPr lang="en-GB" noProof="0" smtClean="0"/>
-              <a:t>13/06/2024</a:t>
+              <a:t>16/06/2024</a:t>
             </a:fld>
             <a:endParaRPr lang="en-GB" noProof="0" dirty="0"/>
           </a:p>
@@ -4977,7 +4928,7 @@
             <a:pPr rtl="0"/>
             <a:fld id="{057B89F6-C2AB-4CD5-9F8D-55CF144CE776}" type="datetime1">
               <a:rPr lang="en-GB" noProof="0" smtClean="0"/>
-              <a:t>13/06/2024</a:t>
+              <a:t>16/06/2024</a:t>
             </a:fld>
             <a:endParaRPr lang="en-GB" noProof="0" dirty="0"/>
           </a:p>
@@ -5432,7 +5383,7 @@
             <a:pPr rtl="0"/>
             <a:fld id="{A097697C-5D26-4A25-83C8-130BCFF33A0F}" type="datetime1">
               <a:rPr lang="en-GB" noProof="0" smtClean="0"/>
-              <a:t>13/06/2024</a:t>
+              <a:t>16/06/2024</a:t>
             </a:fld>
             <a:endParaRPr lang="en-GB" noProof="0" dirty="0"/>
           </a:p>
@@ -5569,7 +5520,7 @@
             <a:pPr rtl="0"/>
             <a:fld id="{35CAEDCB-3F75-4B4A-ABAC-AA9986258E89}" type="datetime1">
               <a:rPr lang="en-GB" noProof="0" smtClean="0"/>
-              <a:t>13/06/2024</a:t>
+              <a:t>16/06/2024</a:t>
             </a:fld>
             <a:endParaRPr lang="en-GB" noProof="0" dirty="0"/>
           </a:p>
@@ -5910,7 +5861,7 @@
             <a:pPr rtl="0"/>
             <a:fld id="{2554A435-6A9B-478B-BAEF-B997D7A6F641}" type="datetime1">
               <a:rPr lang="en-GB" noProof="0" smtClean="0"/>
-              <a:t>13/06/2024</a:t>
+              <a:t>16/06/2024</a:t>
             </a:fld>
             <a:endParaRPr lang="en-GB" noProof="0" dirty="0"/>
           </a:p>
@@ -6409,7 +6360,7 @@
             <a:pPr rtl="0"/>
             <a:fld id="{AEC45E7A-6BB3-4EC9-BCE8-88D7CA65CEB9}" type="datetime1">
               <a:rPr lang="en-GB" noProof="0" smtClean="0"/>
-              <a:t>13/06/2024</a:t>
+              <a:t>16/06/2024</a:t>
             </a:fld>
             <a:endParaRPr lang="en-GB" noProof="0" dirty="0"/>
           </a:p>
@@ -6865,7 +6816,7 @@
             <a:pPr rtl="0"/>
             <a:fld id="{1F4033CC-F025-4A3E-9666-3EBD09C60920}" type="datetime1">
               <a:rPr lang="en-GB" noProof="0" smtClean="0"/>
-              <a:t>13/06/2024</a:t>
+              <a:t>16/06/2024</a:t>
             </a:fld>
             <a:endParaRPr lang="en-GB" noProof="0" dirty="0"/>
           </a:p>
@@ -7770,7 +7721,7 @@
             <a:pPr rtl="0"/>
             <a:fld id="{00D867F5-F25C-4334-BEFF-CCB24DBFBEDC}" type="datetime1">
               <a:rPr lang="en-GB" noProof="0" smtClean="0"/>
-              <a:t>13/06/2024</a:t>
+              <a:t>16/06/2024</a:t>
             </a:fld>
             <a:endParaRPr lang="en-GB" noProof="0" dirty="0"/>
           </a:p>
@@ -8237,44 +8188,29 @@
           </a:bodyPr>
           <a:lstStyle/>
           <a:p>
-            <a:pPr marL="0" lvl="0" indent="0" algn="l" rtl="0">
+            <a:pPr>
               <a:lnSpc>
-                <a:spcPct val="90000"/>
+                <a:spcPct val="107000"/>
               </a:lnSpc>
-              <a:spcBef>
-                <a:spcPts val="0"/>
-              </a:spcBef>
               <a:spcAft>
-                <a:spcPts val="0"/>
+                <a:spcPts val="800"/>
               </a:spcAft>
-              <a:buClr>
-                <a:srgbClr val="343F49"/>
-              </a:buClr>
-              <a:buSzPts val="5400"/>
-              <a:buFont typeface="Arial"/>
-              <a:buNone/>
             </a:pPr>
             <a:r>
-              <a:rPr lang="en-GB" sz="5400" dirty="0">
-                <a:solidFill>
-                  <a:srgbClr val="0D0D0D"/>
-                </a:solidFill>
-                <a:highlight>
-                  <a:srgbClr val="FFFFFF"/>
-                </a:highlight>
-                <a:latin typeface="Arial"/>
-                <a:cs typeface="Arial"/>
-                <a:hlinkClick r:id="rId3">
-                  <a:extLst>
-                    <a:ext uri="{A12FA001-AC4F-418D-AE19-62706E023703}">
-                      <ahyp:hlinkClr xmlns:ahyp="http://schemas.microsoft.com/office/drawing/2018/hyperlinkcolor" val="tx"/>
-                    </a:ext>
-                  </a:extLst>
-                </a:hlinkClick>
+              <a:rPr lang="en-GB" sz="3600" b="1" kern="0" dirty="0">
+                <a:effectLst/>
+                <a:latin typeface="Times New Roman" panose="02020603050405020304" pitchFamily="18" charset="0"/>
+                <a:ea typeface="Times New Roman" panose="02020603050405020304" pitchFamily="18" charset="0"/>
+                <a:cs typeface="Calibri" panose="020F0502020204030204" pitchFamily="34" charset="0"/>
               </a:rPr>
-              <a:t>Social Media Usage and Emotional Well-Being</a:t>
-            </a:r>
-            <a:endParaRPr dirty="0"/>
+              <a:t>Analysing the Impact of Social Media Usage on Emotional Well-being Using Big Data Technologies</a:t>
+            </a:r>
+            <a:endParaRPr lang="en-GB" sz="3600" kern="100" dirty="0">
+              <a:effectLst/>
+              <a:latin typeface="Calibri" panose="020F0502020204030204" pitchFamily="34" charset="0"/>
+              <a:ea typeface="Calibri" panose="020F0502020204030204" pitchFamily="34" charset="0"/>
+              <a:cs typeface="Calibri" panose="020F0502020204030204" pitchFamily="34" charset="0"/>
+            </a:endParaRPr>
           </a:p>
         </p:txBody>
       </p:sp>
@@ -8290,7 +8226,7 @@
         </p:nvSpPr>
         <p:spPr>
           <a:xfrm>
-            <a:off x="1795325" y="3662600"/>
+            <a:off x="2205980" y="3057359"/>
             <a:ext cx="9159600" cy="2004600"/>
           </a:xfrm>
           <a:prstGeom prst="rect">
@@ -8306,104 +8242,6 @@
             <a:normAutofit/>
           </a:bodyPr>
           <a:lstStyle/>
-          <a:p>
-            <a:pPr marL="457200" lvl="0" indent="-351790" algn="l" rtl="0">
-              <a:lnSpc>
-                <a:spcPct val="90000"/>
-              </a:lnSpc>
-              <a:spcBef>
-                <a:spcPts val="0"/>
-              </a:spcBef>
-              <a:spcAft>
-                <a:spcPts val="0"/>
-              </a:spcAft>
-              <a:buClr>
-                <a:srgbClr val="0D0D0D"/>
-              </a:buClr>
-              <a:buSzPts val="1940"/>
-              <a:buFont typeface="Arial"/>
-              <a:buChar char="●"/>
-            </a:pPr>
-            <a:r>
-              <a:rPr lang="en" sz="1940" b="0" i="0" dirty="0">
-                <a:solidFill>
-                  <a:srgbClr val="0D0D0D"/>
-                </a:solidFill>
-                <a:highlight>
-                  <a:srgbClr val="FFFFFF"/>
-                </a:highlight>
-                <a:latin typeface="Arial"/>
-                <a:ea typeface="Arial"/>
-                <a:cs typeface="Arial"/>
-                <a:sym typeface="Arial"/>
-              </a:rPr>
-              <a:t>Data Sources: </a:t>
-            </a:r>
-            <a:r>
-              <a:rPr lang="en-GB" sz="1940" dirty="0">
-                <a:solidFill>
-                  <a:srgbClr val="0D0D0D"/>
-                </a:solidFill>
-                <a:highlight>
-                  <a:srgbClr val="FFFFFF"/>
-                </a:highlight>
-                <a:latin typeface="Arial"/>
-                <a:cs typeface="Arial"/>
-                <a:hlinkClick r:id="rId3">
-                  <a:extLst>
-                    <a:ext uri="{A12FA001-AC4F-418D-AE19-62706E023703}">
-                      <ahyp:hlinkClr xmlns:ahyp="http://schemas.microsoft.com/office/drawing/2018/hyperlinkcolor" val="tx"/>
-                    </a:ext>
-                  </a:extLst>
-                </a:hlinkClick>
-              </a:rPr>
-              <a:t>Social Media Usage and Emotional Well-Being (kaggle.com)</a:t>
-            </a:r>
-            <a:r>
-              <a:rPr lang="en" sz="1940" dirty="0">
-                <a:solidFill>
-                  <a:srgbClr val="0D0D0D"/>
-                </a:solidFill>
-                <a:highlight>
-                  <a:srgbClr val="FFFFFF"/>
-                </a:highlight>
-                <a:latin typeface="Arial"/>
-                <a:cs typeface="Arial"/>
-                <a:sym typeface="Arial"/>
-              </a:rPr>
-              <a:t>,</a:t>
-            </a:r>
-            <a:r>
-              <a:rPr lang="en-GB" sz="1940" dirty="0">
-                <a:solidFill>
-                  <a:srgbClr val="0D0D0D"/>
-                </a:solidFill>
-                <a:highlight>
-                  <a:srgbClr val="FFFFFF"/>
-                </a:highlight>
-                <a:latin typeface="Arial"/>
-                <a:cs typeface="Arial"/>
-                <a:sym typeface="Arial"/>
-              </a:rPr>
-              <a:t> </a:t>
-            </a:r>
-            <a:r>
-              <a:rPr lang="en-GB" sz="1940" b="0" i="0" dirty="0">
-                <a:solidFill>
-                  <a:srgbClr val="0D0D0D"/>
-                </a:solidFill>
-                <a:highlight>
-                  <a:srgbClr val="FFFFFF"/>
-                </a:highlight>
-                <a:latin typeface="Arial"/>
-                <a:ea typeface="Arial"/>
-                <a:cs typeface="Arial"/>
-                <a:sym typeface="Arial"/>
-              </a:rPr>
-              <a:t>github.com/topics/social-media-usage</a:t>
-            </a:r>
-            <a:endParaRPr sz="1940" dirty="0"/>
-          </a:p>
           <a:p>
             <a:pPr marL="0" lvl="0" indent="0" algn="l" rtl="0">
               <a:lnSpc>
@@ -8463,16 +8301,92 @@
               </a:rPr>
               <a:t>                          Bratati Chakraborti</a:t>
             </a:r>
+          </a:p>
+          <a:p>
+            <a:pPr marL="0" lvl="0" indent="0" algn="l" rtl="0">
+              <a:lnSpc>
+                <a:spcPct val="90000"/>
+              </a:lnSpc>
+              <a:spcBef>
+                <a:spcPts val="0"/>
+              </a:spcBef>
+              <a:spcAft>
+                <a:spcPts val="0"/>
+              </a:spcAft>
+              <a:buSzPts val="770"/>
+              <a:buNone/>
+            </a:pPr>
+            <a:r>
+              <a:rPr lang="en" dirty="0">
+                <a:solidFill>
+                  <a:srgbClr val="0D0D0D"/>
+                </a:solidFill>
+                <a:highlight>
+                  <a:srgbClr val="FFFFFF"/>
+                </a:highlight>
+                <a:latin typeface="Arial"/>
+                <a:cs typeface="Arial"/>
+                <a:sym typeface="Arial"/>
+              </a:rPr>
+              <a:t>                 Guided by Prof Axel Wemmel</a:t>
+            </a:r>
             <a:endParaRPr dirty="0"/>
           </a:p>
         </p:txBody>
       </p:sp>
       <p:pic>
         <p:nvPicPr>
-          <p:cNvPr id="1026" name="Picture 2" descr="Social Media and Mental Well-being">
+          <p:cNvPr id="1032" name="Picture 8" descr="Is Social Media Busting or Boosting ...">
             <a:extLst>
               <a:ext uri="{FF2B5EF4-FFF2-40B4-BE49-F238E27FC236}">
-                <a16:creationId xmlns:a16="http://schemas.microsoft.com/office/drawing/2014/main" id="{4EEA89F6-37E9-A166-3117-3A742BD19579}"/>
+                <a16:creationId xmlns:a16="http://schemas.microsoft.com/office/drawing/2014/main" id="{D241A007-3C03-3488-1429-D20776BBE405}"/>
+              </a:ext>
+            </a:extLst>
+          </p:cNvPr>
+          <p:cNvPicPr>
+            <a:picLocks noChangeAspect="1" noChangeArrowheads="1"/>
+          </p:cNvPicPr>
+          <p:nvPr/>
+        </p:nvPicPr>
+        <p:blipFill>
+          <a:blip r:embed="rId3">
+            <a:extLst>
+              <a:ext uri="{28A0092B-C50C-407E-A947-70E740481C1C}">
+                <a14:useLocalDpi xmlns:a14="http://schemas.microsoft.com/office/drawing/2010/main" val="0"/>
+              </a:ext>
+            </a:extLst>
+          </a:blip>
+          <a:srcRect/>
+          <a:stretch>
+            <a:fillRect/>
+          </a:stretch>
+        </p:blipFill>
+        <p:spPr bwMode="auto">
+          <a:xfrm>
+            <a:off x="-170284" y="-17174"/>
+            <a:ext cx="2664296" cy="1717982"/>
+          </a:xfrm>
+          <a:prstGeom prst="rect">
+            <a:avLst/>
+          </a:prstGeom>
+          <a:noFill/>
+          <a:extLst>
+            <a:ext uri="{909E8E84-426E-40DD-AFC4-6F175D3DCCD1}">
+              <a14:hiddenFill xmlns:a14="http://schemas.microsoft.com/office/drawing/2010/main">
+                <a:solidFill>
+                  <a:srgbClr val="FFFFFF"/>
+                </a:solidFill>
+              </a14:hiddenFill>
+            </a:ext>
+          </a:extLst>
+        </p:spPr>
+      </p:pic>
+      <p:pic>
+        <p:nvPicPr>
+          <p:cNvPr id="3078" name="Picture 6" descr="Socio-Emotional Learning, Mental Health ...">
+            <a:extLst>
+              <a:ext uri="{FF2B5EF4-FFF2-40B4-BE49-F238E27FC236}">
+                <a16:creationId xmlns:a16="http://schemas.microsoft.com/office/drawing/2014/main" id="{119673DF-9DF6-02F0-A78D-4602EF9E8417}"/>
               </a:ext>
             </a:extLst>
           </p:cNvPr>
@@ -8496,8 +8410,8 @@
         </p:blipFill>
         <p:spPr bwMode="auto">
           <a:xfrm>
-            <a:off x="8642437" y="4558479"/>
-            <a:ext cx="3502125" cy="2346176"/>
+            <a:off x="6670476" y="4365104"/>
+            <a:ext cx="5518349" cy="2473242"/>
           </a:xfrm>
           <a:prstGeom prst="rect">
             <a:avLst/>
@@ -8514,12 +8428,2011 @@
           </a:extLst>
         </p:spPr>
       </p:pic>
+    </p:spTree>
+  </p:cSld>
+  <p:clrMapOvr>
+    <a:masterClrMapping/>
+  </p:clrMapOvr>
+  <mc:AlternateContent xmlns:mc="http://schemas.openxmlformats.org/markup-compatibility/2006" xmlns:p14="http://schemas.microsoft.com/office/powerpoint/2010/main">
+    <mc:Choice Requires="p14">
+      <p:transition spd="med" p14:dur="700">
+        <p:fade/>
+      </p:transition>
+    </mc:Choice>
+    <mc:Fallback xmlns="" xmlns:mv="urn:schemas-microsoft-com:mac:vml" xmlns:c="http://schemas.openxmlformats.org/drawingml/2006/chart" xmlns:dgm="http://schemas.openxmlformats.org/drawingml/2006/diagram" xmlns:o="urn:schemas-microsoft-com:office:office" xmlns:v="urn:schemas-microsoft-com:vml" xmlns:pvml="urn:schemas-microsoft-com:office:powerpoint" xmlns:com="http://schemas.openxmlformats.org/drawingml/2006/compatibility" xmlns:p15="http://schemas.microsoft.com/office/powerpoint/2012/main" xmlns:ahyp="http://schemas.microsoft.com/office/drawing/2018/hyperlinkcolor">
+      <p:transition spd="slow">
+        <p:fade/>
+      </p:transition>
+    </mc:Fallback>
+  </mc:AlternateContent>
+</p:sld>
+</file>
+
+<file path=ppt/slides/slide10.xml><?xml version="1.0" encoding="utf-8"?>
+<p:sld xmlns:a="http://schemas.openxmlformats.org/drawingml/2006/main" xmlns:r="http://schemas.openxmlformats.org/officeDocument/2006/relationships" xmlns:p="http://schemas.openxmlformats.org/presentationml/2006/main">
+  <p:cSld>
+    <p:spTree>
+      <p:nvGrpSpPr>
+        <p:cNvPr id="1" name=""/>
+        <p:cNvGrpSpPr/>
+        <p:nvPr/>
+      </p:nvGrpSpPr>
+      <p:grpSpPr>
+        <a:xfrm>
+          <a:off x="0" y="0"/>
+          <a:ext cx="0" cy="0"/>
+          <a:chOff x="0" y="0"/>
+          <a:chExt cx="0" cy="0"/>
+        </a:xfrm>
+      </p:grpSpPr>
+      <p:sp>
+        <p:nvSpPr>
+          <p:cNvPr id="2" name="Title 1">
+            <a:extLst>
+              <a:ext uri="{FF2B5EF4-FFF2-40B4-BE49-F238E27FC236}">
+                <a16:creationId xmlns:a16="http://schemas.microsoft.com/office/drawing/2014/main" id="{8BA44983-89EB-CE4A-462C-C96C31086C1D}"/>
+              </a:ext>
+            </a:extLst>
+          </p:cNvPr>
+          <p:cNvSpPr>
+            <a:spLocks noGrp="1"/>
+          </p:cNvSpPr>
+          <p:nvPr>
+            <p:ph type="title"/>
+          </p:nvPr>
+        </p:nvSpPr>
+        <p:spPr/>
+        <p:txBody>
+          <a:bodyPr/>
+          <a:lstStyle/>
+          <a:p>
+            <a:r>
+              <a:rPr lang="en-GB" dirty="0"/>
+              <a:t>Apache Spark</a:t>
+            </a:r>
+          </a:p>
+        </p:txBody>
+      </p:sp>
+      <p:sp>
+        <p:nvSpPr>
+          <p:cNvPr id="3" name="Content Placeholder 2">
+            <a:extLst>
+              <a:ext uri="{FF2B5EF4-FFF2-40B4-BE49-F238E27FC236}">
+                <a16:creationId xmlns:a16="http://schemas.microsoft.com/office/drawing/2014/main" id="{EBFD4A58-406B-DF0E-8D8A-A5F398DE024E}"/>
+              </a:ext>
+            </a:extLst>
+          </p:cNvPr>
+          <p:cNvSpPr>
+            <a:spLocks noGrp="1"/>
+          </p:cNvSpPr>
+          <p:nvPr>
+            <p:ph idx="1"/>
+          </p:nvPr>
+        </p:nvSpPr>
+        <p:spPr>
+          <a:xfrm>
+            <a:off x="1593435" y="1953344"/>
+            <a:ext cx="9782801" cy="4572000"/>
+          </a:xfrm>
+        </p:spPr>
+        <p:txBody>
+          <a:bodyPr>
+            <a:normAutofit/>
+          </a:bodyPr>
+          <a:lstStyle/>
+          <a:p>
+            <a:pPr marL="0" indent="0">
+              <a:buNone/>
+            </a:pPr>
+            <a:r>
+              <a:rPr lang="en-GB" b="1" dirty="0"/>
+              <a:t>Purpose : </a:t>
+            </a:r>
+          </a:p>
+          <a:p>
+            <a:r>
+              <a:rPr lang="en-GB" b="1" dirty="0"/>
+              <a:t>In-Memory Data Processing: </a:t>
+            </a:r>
+            <a:r>
+              <a:rPr lang="en-GB" dirty="0"/>
+              <a:t>Spark processes data in memory, significantly speeding up data processing tasks </a:t>
+            </a:r>
+          </a:p>
+          <a:p>
+            <a:r>
+              <a:rPr lang="en-GB" b="1" dirty="0"/>
+              <a:t>Advanced Analytics: </a:t>
+            </a:r>
+            <a:r>
+              <a:rPr lang="en-GB" dirty="0"/>
+              <a:t>Provides powerful APIs for data manipulation and analysis (e.g., </a:t>
+            </a:r>
+            <a:r>
+              <a:rPr lang="en-GB" dirty="0" err="1"/>
+              <a:t>PySpark</a:t>
+            </a:r>
+            <a:r>
+              <a:rPr lang="en-GB" dirty="0"/>
+              <a:t> , Spark SQL ).</a:t>
+            </a:r>
+          </a:p>
+          <a:p>
+            <a:r>
+              <a:rPr lang="en-GB" b="1" dirty="0"/>
+              <a:t>Machine Learning: </a:t>
+            </a:r>
+            <a:r>
+              <a:rPr lang="en-GB" dirty="0"/>
+              <a:t>Spark’s </a:t>
+            </a:r>
+            <a:r>
+              <a:rPr lang="en-GB" dirty="0" err="1"/>
+              <a:t>MLlib</a:t>
+            </a:r>
+            <a:r>
+              <a:rPr lang="en-GB" dirty="0"/>
+              <a:t> library supports machine learning algorithms for tasks like </a:t>
+            </a:r>
+            <a:r>
+              <a:rPr lang="en-GB" b="1" dirty="0"/>
+              <a:t>regression analysis </a:t>
+            </a:r>
+            <a:r>
+              <a:rPr lang="en-GB" dirty="0"/>
+              <a:t>and </a:t>
+            </a:r>
+            <a:r>
+              <a:rPr lang="en-GB" b="1" dirty="0"/>
+              <a:t>pattern matching.</a:t>
+            </a:r>
+          </a:p>
+          <a:p>
+            <a:endParaRPr lang="en-GB" b="1" dirty="0"/>
+          </a:p>
+        </p:txBody>
+      </p:sp>
       <p:pic>
         <p:nvPicPr>
-          <p:cNvPr id="1032" name="Picture 8" descr="Is Social Media Busting or Boosting ...">
+          <p:cNvPr id="4" name="Picture 2" descr="Apache Spark and Analytics ...">
             <a:extLst>
               <a:ext uri="{FF2B5EF4-FFF2-40B4-BE49-F238E27FC236}">
-                <a16:creationId xmlns:a16="http://schemas.microsoft.com/office/drawing/2014/main" id="{D241A007-3C03-3488-1429-D20776BBE405}"/>
+                <a16:creationId xmlns:a16="http://schemas.microsoft.com/office/drawing/2014/main" id="{8DE1AAD0-061C-7B73-41C2-3FC9F73EFA49}"/>
+              </a:ext>
+            </a:extLst>
+          </p:cNvPr>
+          <p:cNvPicPr>
+            <a:picLocks noChangeAspect="1" noChangeArrowheads="1"/>
+          </p:cNvPicPr>
+          <p:nvPr/>
+        </p:nvPicPr>
+        <p:blipFill>
+          <a:blip r:embed="rId2">
+            <a:extLst>
+              <a:ext uri="{28A0092B-C50C-407E-A947-70E740481C1C}">
+                <a14:useLocalDpi xmlns:a14="http://schemas.microsoft.com/office/drawing/2010/main" val="0"/>
+              </a:ext>
+            </a:extLst>
+          </a:blip>
+          <a:srcRect/>
+          <a:stretch>
+            <a:fillRect/>
+          </a:stretch>
+        </p:blipFill>
+        <p:spPr bwMode="auto">
+          <a:xfrm>
+            <a:off x="4582244" y="177800"/>
+            <a:ext cx="7200800" cy="2243088"/>
+          </a:xfrm>
+          <a:prstGeom prst="rect">
+            <a:avLst/>
+          </a:prstGeom>
+          <a:noFill/>
+          <a:extLst>
+            <a:ext uri="{909E8E84-426E-40DD-AFC4-6F175D3DCCD1}">
+              <a14:hiddenFill xmlns:a14="http://schemas.microsoft.com/office/drawing/2010/main">
+                <a:solidFill>
+                  <a:srgbClr val="FFFFFF"/>
+                </a:solidFill>
+              </a14:hiddenFill>
+            </a:ext>
+          </a:extLst>
+        </p:spPr>
+      </p:pic>
+    </p:spTree>
+    <p:extLst>
+      <p:ext uri="{BB962C8B-B14F-4D97-AF65-F5344CB8AC3E}">
+        <p14:creationId xmlns:p14="http://schemas.microsoft.com/office/powerpoint/2010/main" val="2601261512"/>
+      </p:ext>
+    </p:extLst>
+  </p:cSld>
+  <p:clrMapOvr>
+    <a:masterClrMapping/>
+  </p:clrMapOvr>
+  <mc:AlternateContent xmlns:mc="http://schemas.openxmlformats.org/markup-compatibility/2006" xmlns:p14="http://schemas.microsoft.com/office/powerpoint/2010/main">
+    <mc:Choice Requires="p14">
+      <p:transition spd="med" p14:dur="700">
+        <p:fade/>
+      </p:transition>
+    </mc:Choice>
+    <mc:Fallback xmlns="">
+      <p:transition spd="med">
+        <p:fade/>
+      </p:transition>
+    </mc:Fallback>
+  </mc:AlternateContent>
+</p:sld>
+</file>
+
+<file path=ppt/slides/slide11.xml><?xml version="1.0" encoding="utf-8"?>
+<p:sld xmlns:a="http://schemas.openxmlformats.org/drawingml/2006/main" xmlns:r="http://schemas.openxmlformats.org/officeDocument/2006/relationships" xmlns:p="http://schemas.openxmlformats.org/presentationml/2006/main">
+  <p:cSld>
+    <p:spTree>
+      <p:nvGrpSpPr>
+        <p:cNvPr id="1" name=""/>
+        <p:cNvGrpSpPr/>
+        <p:nvPr/>
+      </p:nvGrpSpPr>
+      <p:grpSpPr>
+        <a:xfrm>
+          <a:off x="0" y="0"/>
+          <a:ext cx="0" cy="0"/>
+          <a:chOff x="0" y="0"/>
+          <a:chExt cx="0" cy="0"/>
+        </a:xfrm>
+      </p:grpSpPr>
+      <p:sp>
+        <p:nvSpPr>
+          <p:cNvPr id="2" name="Title 1">
+            <a:extLst>
+              <a:ext uri="{FF2B5EF4-FFF2-40B4-BE49-F238E27FC236}">
+                <a16:creationId xmlns:a16="http://schemas.microsoft.com/office/drawing/2014/main" id="{D3DCD3A0-D3CD-F20C-9BEA-76C0258FC9A8}"/>
+              </a:ext>
+            </a:extLst>
+          </p:cNvPr>
+          <p:cNvSpPr>
+            <a:spLocks noGrp="1"/>
+          </p:cNvSpPr>
+          <p:nvPr>
+            <p:ph type="title"/>
+          </p:nvPr>
+        </p:nvSpPr>
+        <p:spPr/>
+        <p:txBody>
+          <a:bodyPr/>
+          <a:lstStyle/>
+          <a:p>
+            <a:r>
+              <a:rPr lang="en-GB" dirty="0"/>
+              <a:t>Spark for data Processing</a:t>
+            </a:r>
+          </a:p>
+        </p:txBody>
+      </p:sp>
+      <p:pic>
+        <p:nvPicPr>
+          <p:cNvPr id="7" name="Content Placeholder 6">
+            <a:extLst>
+              <a:ext uri="{FF2B5EF4-FFF2-40B4-BE49-F238E27FC236}">
+                <a16:creationId xmlns:a16="http://schemas.microsoft.com/office/drawing/2014/main" id="{3AA3BC36-0662-2E96-F1F4-943A0C0A64BE}"/>
+              </a:ext>
+            </a:extLst>
+          </p:cNvPr>
+          <p:cNvPicPr>
+            <a:picLocks noGrp="1" noChangeAspect="1"/>
+          </p:cNvPicPr>
+          <p:nvPr>
+            <p:ph idx="1"/>
+          </p:nvPr>
+        </p:nvPicPr>
+        <p:blipFill>
+          <a:blip r:embed="rId2"/>
+          <a:stretch>
+            <a:fillRect/>
+          </a:stretch>
+        </p:blipFill>
+        <p:spPr>
+          <a:xfrm>
+            <a:off x="1269876" y="1600200"/>
+            <a:ext cx="10657184" cy="5080000"/>
+          </a:xfrm>
+        </p:spPr>
+      </p:pic>
+    </p:spTree>
+    <p:extLst>
+      <p:ext uri="{BB962C8B-B14F-4D97-AF65-F5344CB8AC3E}">
+        <p14:creationId xmlns:p14="http://schemas.microsoft.com/office/powerpoint/2010/main" val="2709957482"/>
+      </p:ext>
+    </p:extLst>
+  </p:cSld>
+  <p:clrMapOvr>
+    <a:masterClrMapping/>
+  </p:clrMapOvr>
+  <mc:AlternateContent xmlns:mc="http://schemas.openxmlformats.org/markup-compatibility/2006" xmlns:p14="http://schemas.microsoft.com/office/powerpoint/2010/main">
+    <mc:Choice Requires="p14">
+      <p:transition spd="med" p14:dur="700">
+        <p:fade/>
+      </p:transition>
+    </mc:Choice>
+    <mc:Fallback xmlns="">
+      <p:transition spd="med">
+        <p:fade/>
+      </p:transition>
+    </mc:Fallback>
+  </mc:AlternateContent>
+</p:sld>
+</file>
+
+<file path=ppt/slides/slide12.xml><?xml version="1.0" encoding="utf-8"?>
+<p:sld xmlns:a="http://schemas.openxmlformats.org/drawingml/2006/main" xmlns:r="http://schemas.openxmlformats.org/officeDocument/2006/relationships" xmlns:p="http://schemas.openxmlformats.org/presentationml/2006/main">
+  <p:cSld>
+    <p:spTree>
+      <p:nvGrpSpPr>
+        <p:cNvPr id="1" name=""/>
+        <p:cNvGrpSpPr/>
+        <p:nvPr/>
+      </p:nvGrpSpPr>
+      <p:grpSpPr>
+        <a:xfrm>
+          <a:off x="0" y="0"/>
+          <a:ext cx="0" cy="0"/>
+          <a:chOff x="0" y="0"/>
+          <a:chExt cx="0" cy="0"/>
+        </a:xfrm>
+      </p:grpSpPr>
+      <p:sp>
+        <p:nvSpPr>
+          <p:cNvPr id="2" name="Title 1">
+            <a:extLst>
+              <a:ext uri="{FF2B5EF4-FFF2-40B4-BE49-F238E27FC236}">
+                <a16:creationId xmlns:a16="http://schemas.microsoft.com/office/drawing/2014/main" id="{790DF3EE-E968-DA20-23F4-F0C16A828404}"/>
+              </a:ext>
+            </a:extLst>
+          </p:cNvPr>
+          <p:cNvSpPr>
+            <a:spLocks noGrp="1"/>
+          </p:cNvSpPr>
+          <p:nvPr>
+            <p:ph type="title"/>
+          </p:nvPr>
+        </p:nvSpPr>
+        <p:spPr>
+          <a:xfrm>
+            <a:off x="1557908" y="685800"/>
+            <a:ext cx="9782801" cy="736600"/>
+          </a:xfrm>
+        </p:spPr>
+        <p:txBody>
+          <a:bodyPr>
+            <a:normAutofit fontScale="90000"/>
+          </a:bodyPr>
+          <a:lstStyle/>
+          <a:p>
+            <a:r>
+              <a:rPr lang="en-GB" dirty="0"/>
+              <a:t>Data Storage and Retrieval </a:t>
+            </a:r>
+            <a:br>
+              <a:rPr lang="en-GB" dirty="0"/>
+            </a:br>
+            <a:r>
+              <a:rPr lang="en-GB" dirty="0"/>
+              <a:t>with HBase</a:t>
+            </a:r>
+          </a:p>
+        </p:txBody>
+      </p:sp>
+      <p:sp>
+        <p:nvSpPr>
+          <p:cNvPr id="3" name="Content Placeholder 2">
+            <a:extLst>
+              <a:ext uri="{FF2B5EF4-FFF2-40B4-BE49-F238E27FC236}">
+                <a16:creationId xmlns:a16="http://schemas.microsoft.com/office/drawing/2014/main" id="{3D7854A8-E660-41AB-16D6-10AE26B5EBCA}"/>
+              </a:ext>
+            </a:extLst>
+          </p:cNvPr>
+          <p:cNvSpPr>
+            <a:spLocks noGrp="1"/>
+          </p:cNvSpPr>
+          <p:nvPr>
+            <p:ph idx="1"/>
+          </p:nvPr>
+        </p:nvSpPr>
+        <p:spPr>
+          <a:xfrm>
+            <a:off x="1314755" y="1600200"/>
+            <a:ext cx="9782801" cy="4572000"/>
+          </a:xfrm>
+        </p:spPr>
+        <p:txBody>
+          <a:bodyPr>
+            <a:normAutofit/>
+          </a:bodyPr>
+          <a:lstStyle/>
+          <a:p>
+            <a:r>
+              <a:rPr lang="en-GB" b="1" dirty="0"/>
+              <a:t>Purpose:</a:t>
+            </a:r>
+          </a:p>
+          <a:p>
+            <a:r>
+              <a:rPr lang="en-GB" dirty="0"/>
+              <a:t>NoSQL Database</a:t>
+            </a:r>
+          </a:p>
+          <a:p>
+            <a:r>
+              <a:rPr lang="en-GB" dirty="0"/>
+              <a:t>Efficient Storage and Retrieval:</a:t>
+            </a:r>
+          </a:p>
+          <a:p>
+            <a:r>
+              <a:rPr lang="en-GB" b="1" dirty="0"/>
+              <a:t>Benefits: </a:t>
+            </a:r>
+          </a:p>
+          <a:p>
+            <a:r>
+              <a:rPr lang="en-GB" dirty="0"/>
+              <a:t>Scalability:</a:t>
+            </a:r>
+          </a:p>
+          <a:p>
+            <a:r>
+              <a:rPr lang="en-GB" dirty="0"/>
+              <a:t>High Performance: </a:t>
+            </a:r>
+          </a:p>
+          <a:p>
+            <a:r>
+              <a:rPr lang="en-GB" dirty="0"/>
+              <a:t>Integration with Hadoop Ecosystem:</a:t>
+            </a:r>
+          </a:p>
+          <a:p>
+            <a:r>
+              <a:rPr lang="en-US" altLang="en-US" b="1" dirty="0" err="1"/>
+              <a:t>HappyBase</a:t>
+            </a:r>
+            <a:r>
+              <a:rPr lang="en-US" altLang="en-US" b="1" dirty="0"/>
+              <a:t>: </a:t>
+            </a:r>
+            <a:r>
+              <a:rPr kumimoji="0" lang="en-US" altLang="en-US" sz="2800" b="0" i="0" u="none" strike="noStrike" cap="none" normalizeH="0" baseline="0" dirty="0">
+                <a:ln>
+                  <a:noFill/>
+                </a:ln>
+                <a:solidFill>
+                  <a:schemeClr val="tx1"/>
+                </a:solidFill>
+                <a:effectLst/>
+                <a:latin typeface="Arial" panose="020B0604020202020204" pitchFamily="34" charset="0"/>
+              </a:rPr>
+              <a:t>Python library to interact  HBase using Thrift.</a:t>
+            </a:r>
+          </a:p>
+          <a:p>
+            <a:endParaRPr lang="en-GB" dirty="0"/>
+          </a:p>
+        </p:txBody>
+      </p:sp>
+      <p:pic>
+        <p:nvPicPr>
+          <p:cNvPr id="2053" name="Picture 5" descr="Overview of HBase Architecture and its ...">
+            <a:extLst>
+              <a:ext uri="{FF2B5EF4-FFF2-40B4-BE49-F238E27FC236}">
+                <a16:creationId xmlns:a16="http://schemas.microsoft.com/office/drawing/2014/main" id="{35805285-1ED7-E87A-E494-252B28CE6B2F}"/>
+              </a:ext>
+            </a:extLst>
+          </p:cNvPr>
+          <p:cNvPicPr>
+            <a:picLocks noChangeAspect="1" noChangeArrowheads="1"/>
+          </p:cNvPicPr>
+          <p:nvPr/>
+        </p:nvPicPr>
+        <p:blipFill>
+          <a:blip r:embed="rId2">
+            <a:extLst>
+              <a:ext uri="{28A0092B-C50C-407E-A947-70E740481C1C}">
+                <a14:useLocalDpi xmlns:a14="http://schemas.microsoft.com/office/drawing/2010/main" val="0"/>
+              </a:ext>
+            </a:extLst>
+          </a:blip>
+          <a:srcRect/>
+          <a:stretch>
+            <a:fillRect/>
+          </a:stretch>
+        </p:blipFill>
+        <p:spPr bwMode="auto">
+          <a:xfrm>
+            <a:off x="7030515" y="0"/>
+            <a:ext cx="5158309" cy="4797152"/>
+          </a:xfrm>
+          <a:prstGeom prst="rect">
+            <a:avLst/>
+          </a:prstGeom>
+          <a:noFill/>
+          <a:extLst>
+            <a:ext uri="{909E8E84-426E-40DD-AFC4-6F175D3DCCD1}">
+              <a14:hiddenFill xmlns:a14="http://schemas.microsoft.com/office/drawing/2010/main">
+                <a:solidFill>
+                  <a:srgbClr val="FFFFFF"/>
+                </a:solidFill>
+              </a14:hiddenFill>
+            </a:ext>
+          </a:extLst>
+        </p:spPr>
+      </p:pic>
+    </p:spTree>
+    <p:extLst>
+      <p:ext uri="{BB962C8B-B14F-4D97-AF65-F5344CB8AC3E}">
+        <p14:creationId xmlns:p14="http://schemas.microsoft.com/office/powerpoint/2010/main" val="2083260834"/>
+      </p:ext>
+    </p:extLst>
+  </p:cSld>
+  <p:clrMapOvr>
+    <a:masterClrMapping/>
+  </p:clrMapOvr>
+  <mc:AlternateContent xmlns:mc="http://schemas.openxmlformats.org/markup-compatibility/2006" xmlns:p14="http://schemas.microsoft.com/office/powerpoint/2010/main">
+    <mc:Choice Requires="p14">
+      <p:transition spd="med" p14:dur="700">
+        <p:fade/>
+      </p:transition>
+    </mc:Choice>
+    <mc:Fallback xmlns="">
+      <p:transition spd="med">
+        <p:fade/>
+      </p:transition>
+    </mc:Fallback>
+  </mc:AlternateContent>
+</p:sld>
+</file>
+
+<file path=ppt/slides/slide13.xml><?xml version="1.0" encoding="utf-8"?>
+<p:sld xmlns:a="http://schemas.openxmlformats.org/drawingml/2006/main" xmlns:r="http://schemas.openxmlformats.org/officeDocument/2006/relationships" xmlns:p="http://schemas.openxmlformats.org/presentationml/2006/main">
+  <p:cSld>
+    <p:spTree>
+      <p:nvGrpSpPr>
+        <p:cNvPr id="1" name=""/>
+        <p:cNvGrpSpPr/>
+        <p:nvPr/>
+      </p:nvGrpSpPr>
+      <p:grpSpPr>
+        <a:xfrm>
+          <a:off x="0" y="0"/>
+          <a:ext cx="0" cy="0"/>
+          <a:chOff x="0" y="0"/>
+          <a:chExt cx="0" cy="0"/>
+        </a:xfrm>
+      </p:grpSpPr>
+      <p:sp>
+        <p:nvSpPr>
+          <p:cNvPr id="2" name="Title 1">
+            <a:extLst>
+              <a:ext uri="{FF2B5EF4-FFF2-40B4-BE49-F238E27FC236}">
+                <a16:creationId xmlns:a16="http://schemas.microsoft.com/office/drawing/2014/main" id="{12992AD1-0B74-20B4-6C2B-82405123B529}"/>
+              </a:ext>
+            </a:extLst>
+          </p:cNvPr>
+          <p:cNvSpPr>
+            <a:spLocks noGrp="1"/>
+          </p:cNvSpPr>
+          <p:nvPr>
+            <p:ph type="title"/>
+          </p:nvPr>
+        </p:nvSpPr>
+        <p:spPr>
+          <a:xfrm>
+            <a:off x="1763107" y="177801"/>
+            <a:ext cx="9613130" cy="658912"/>
+          </a:xfrm>
+        </p:spPr>
+        <p:txBody>
+          <a:bodyPr>
+            <a:normAutofit/>
+          </a:bodyPr>
+          <a:lstStyle/>
+          <a:p>
+            <a:r>
+              <a:rPr lang="en-GB" dirty="0"/>
+              <a:t>Data Storage and Retrieval with HBase</a:t>
+            </a:r>
+          </a:p>
+        </p:txBody>
+      </p:sp>
+      <p:pic>
+        <p:nvPicPr>
+          <p:cNvPr id="5" name="Content Placeholder 4">
+            <a:extLst>
+              <a:ext uri="{FF2B5EF4-FFF2-40B4-BE49-F238E27FC236}">
+                <a16:creationId xmlns:a16="http://schemas.microsoft.com/office/drawing/2014/main" id="{4034F8CB-859B-62A0-B098-B661DAB1BBE5}"/>
+              </a:ext>
+            </a:extLst>
+          </p:cNvPr>
+          <p:cNvPicPr>
+            <a:picLocks noGrp="1" noChangeAspect="1"/>
+          </p:cNvPicPr>
+          <p:nvPr>
+            <p:ph idx="1"/>
+          </p:nvPr>
+        </p:nvPicPr>
+        <p:blipFill>
+          <a:blip r:embed="rId2"/>
+          <a:stretch>
+            <a:fillRect/>
+          </a:stretch>
+        </p:blipFill>
+        <p:spPr>
+          <a:xfrm>
+            <a:off x="0" y="797480"/>
+            <a:ext cx="11855051" cy="3121658"/>
+          </a:xfrm>
+        </p:spPr>
+      </p:pic>
+      <p:pic>
+        <p:nvPicPr>
+          <p:cNvPr id="7" name="Picture 6">
+            <a:extLst>
+              <a:ext uri="{FF2B5EF4-FFF2-40B4-BE49-F238E27FC236}">
+                <a16:creationId xmlns:a16="http://schemas.microsoft.com/office/drawing/2014/main" id="{4645839A-AEC3-5813-2823-E2AB5C9AE9D4}"/>
+              </a:ext>
+            </a:extLst>
+          </p:cNvPr>
+          <p:cNvPicPr>
+            <a:picLocks noChangeAspect="1"/>
+          </p:cNvPicPr>
+          <p:nvPr/>
+        </p:nvPicPr>
+        <p:blipFill>
+          <a:blip r:embed="rId3"/>
+          <a:stretch>
+            <a:fillRect/>
+          </a:stretch>
+        </p:blipFill>
+        <p:spPr>
+          <a:xfrm>
+            <a:off x="0" y="3392230"/>
+            <a:ext cx="11783045" cy="3437373"/>
+          </a:xfrm>
+          <a:prstGeom prst="rect">
+            <a:avLst/>
+          </a:prstGeom>
+        </p:spPr>
+      </p:pic>
+    </p:spTree>
+    <p:extLst>
+      <p:ext uri="{BB962C8B-B14F-4D97-AF65-F5344CB8AC3E}">
+        <p14:creationId xmlns:p14="http://schemas.microsoft.com/office/powerpoint/2010/main" val="3171257243"/>
+      </p:ext>
+    </p:extLst>
+  </p:cSld>
+  <p:clrMapOvr>
+    <a:masterClrMapping/>
+  </p:clrMapOvr>
+  <mc:AlternateContent xmlns:mc="http://schemas.openxmlformats.org/markup-compatibility/2006" xmlns:p14="http://schemas.microsoft.com/office/powerpoint/2010/main">
+    <mc:Choice Requires="p14">
+      <p:transition spd="med" p14:dur="700">
+        <p:fade/>
+      </p:transition>
+    </mc:Choice>
+    <mc:Fallback xmlns="">
+      <p:transition spd="med">
+        <p:fade/>
+      </p:transition>
+    </mc:Fallback>
+  </mc:AlternateContent>
+</p:sld>
+</file>
+
+<file path=ppt/slides/slide14.xml><?xml version="1.0" encoding="utf-8"?>
+<p:sld xmlns:a="http://schemas.openxmlformats.org/drawingml/2006/main" xmlns:r="http://schemas.openxmlformats.org/officeDocument/2006/relationships" xmlns:p="http://schemas.openxmlformats.org/presentationml/2006/main">
+  <p:cSld>
+    <p:spTree>
+      <p:nvGrpSpPr>
+        <p:cNvPr id="1" name=""/>
+        <p:cNvGrpSpPr/>
+        <p:nvPr/>
+      </p:nvGrpSpPr>
+      <p:grpSpPr>
+        <a:xfrm>
+          <a:off x="0" y="0"/>
+          <a:ext cx="0" cy="0"/>
+          <a:chOff x="0" y="0"/>
+          <a:chExt cx="0" cy="0"/>
+        </a:xfrm>
+      </p:grpSpPr>
+      <p:sp>
+        <p:nvSpPr>
+          <p:cNvPr id="2" name="Title 1">
+            <a:extLst>
+              <a:ext uri="{FF2B5EF4-FFF2-40B4-BE49-F238E27FC236}">
+                <a16:creationId xmlns:a16="http://schemas.microsoft.com/office/drawing/2014/main" id="{A41090EA-AD6C-A087-CD1C-54B20643DC6D}"/>
+              </a:ext>
+            </a:extLst>
+          </p:cNvPr>
+          <p:cNvSpPr>
+            <a:spLocks noGrp="1"/>
+          </p:cNvSpPr>
+          <p:nvPr>
+            <p:ph type="title"/>
+          </p:nvPr>
+        </p:nvSpPr>
+        <p:spPr/>
+        <p:txBody>
+          <a:bodyPr/>
+          <a:lstStyle/>
+          <a:p>
+            <a:r>
+              <a:rPr lang="en-GB" dirty="0"/>
+              <a:t>Visualization and Insights</a:t>
+            </a:r>
+          </a:p>
+        </p:txBody>
+      </p:sp>
+      <p:sp>
+        <p:nvSpPr>
+          <p:cNvPr id="4" name="Rectangle 1">
+            <a:extLst>
+              <a:ext uri="{FF2B5EF4-FFF2-40B4-BE49-F238E27FC236}">
+                <a16:creationId xmlns:a16="http://schemas.microsoft.com/office/drawing/2014/main" id="{D60580A7-2CF8-CA71-7FD3-CAE8607D71AF}"/>
+              </a:ext>
+            </a:extLst>
+          </p:cNvPr>
+          <p:cNvSpPr>
+            <a:spLocks noGrp="1" noChangeArrowheads="1"/>
+          </p:cNvSpPr>
+          <p:nvPr>
+            <p:ph idx="1"/>
+          </p:nvPr>
+        </p:nvSpPr>
+        <p:spPr bwMode="auto">
+          <a:xfrm>
+            <a:off x="1413892" y="1613118"/>
+            <a:ext cx="10531601" cy="1815882"/>
+          </a:xfrm>
+          <a:prstGeom prst="rect">
+            <a:avLst/>
+          </a:prstGeom>
+          <a:noFill/>
+          <a:ln>
+            <a:noFill/>
+          </a:ln>
+          <a:effectLst/>
+          <a:extLst>
+            <a:ext uri="{909E8E84-426E-40DD-AFC4-6F175D3DCCD1}">
+              <a14:hiddenFill xmlns:a14="http://schemas.microsoft.com/office/drawing/2010/main">
+                <a:solidFill>
+                  <a:schemeClr val="accent1"/>
+                </a:solidFill>
+              </a14:hiddenFill>
+            </a:ext>
+            <a:ext uri="{91240B29-F687-4F45-9708-019B960494DF}">
+              <a14:hiddenLine xmlns:a14="http://schemas.microsoft.com/office/drawing/2010/main" w="9525">
+                <a:solidFill>
+                  <a:schemeClr val="tx1"/>
+                </a:solidFill>
+                <a:miter lim="800000"/>
+                <a:headEnd/>
+                <a:tailEnd/>
+              </a14:hiddenLine>
+            </a:ext>
+            <a:ext uri="{AF507438-7753-43E0-B8FC-AC1667EBCBE1}">
+              <a14:hiddenEffects xmlns:a14="http://schemas.microsoft.com/office/drawing/2010/main">
+                <a:effectLst>
+                  <a:outerShdw dist="35921" dir="2700000" algn="ctr" rotWithShape="0">
+                    <a:schemeClr val="bg2"/>
+                  </a:outerShdw>
+                </a:effectLst>
+              </a14:hiddenEffects>
+            </a:ext>
+          </a:extLst>
+        </p:spPr>
+        <p:txBody>
+          <a:bodyPr vert="horz" wrap="none" lIns="91440" tIns="45720" rIns="91440" bIns="45720" numCol="1" anchor="ctr" anchorCtr="0" compatLnSpc="1">
+            <a:prstTxWarp prst="textNoShape">
+              <a:avLst/>
+            </a:prstTxWarp>
+            <a:spAutoFit/>
+          </a:bodyPr>
+          <a:lstStyle/>
+          <a:p>
+            <a:pPr marL="0" marR="0" lvl="0" indent="0" algn="l" defTabSz="914400" rtl="0" eaLnBrk="0" fontAlgn="base" latinLnBrk="0" hangingPunct="0">
+              <a:lnSpc>
+                <a:spcPct val="100000"/>
+              </a:lnSpc>
+              <a:spcBef>
+                <a:spcPct val="0"/>
+              </a:spcBef>
+              <a:spcAft>
+                <a:spcPct val="0"/>
+              </a:spcAft>
+              <a:buClrTx/>
+              <a:buSzTx/>
+              <a:buFontTx/>
+              <a:buChar char="•"/>
+              <a:tabLst/>
+            </a:pPr>
+            <a:r>
+              <a:rPr kumimoji="0" lang="en-US" altLang="en-US" b="1" i="0" u="none" strike="noStrike" cap="none" normalizeH="0" baseline="0" dirty="0">
+                <a:ln>
+                  <a:noFill/>
+                </a:ln>
+                <a:solidFill>
+                  <a:schemeClr val="tx1"/>
+                </a:solidFill>
+                <a:effectLst/>
+                <a:latin typeface="Arial" panose="020B0604020202020204" pitchFamily="34" charset="0"/>
+              </a:rPr>
+              <a:t>Tools:</a:t>
+            </a:r>
+            <a:r>
+              <a:rPr kumimoji="0" lang="en-US" altLang="en-US" b="0" i="0" u="none" strike="noStrike" cap="none" normalizeH="0" baseline="0" dirty="0">
+                <a:ln>
+                  <a:noFill/>
+                </a:ln>
+                <a:solidFill>
+                  <a:schemeClr val="tx1"/>
+                </a:solidFill>
+                <a:effectLst/>
+                <a:latin typeface="Arial" panose="020B0604020202020204" pitchFamily="34" charset="0"/>
+              </a:rPr>
+              <a:t> Matplotlib, </a:t>
+            </a:r>
+            <a:r>
+              <a:rPr kumimoji="0" lang="en-US" altLang="en-US" b="0" i="0" u="none" strike="noStrike" cap="none" normalizeH="0" baseline="0" dirty="0" err="1">
+                <a:ln>
+                  <a:noFill/>
+                </a:ln>
+                <a:solidFill>
+                  <a:schemeClr val="tx1"/>
+                </a:solidFill>
+                <a:effectLst/>
+                <a:latin typeface="Arial" panose="020B0604020202020204" pitchFamily="34" charset="0"/>
+              </a:rPr>
+              <a:t>Seaborn,plotly,Pandas</a:t>
+            </a:r>
+            <a:r>
+              <a:rPr kumimoji="0" lang="en-US" altLang="en-US" b="0" i="0" u="none" strike="noStrike" cap="none" normalizeH="0" baseline="0" dirty="0">
+                <a:ln>
+                  <a:noFill/>
+                </a:ln>
+                <a:solidFill>
+                  <a:schemeClr val="tx1"/>
+                </a:solidFill>
+                <a:effectLst/>
+                <a:latin typeface="Arial" panose="020B0604020202020204" pitchFamily="34" charset="0"/>
+              </a:rPr>
+              <a:t> for creating interactive </a:t>
+            </a:r>
+          </a:p>
+          <a:p>
+            <a:pPr marL="0" marR="0" lvl="0" indent="0" algn="l" defTabSz="914400" rtl="0" eaLnBrk="0" fontAlgn="base" latinLnBrk="0" hangingPunct="0">
+              <a:lnSpc>
+                <a:spcPct val="100000"/>
+              </a:lnSpc>
+              <a:spcBef>
+                <a:spcPct val="0"/>
+              </a:spcBef>
+              <a:spcAft>
+                <a:spcPct val="0"/>
+              </a:spcAft>
+              <a:buClrTx/>
+              <a:buSzTx/>
+              <a:buNone/>
+              <a:tabLst/>
+            </a:pPr>
+            <a:r>
+              <a:rPr kumimoji="0" lang="en-US" altLang="en-US" b="0" i="0" u="none" strike="noStrike" cap="none" normalizeH="0" baseline="0" dirty="0">
+                <a:ln>
+                  <a:noFill/>
+                </a:ln>
+                <a:solidFill>
+                  <a:schemeClr val="tx1"/>
+                </a:solidFill>
+                <a:effectLst/>
+                <a:latin typeface="Arial" panose="020B0604020202020204" pitchFamily="34" charset="0"/>
+              </a:rPr>
+              <a:t> and detailed visualizations.</a:t>
+            </a:r>
+          </a:p>
+          <a:p>
+            <a:pPr marL="0" marR="0" lvl="0" indent="0" algn="l" defTabSz="914400" rtl="0" eaLnBrk="0" fontAlgn="base" latinLnBrk="0" hangingPunct="0">
+              <a:lnSpc>
+                <a:spcPct val="100000"/>
+              </a:lnSpc>
+              <a:spcBef>
+                <a:spcPct val="0"/>
+              </a:spcBef>
+              <a:spcAft>
+                <a:spcPct val="0"/>
+              </a:spcAft>
+              <a:buClrTx/>
+              <a:buSzTx/>
+              <a:buFontTx/>
+              <a:buChar char="•"/>
+              <a:tabLst/>
+            </a:pPr>
+            <a:r>
+              <a:rPr kumimoji="0" lang="en-US" altLang="en-US" b="1" i="0" u="none" strike="noStrike" cap="none" normalizeH="0" baseline="0" dirty="0">
+                <a:ln>
+                  <a:noFill/>
+                </a:ln>
+                <a:solidFill>
+                  <a:schemeClr val="tx1"/>
+                </a:solidFill>
+                <a:effectLst/>
+                <a:latin typeface="Arial" panose="020B0604020202020204" pitchFamily="34" charset="0"/>
+              </a:rPr>
+              <a:t>Focus:</a:t>
+            </a:r>
+            <a:r>
+              <a:rPr kumimoji="0" lang="en-US" altLang="en-US" b="0" i="0" u="none" strike="noStrike" cap="none" normalizeH="0" baseline="0" dirty="0">
+                <a:ln>
+                  <a:noFill/>
+                </a:ln>
+                <a:solidFill>
+                  <a:schemeClr val="tx1"/>
+                </a:solidFill>
+                <a:effectLst/>
+                <a:latin typeface="Arial" panose="020B0604020202020204" pitchFamily="34" charset="0"/>
+              </a:rPr>
+              <a:t> Visualize the correlation  across  different platforms.</a:t>
+            </a:r>
+          </a:p>
+          <a:p>
+            <a:pPr marL="0" marR="0" lvl="0" indent="0" algn="l" defTabSz="914400" rtl="0" eaLnBrk="0" fontAlgn="base" latinLnBrk="0" hangingPunct="0">
+              <a:lnSpc>
+                <a:spcPct val="100000"/>
+              </a:lnSpc>
+              <a:spcBef>
+                <a:spcPct val="0"/>
+              </a:spcBef>
+              <a:spcAft>
+                <a:spcPct val="0"/>
+              </a:spcAft>
+              <a:buClrTx/>
+              <a:buSzTx/>
+              <a:buNone/>
+              <a:tabLst/>
+            </a:pPr>
+            <a:r>
+              <a:rPr kumimoji="0" lang="en-US" altLang="en-US" b="0" i="0" u="none" strike="noStrike" cap="none" normalizeH="0" baseline="0" dirty="0">
+                <a:ln>
+                  <a:noFill/>
+                </a:ln>
+                <a:solidFill>
+                  <a:schemeClr val="tx1"/>
+                </a:solidFill>
+                <a:effectLst/>
+                <a:latin typeface="Arial" panose="020B0604020202020204" pitchFamily="34" charset="0"/>
+              </a:rPr>
+              <a:t> Tree maps, chord charts, 3D animations. </a:t>
+            </a:r>
+          </a:p>
+        </p:txBody>
+      </p:sp>
+      <p:pic>
+        <p:nvPicPr>
+          <p:cNvPr id="2053" name="Picture 5" descr="Introducing the Multi-Chord Diagram ...">
+            <a:extLst>
+              <a:ext uri="{FF2B5EF4-FFF2-40B4-BE49-F238E27FC236}">
+                <a16:creationId xmlns:a16="http://schemas.microsoft.com/office/drawing/2014/main" id="{A13C9505-0F80-D8C9-CE6B-AE16F491644A}"/>
+              </a:ext>
+            </a:extLst>
+          </p:cNvPr>
+          <p:cNvPicPr>
+            <a:picLocks noChangeAspect="1" noChangeArrowheads="1"/>
+          </p:cNvPicPr>
+          <p:nvPr/>
+        </p:nvPicPr>
+        <p:blipFill>
+          <a:blip r:embed="rId2">
+            <a:extLst>
+              <a:ext uri="{28A0092B-C50C-407E-A947-70E740481C1C}">
+                <a14:useLocalDpi xmlns:a14="http://schemas.microsoft.com/office/drawing/2010/main" val="0"/>
+              </a:ext>
+            </a:extLst>
+          </a:blip>
+          <a:srcRect/>
+          <a:stretch>
+            <a:fillRect/>
+          </a:stretch>
+        </p:blipFill>
+        <p:spPr bwMode="auto">
+          <a:xfrm>
+            <a:off x="7462564" y="4077072"/>
+            <a:ext cx="3573760" cy="2683908"/>
+          </a:xfrm>
+          <a:prstGeom prst="rect">
+            <a:avLst/>
+          </a:prstGeom>
+          <a:noFill/>
+          <a:extLst>
+            <a:ext uri="{909E8E84-426E-40DD-AFC4-6F175D3DCCD1}">
+              <a14:hiddenFill xmlns:a14="http://schemas.microsoft.com/office/drawing/2010/main">
+                <a:solidFill>
+                  <a:srgbClr val="FFFFFF"/>
+                </a:solidFill>
+              </a14:hiddenFill>
+            </a:ext>
+          </a:extLst>
+        </p:spPr>
+      </p:pic>
+      <p:pic>
+        <p:nvPicPr>
+          <p:cNvPr id="2055" name="Picture 7" descr="Treemap | D3 by Observable">
+            <a:extLst>
+              <a:ext uri="{FF2B5EF4-FFF2-40B4-BE49-F238E27FC236}">
+                <a16:creationId xmlns:a16="http://schemas.microsoft.com/office/drawing/2014/main" id="{6453AE05-BBA3-E15D-0B78-EEFC64A6D5ED}"/>
+              </a:ext>
+            </a:extLst>
+          </p:cNvPr>
+          <p:cNvPicPr>
+            <a:picLocks noChangeAspect="1" noChangeArrowheads="1"/>
+          </p:cNvPicPr>
+          <p:nvPr/>
+        </p:nvPicPr>
+        <p:blipFill>
+          <a:blip r:embed="rId3">
+            <a:extLst>
+              <a:ext uri="{28A0092B-C50C-407E-A947-70E740481C1C}">
+                <a14:useLocalDpi xmlns:a14="http://schemas.microsoft.com/office/drawing/2010/main" val="0"/>
+              </a:ext>
+            </a:extLst>
+          </a:blip>
+          <a:srcRect/>
+          <a:stretch>
+            <a:fillRect/>
+          </a:stretch>
+        </p:blipFill>
+        <p:spPr bwMode="auto">
+          <a:xfrm>
+            <a:off x="1341884" y="4563844"/>
+            <a:ext cx="5400600" cy="2187778"/>
+          </a:xfrm>
+          <a:prstGeom prst="rect">
+            <a:avLst/>
+          </a:prstGeom>
+          <a:noFill/>
+          <a:extLst>
+            <a:ext uri="{909E8E84-426E-40DD-AFC4-6F175D3DCCD1}">
+              <a14:hiddenFill xmlns:a14="http://schemas.microsoft.com/office/drawing/2010/main">
+                <a:solidFill>
+                  <a:srgbClr val="FFFFFF"/>
+                </a:solidFill>
+              </a14:hiddenFill>
+            </a:ext>
+          </a:extLst>
+        </p:spPr>
+      </p:pic>
+    </p:spTree>
+    <p:extLst>
+      <p:ext uri="{BB962C8B-B14F-4D97-AF65-F5344CB8AC3E}">
+        <p14:creationId xmlns:p14="http://schemas.microsoft.com/office/powerpoint/2010/main" val="304114803"/>
+      </p:ext>
+    </p:extLst>
+  </p:cSld>
+  <p:clrMapOvr>
+    <a:masterClrMapping/>
+  </p:clrMapOvr>
+  <mc:AlternateContent xmlns:mc="http://schemas.openxmlformats.org/markup-compatibility/2006" xmlns:p14="http://schemas.microsoft.com/office/powerpoint/2010/main">
+    <mc:Choice Requires="p14">
+      <p:transition spd="med" p14:dur="700">
+        <p:fade/>
+      </p:transition>
+    </mc:Choice>
+    <mc:Fallback xmlns="">
+      <p:transition spd="med">
+        <p:fade/>
+      </p:transition>
+    </mc:Fallback>
+  </mc:AlternateContent>
+</p:sld>
+</file>
+
+<file path=ppt/slides/slide15.xml><?xml version="1.0" encoding="utf-8"?>
+<p:sld xmlns:a="http://schemas.openxmlformats.org/drawingml/2006/main" xmlns:r="http://schemas.openxmlformats.org/officeDocument/2006/relationships" xmlns:p="http://schemas.openxmlformats.org/presentationml/2006/main">
+  <p:cSld>
+    <p:spTree>
+      <p:nvGrpSpPr>
+        <p:cNvPr id="1" name=""/>
+        <p:cNvGrpSpPr/>
+        <p:nvPr/>
+      </p:nvGrpSpPr>
+      <p:grpSpPr>
+        <a:xfrm>
+          <a:off x="0" y="0"/>
+          <a:ext cx="0" cy="0"/>
+          <a:chOff x="0" y="0"/>
+          <a:chExt cx="0" cy="0"/>
+        </a:xfrm>
+      </p:grpSpPr>
+      <p:sp>
+        <p:nvSpPr>
+          <p:cNvPr id="2" name="Title 1">
+            <a:extLst>
+              <a:ext uri="{FF2B5EF4-FFF2-40B4-BE49-F238E27FC236}">
+                <a16:creationId xmlns:a16="http://schemas.microsoft.com/office/drawing/2014/main" id="{4DCF0429-B182-779D-52D2-72A57BC46428}"/>
+              </a:ext>
+            </a:extLst>
+          </p:cNvPr>
+          <p:cNvSpPr>
+            <a:spLocks noGrp="1"/>
+          </p:cNvSpPr>
+          <p:nvPr>
+            <p:ph type="title"/>
+          </p:nvPr>
+        </p:nvSpPr>
+        <p:spPr/>
+        <p:txBody>
+          <a:bodyPr/>
+          <a:lstStyle/>
+          <a:p>
+            <a:r>
+              <a:rPr lang="en-GB" dirty="0"/>
+              <a:t>Future scope: Databricks creation in Azure</a:t>
+            </a:r>
+            <a:br>
+              <a:rPr lang="en-GB" dirty="0"/>
+            </a:br>
+            <a:r>
+              <a:rPr lang="en-GB" sz="2800" dirty="0"/>
+              <a:t>Data Processing with Spark on Databricks</a:t>
+            </a:r>
+          </a:p>
+        </p:txBody>
+      </p:sp>
+      <p:pic>
+        <p:nvPicPr>
+          <p:cNvPr id="5" name="Content Placeholder 4">
+            <a:extLst>
+              <a:ext uri="{FF2B5EF4-FFF2-40B4-BE49-F238E27FC236}">
+                <a16:creationId xmlns:a16="http://schemas.microsoft.com/office/drawing/2014/main" id="{D7260C4A-68FE-200A-3BCF-5002306229A6}"/>
+              </a:ext>
+            </a:extLst>
+          </p:cNvPr>
+          <p:cNvPicPr>
+            <a:picLocks noGrp="1" noChangeAspect="1"/>
+          </p:cNvPicPr>
+          <p:nvPr>
+            <p:ph idx="1"/>
+          </p:nvPr>
+        </p:nvPicPr>
+        <p:blipFill>
+          <a:blip r:embed="rId2"/>
+          <a:stretch>
+            <a:fillRect/>
+          </a:stretch>
+        </p:blipFill>
+        <p:spPr>
+          <a:xfrm>
+            <a:off x="1205729" y="1677744"/>
+            <a:ext cx="10201645" cy="1751256"/>
+          </a:xfrm>
+        </p:spPr>
+      </p:pic>
+      <p:pic>
+        <p:nvPicPr>
+          <p:cNvPr id="7" name="Picture 6">
+            <a:extLst>
+              <a:ext uri="{FF2B5EF4-FFF2-40B4-BE49-F238E27FC236}">
+                <a16:creationId xmlns:a16="http://schemas.microsoft.com/office/drawing/2014/main" id="{898A5111-EB34-60A6-74EE-389489D175A3}"/>
+              </a:ext>
+            </a:extLst>
+          </p:cNvPr>
+          <p:cNvPicPr>
+            <a:picLocks noChangeAspect="1"/>
+          </p:cNvPicPr>
+          <p:nvPr/>
+        </p:nvPicPr>
+        <p:blipFill>
+          <a:blip r:embed="rId3"/>
+          <a:stretch>
+            <a:fillRect/>
+          </a:stretch>
+        </p:blipFill>
+        <p:spPr>
+          <a:xfrm>
+            <a:off x="1205729" y="3621960"/>
+            <a:ext cx="10721331" cy="3236040"/>
+          </a:xfrm>
+          <a:prstGeom prst="rect">
+            <a:avLst/>
+          </a:prstGeom>
+        </p:spPr>
+      </p:pic>
+    </p:spTree>
+    <p:extLst>
+      <p:ext uri="{BB962C8B-B14F-4D97-AF65-F5344CB8AC3E}">
+        <p14:creationId xmlns:p14="http://schemas.microsoft.com/office/powerpoint/2010/main" val="4137272609"/>
+      </p:ext>
+    </p:extLst>
+  </p:cSld>
+  <p:clrMapOvr>
+    <a:masterClrMapping/>
+  </p:clrMapOvr>
+  <mc:AlternateContent xmlns:mc="http://schemas.openxmlformats.org/markup-compatibility/2006" xmlns:p14="http://schemas.microsoft.com/office/powerpoint/2010/main">
+    <mc:Choice Requires="p14">
+      <p:transition spd="med" p14:dur="700">
+        <p:fade/>
+      </p:transition>
+    </mc:Choice>
+    <mc:Fallback xmlns="">
+      <p:transition spd="med">
+        <p:fade/>
+      </p:transition>
+    </mc:Fallback>
+  </mc:AlternateContent>
+</p:sld>
+</file>
+
+<file path=ppt/slides/slide16.xml><?xml version="1.0" encoding="utf-8"?>
+<p:sld xmlns:a="http://schemas.openxmlformats.org/drawingml/2006/main" xmlns:r="http://schemas.openxmlformats.org/officeDocument/2006/relationships" xmlns:p="http://schemas.openxmlformats.org/presentationml/2006/main">
+  <p:cSld>
+    <p:spTree>
+      <p:nvGrpSpPr>
+        <p:cNvPr id="1" name=""/>
+        <p:cNvGrpSpPr/>
+        <p:nvPr/>
+      </p:nvGrpSpPr>
+      <p:grpSpPr>
+        <a:xfrm>
+          <a:off x="0" y="0"/>
+          <a:ext cx="0" cy="0"/>
+          <a:chOff x="0" y="0"/>
+          <a:chExt cx="0" cy="0"/>
+        </a:xfrm>
+      </p:grpSpPr>
+      <p:sp>
+        <p:nvSpPr>
+          <p:cNvPr id="2" name="Title 1">
+            <a:extLst>
+              <a:ext uri="{FF2B5EF4-FFF2-40B4-BE49-F238E27FC236}">
+                <a16:creationId xmlns:a16="http://schemas.microsoft.com/office/drawing/2014/main" id="{E35832BE-F065-8BA2-F578-792ADB6A0071}"/>
+              </a:ext>
+            </a:extLst>
+          </p:cNvPr>
+          <p:cNvSpPr>
+            <a:spLocks noGrp="1"/>
+          </p:cNvSpPr>
+          <p:nvPr>
+            <p:ph type="title"/>
+          </p:nvPr>
+        </p:nvSpPr>
+        <p:spPr/>
+        <p:txBody>
+          <a:bodyPr>
+            <a:normAutofit/>
+          </a:bodyPr>
+          <a:lstStyle/>
+          <a:p>
+            <a:r>
+              <a:rPr lang="en-GB" dirty="0"/>
+              <a:t>Data Processing on Databricks</a:t>
+            </a:r>
+            <a:br>
+              <a:rPr lang="en-GB" dirty="0"/>
+            </a:br>
+            <a:r>
+              <a:rPr lang="en-GB" sz="2400" dirty="0"/>
+              <a:t>Read CSV Files in Spark using </a:t>
+            </a:r>
+            <a:r>
+              <a:rPr lang="en-GB" sz="2400" dirty="0" err="1"/>
+              <a:t>PySpark</a:t>
+            </a:r>
+            <a:r>
+              <a:rPr lang="en-GB" sz="2400" dirty="0"/>
+              <a:t>:</a:t>
+            </a:r>
+          </a:p>
+        </p:txBody>
+      </p:sp>
+      <p:sp>
+        <p:nvSpPr>
+          <p:cNvPr id="3" name="Content Placeholder 2">
+            <a:extLst>
+              <a:ext uri="{FF2B5EF4-FFF2-40B4-BE49-F238E27FC236}">
+                <a16:creationId xmlns:a16="http://schemas.microsoft.com/office/drawing/2014/main" id="{181F9B20-C6C0-38AB-DFF7-252391A18591}"/>
+              </a:ext>
+            </a:extLst>
+          </p:cNvPr>
+          <p:cNvSpPr>
+            <a:spLocks noGrp="1"/>
+          </p:cNvSpPr>
+          <p:nvPr>
+            <p:ph idx="1"/>
+          </p:nvPr>
+        </p:nvSpPr>
+        <p:spPr/>
+        <p:txBody>
+          <a:bodyPr/>
+          <a:lstStyle/>
+          <a:p>
+            <a:endParaRPr lang="en-GB"/>
+          </a:p>
+        </p:txBody>
+      </p:sp>
+      <p:pic>
+        <p:nvPicPr>
+          <p:cNvPr id="4" name="Picture 3">
+            <a:extLst>
+              <a:ext uri="{FF2B5EF4-FFF2-40B4-BE49-F238E27FC236}">
+                <a16:creationId xmlns:a16="http://schemas.microsoft.com/office/drawing/2014/main" id="{C9F7FEFC-1926-1B55-8860-EBAC938E5F49}"/>
+              </a:ext>
+            </a:extLst>
+          </p:cNvPr>
+          <p:cNvPicPr>
+            <a:picLocks noChangeAspect="1"/>
+          </p:cNvPicPr>
+          <p:nvPr/>
+        </p:nvPicPr>
+        <p:blipFill>
+          <a:blip r:embed="rId2"/>
+          <a:stretch>
+            <a:fillRect/>
+          </a:stretch>
+        </p:blipFill>
+        <p:spPr>
+          <a:xfrm>
+            <a:off x="262488" y="1567632"/>
+            <a:ext cx="11663848" cy="5112568"/>
+          </a:xfrm>
+          <a:prstGeom prst="rect">
+            <a:avLst/>
+          </a:prstGeom>
+        </p:spPr>
+      </p:pic>
+    </p:spTree>
+    <p:extLst>
+      <p:ext uri="{BB962C8B-B14F-4D97-AF65-F5344CB8AC3E}">
+        <p14:creationId xmlns:p14="http://schemas.microsoft.com/office/powerpoint/2010/main" val="738016843"/>
+      </p:ext>
+    </p:extLst>
+  </p:cSld>
+  <p:clrMapOvr>
+    <a:masterClrMapping/>
+  </p:clrMapOvr>
+  <mc:AlternateContent xmlns:mc="http://schemas.openxmlformats.org/markup-compatibility/2006" xmlns:p14="http://schemas.microsoft.com/office/powerpoint/2010/main">
+    <mc:Choice Requires="p14">
+      <p:transition spd="med" p14:dur="700">
+        <p:fade/>
+      </p:transition>
+    </mc:Choice>
+    <mc:Fallback xmlns="">
+      <p:transition spd="med">
+        <p:fade/>
+      </p:transition>
+    </mc:Fallback>
+  </mc:AlternateContent>
+</p:sld>
+</file>
+
+<file path=ppt/slides/slide17.xml><?xml version="1.0" encoding="utf-8"?>
+<p:sld xmlns:a="http://schemas.openxmlformats.org/drawingml/2006/main" xmlns:r="http://schemas.openxmlformats.org/officeDocument/2006/relationships" xmlns:p="http://schemas.openxmlformats.org/presentationml/2006/main">
+  <p:cSld>
+    <p:spTree>
+      <p:nvGrpSpPr>
+        <p:cNvPr id="1" name=""/>
+        <p:cNvGrpSpPr/>
+        <p:nvPr/>
+      </p:nvGrpSpPr>
+      <p:grpSpPr>
+        <a:xfrm>
+          <a:off x="0" y="0"/>
+          <a:ext cx="0" cy="0"/>
+          <a:chOff x="0" y="0"/>
+          <a:chExt cx="0" cy="0"/>
+        </a:xfrm>
+      </p:grpSpPr>
+      <p:sp>
+        <p:nvSpPr>
+          <p:cNvPr id="2" name="Title 1">
+            <a:extLst>
+              <a:ext uri="{FF2B5EF4-FFF2-40B4-BE49-F238E27FC236}">
+                <a16:creationId xmlns:a16="http://schemas.microsoft.com/office/drawing/2014/main" id="{BB1AFFC9-40CD-B756-7D8B-CFB586F00279}"/>
+              </a:ext>
+            </a:extLst>
+          </p:cNvPr>
+          <p:cNvSpPr>
+            <a:spLocks noGrp="1"/>
+          </p:cNvSpPr>
+          <p:nvPr>
+            <p:ph type="title"/>
+          </p:nvPr>
+        </p:nvSpPr>
+        <p:spPr/>
+        <p:txBody>
+          <a:bodyPr/>
+          <a:lstStyle/>
+          <a:p>
+            <a:r>
+              <a:rPr lang="en-GB" dirty="0"/>
+              <a:t>Perform Data Operations:</a:t>
+            </a:r>
+          </a:p>
+        </p:txBody>
+      </p:sp>
+      <p:pic>
+        <p:nvPicPr>
+          <p:cNvPr id="4" name="Picture 3">
+            <a:extLst>
+              <a:ext uri="{FF2B5EF4-FFF2-40B4-BE49-F238E27FC236}">
+                <a16:creationId xmlns:a16="http://schemas.microsoft.com/office/drawing/2014/main" id="{D7B22991-641B-C7A8-165C-75BB44A16D9A}"/>
+              </a:ext>
+            </a:extLst>
+          </p:cNvPr>
+          <p:cNvPicPr>
+            <a:picLocks noChangeAspect="1"/>
+          </p:cNvPicPr>
+          <p:nvPr/>
+        </p:nvPicPr>
+        <p:blipFill>
+          <a:blip r:embed="rId2"/>
+          <a:stretch>
+            <a:fillRect/>
+          </a:stretch>
+        </p:blipFill>
+        <p:spPr>
+          <a:xfrm>
+            <a:off x="32421" y="1417637"/>
+            <a:ext cx="12188825" cy="5427273"/>
+          </a:xfrm>
+          <a:prstGeom prst="rect">
+            <a:avLst/>
+          </a:prstGeom>
+        </p:spPr>
+      </p:pic>
+    </p:spTree>
+    <p:extLst>
+      <p:ext uri="{BB962C8B-B14F-4D97-AF65-F5344CB8AC3E}">
+        <p14:creationId xmlns:p14="http://schemas.microsoft.com/office/powerpoint/2010/main" val="1094235022"/>
+      </p:ext>
+    </p:extLst>
+  </p:cSld>
+  <p:clrMapOvr>
+    <a:masterClrMapping/>
+  </p:clrMapOvr>
+  <mc:AlternateContent xmlns:mc="http://schemas.openxmlformats.org/markup-compatibility/2006" xmlns:p14="http://schemas.microsoft.com/office/powerpoint/2010/main">
+    <mc:Choice Requires="p14">
+      <p:transition spd="med" p14:dur="700">
+        <p:fade/>
+      </p:transition>
+    </mc:Choice>
+    <mc:Fallback xmlns="">
+      <p:transition spd="med">
+        <p:fade/>
+      </p:transition>
+    </mc:Fallback>
+  </mc:AlternateContent>
+</p:sld>
+</file>
+
+<file path=ppt/slides/slide18.xml><?xml version="1.0" encoding="utf-8"?>
+<p:sld xmlns:a="http://schemas.openxmlformats.org/drawingml/2006/main" xmlns:r="http://schemas.openxmlformats.org/officeDocument/2006/relationships" xmlns:p="http://schemas.openxmlformats.org/presentationml/2006/main">
+  <p:cSld>
+    <p:spTree>
+      <p:nvGrpSpPr>
+        <p:cNvPr id="1" name=""/>
+        <p:cNvGrpSpPr/>
+        <p:nvPr/>
+      </p:nvGrpSpPr>
+      <p:grpSpPr>
+        <a:xfrm>
+          <a:off x="0" y="0"/>
+          <a:ext cx="0" cy="0"/>
+          <a:chOff x="0" y="0"/>
+          <a:chExt cx="0" cy="0"/>
+        </a:xfrm>
+      </p:grpSpPr>
+      <p:pic>
+        <p:nvPicPr>
+          <p:cNvPr id="3" name="Picture 2">
+            <a:extLst>
+              <a:ext uri="{FF2B5EF4-FFF2-40B4-BE49-F238E27FC236}">
+                <a16:creationId xmlns:a16="http://schemas.microsoft.com/office/drawing/2014/main" id="{7D5F44C3-8168-366C-037F-D71C91026F29}"/>
+              </a:ext>
+            </a:extLst>
+          </p:cNvPr>
+          <p:cNvPicPr>
+            <a:picLocks noChangeAspect="1"/>
+          </p:cNvPicPr>
+          <p:nvPr/>
+        </p:nvPicPr>
+        <p:blipFill>
+          <a:blip r:embed="rId3"/>
+          <a:stretch>
+            <a:fillRect/>
+          </a:stretch>
+        </p:blipFill>
+        <p:spPr>
+          <a:xfrm>
+            <a:off x="1479" y="1354212"/>
+            <a:ext cx="12071076" cy="5474408"/>
+          </a:xfrm>
+          <a:prstGeom prst="rect">
+            <a:avLst/>
+          </a:prstGeom>
+        </p:spPr>
+      </p:pic>
+      <p:sp>
+        <p:nvSpPr>
+          <p:cNvPr id="4" name="TextBox 3">
+            <a:extLst>
+              <a:ext uri="{FF2B5EF4-FFF2-40B4-BE49-F238E27FC236}">
+                <a16:creationId xmlns:a16="http://schemas.microsoft.com/office/drawing/2014/main" id="{376B4393-7A83-C0FC-1457-BEFED7F054BA}"/>
+              </a:ext>
+            </a:extLst>
+          </p:cNvPr>
+          <p:cNvSpPr txBox="1"/>
+          <p:nvPr/>
+        </p:nvSpPr>
+        <p:spPr>
+          <a:xfrm>
+            <a:off x="981844" y="620688"/>
+            <a:ext cx="7180130" cy="646331"/>
+          </a:xfrm>
+          <a:prstGeom prst="rect">
+            <a:avLst/>
+          </a:prstGeom>
+          <a:noFill/>
+        </p:spPr>
+        <p:txBody>
+          <a:bodyPr wrap="square">
+            <a:spAutoFit/>
+          </a:bodyPr>
+          <a:lstStyle/>
+          <a:p>
+            <a:r>
+              <a:rPr lang="en-GB" sz="3600" dirty="0"/>
+              <a:t>Configure Cluster Settings</a:t>
+            </a:r>
+            <a:r>
+              <a:rPr lang="en-GB" dirty="0"/>
+              <a:t>:</a:t>
+            </a:r>
+          </a:p>
+        </p:txBody>
+      </p:sp>
+    </p:spTree>
+    <p:extLst>
+      <p:ext uri="{BB962C8B-B14F-4D97-AF65-F5344CB8AC3E}">
+        <p14:creationId xmlns:p14="http://schemas.microsoft.com/office/powerpoint/2010/main" val="4022862849"/>
+      </p:ext>
+    </p:extLst>
+  </p:cSld>
+  <p:clrMapOvr>
+    <a:masterClrMapping/>
+  </p:clrMapOvr>
+  <mc:AlternateContent xmlns:mc="http://schemas.openxmlformats.org/markup-compatibility/2006" xmlns:p14="http://schemas.microsoft.com/office/powerpoint/2010/main">
+    <mc:Choice Requires="p14">
+      <p:transition spd="med" p14:dur="700">
+        <p:fade/>
+      </p:transition>
+    </mc:Choice>
+    <mc:Fallback xmlns="">
+      <p:transition spd="med">
+        <p:fade/>
+      </p:transition>
+    </mc:Fallback>
+  </mc:AlternateContent>
+</p:sld>
+</file>
+
+<file path=ppt/slides/slide19.xml><?xml version="1.0" encoding="utf-8"?>
+<p:sld xmlns:a="http://schemas.openxmlformats.org/drawingml/2006/main" xmlns:r="http://schemas.openxmlformats.org/officeDocument/2006/relationships" xmlns:p="http://schemas.openxmlformats.org/presentationml/2006/main">
+  <p:cSld>
+    <p:spTree>
+      <p:nvGrpSpPr>
+        <p:cNvPr id="1" name=""/>
+        <p:cNvGrpSpPr/>
+        <p:nvPr/>
+      </p:nvGrpSpPr>
+      <p:grpSpPr>
+        <a:xfrm>
+          <a:off x="0" y="0"/>
+          <a:ext cx="0" cy="0"/>
+          <a:chOff x="0" y="0"/>
+          <a:chExt cx="0" cy="0"/>
+        </a:xfrm>
+      </p:grpSpPr>
+      <p:sp>
+        <p:nvSpPr>
+          <p:cNvPr id="2" name="Title 1">
+            <a:extLst>
+              <a:ext uri="{FF2B5EF4-FFF2-40B4-BE49-F238E27FC236}">
+                <a16:creationId xmlns:a16="http://schemas.microsoft.com/office/drawing/2014/main" id="{BB1AFFC9-40CD-B756-7D8B-CFB586F00279}"/>
+              </a:ext>
+            </a:extLst>
+          </p:cNvPr>
+          <p:cNvSpPr>
+            <a:spLocks noGrp="1"/>
+          </p:cNvSpPr>
+          <p:nvPr>
+            <p:ph type="title"/>
+          </p:nvPr>
+        </p:nvSpPr>
+        <p:spPr>
+          <a:xfrm>
+            <a:off x="1485900" y="177800"/>
+            <a:ext cx="9890337" cy="785663"/>
+          </a:xfrm>
+        </p:spPr>
+        <p:txBody>
+          <a:bodyPr/>
+          <a:lstStyle/>
+          <a:p>
+            <a:r>
+              <a:rPr lang="en-GB" dirty="0"/>
+              <a:t>Real-Time Data Processing with Kafka</a:t>
+            </a:r>
+          </a:p>
+        </p:txBody>
+      </p:sp>
+      <p:pic>
+        <p:nvPicPr>
+          <p:cNvPr id="6" name="Picture 5">
+            <a:extLst>
+              <a:ext uri="{FF2B5EF4-FFF2-40B4-BE49-F238E27FC236}">
+                <a16:creationId xmlns:a16="http://schemas.microsoft.com/office/drawing/2014/main" id="{00640F36-A5CD-85F9-1891-68A278E34E45}"/>
+              </a:ext>
+            </a:extLst>
+          </p:cNvPr>
+          <p:cNvPicPr>
+            <a:picLocks noChangeAspect="1"/>
+          </p:cNvPicPr>
+          <p:nvPr/>
+        </p:nvPicPr>
+        <p:blipFill>
+          <a:blip r:embed="rId2"/>
+          <a:stretch>
+            <a:fillRect/>
+          </a:stretch>
+        </p:blipFill>
+        <p:spPr>
+          <a:xfrm>
+            <a:off x="513792" y="1340769"/>
+            <a:ext cx="11161240" cy="1296144"/>
+          </a:xfrm>
+          <a:prstGeom prst="rect">
+            <a:avLst/>
+          </a:prstGeom>
+        </p:spPr>
+      </p:pic>
+      <p:pic>
+        <p:nvPicPr>
+          <p:cNvPr id="8" name="Picture 7">
+            <a:extLst>
+              <a:ext uri="{FF2B5EF4-FFF2-40B4-BE49-F238E27FC236}">
+                <a16:creationId xmlns:a16="http://schemas.microsoft.com/office/drawing/2014/main" id="{BF68C6A3-A37B-C2AB-ACE0-52519D6F8BCE}"/>
+              </a:ext>
+            </a:extLst>
+          </p:cNvPr>
+          <p:cNvPicPr>
+            <a:picLocks noChangeAspect="1"/>
+          </p:cNvPicPr>
+          <p:nvPr/>
+        </p:nvPicPr>
+        <p:blipFill>
+          <a:blip r:embed="rId3"/>
+          <a:stretch>
+            <a:fillRect/>
+          </a:stretch>
+        </p:blipFill>
+        <p:spPr>
+          <a:xfrm>
+            <a:off x="469512" y="2636911"/>
+            <a:ext cx="11190176" cy="1584177"/>
+          </a:xfrm>
+          <a:prstGeom prst="rect">
+            <a:avLst/>
+          </a:prstGeom>
+        </p:spPr>
+      </p:pic>
+      <p:pic>
+        <p:nvPicPr>
+          <p:cNvPr id="10" name="Picture 9">
+            <a:extLst>
+              <a:ext uri="{FF2B5EF4-FFF2-40B4-BE49-F238E27FC236}">
+                <a16:creationId xmlns:a16="http://schemas.microsoft.com/office/drawing/2014/main" id="{672A1663-7D90-902E-7E72-049F9575262A}"/>
+              </a:ext>
+            </a:extLst>
+          </p:cNvPr>
+          <p:cNvPicPr>
+            <a:picLocks noChangeAspect="1"/>
+          </p:cNvPicPr>
+          <p:nvPr/>
+        </p:nvPicPr>
+        <p:blipFill>
+          <a:blip r:embed="rId4"/>
+          <a:stretch>
+            <a:fillRect/>
+          </a:stretch>
+        </p:blipFill>
+        <p:spPr>
+          <a:xfrm>
+            <a:off x="467770" y="4221089"/>
+            <a:ext cx="11161240" cy="1102372"/>
+          </a:xfrm>
+          <a:prstGeom prst="rect">
+            <a:avLst/>
+          </a:prstGeom>
+        </p:spPr>
+      </p:pic>
+      <p:pic>
+        <p:nvPicPr>
+          <p:cNvPr id="12" name="Picture 11">
+            <a:extLst>
+              <a:ext uri="{FF2B5EF4-FFF2-40B4-BE49-F238E27FC236}">
+                <a16:creationId xmlns:a16="http://schemas.microsoft.com/office/drawing/2014/main" id="{68CD620A-A59D-D70B-4E75-712411B1C047}"/>
+              </a:ext>
+            </a:extLst>
+          </p:cNvPr>
+          <p:cNvPicPr>
+            <a:picLocks noChangeAspect="1"/>
+          </p:cNvPicPr>
+          <p:nvPr/>
+        </p:nvPicPr>
+        <p:blipFill>
+          <a:blip r:embed="rId5"/>
+          <a:stretch>
+            <a:fillRect/>
+          </a:stretch>
+        </p:blipFill>
+        <p:spPr>
+          <a:xfrm>
+            <a:off x="484856" y="5302499"/>
+            <a:ext cx="11121832" cy="1694411"/>
+          </a:xfrm>
+          <a:prstGeom prst="rect">
+            <a:avLst/>
+          </a:prstGeom>
+        </p:spPr>
+      </p:pic>
+    </p:spTree>
+    <p:extLst>
+      <p:ext uri="{BB962C8B-B14F-4D97-AF65-F5344CB8AC3E}">
+        <p14:creationId xmlns:p14="http://schemas.microsoft.com/office/powerpoint/2010/main" val="2688935908"/>
+      </p:ext>
+    </p:extLst>
+  </p:cSld>
+  <p:clrMapOvr>
+    <a:masterClrMapping/>
+  </p:clrMapOvr>
+  <mc:AlternateContent xmlns:mc="http://schemas.openxmlformats.org/markup-compatibility/2006" xmlns:p14="http://schemas.microsoft.com/office/powerpoint/2010/main">
+    <mc:Choice Requires="p14">
+      <p:transition spd="med" p14:dur="700">
+        <p:fade/>
+      </p:transition>
+    </mc:Choice>
+    <mc:Fallback xmlns="">
+      <p:transition spd="med">
+        <p:fade/>
+      </p:transition>
+    </mc:Fallback>
+  </mc:AlternateContent>
+</p:sld>
+</file>
+
+<file path=ppt/slides/slide2.xml><?xml version="1.0" encoding="utf-8"?>
+<p:sld xmlns:a="http://schemas.openxmlformats.org/drawingml/2006/main" xmlns:r="http://schemas.openxmlformats.org/officeDocument/2006/relationships" xmlns:p="http://schemas.openxmlformats.org/presentationml/2006/main">
+  <p:cSld>
+    <p:bg>
+      <p:bgRef idx="1001">
+        <a:schemeClr val="bg1"/>
+      </p:bgRef>
+    </p:bg>
+    <p:spTree>
+      <p:nvGrpSpPr>
+        <p:cNvPr id="1" name=""/>
+        <p:cNvGrpSpPr/>
+        <p:nvPr/>
+      </p:nvGrpSpPr>
+      <p:grpSpPr>
+        <a:xfrm>
+          <a:off x="0" y="0"/>
+          <a:ext cx="0" cy="0"/>
+          <a:chOff x="0" y="0"/>
+          <a:chExt cx="0" cy="0"/>
+        </a:xfrm>
+      </p:grpSpPr>
+      <p:sp>
+        <p:nvSpPr>
+          <p:cNvPr id="13" name="Title 12"/>
+          <p:cNvSpPr>
+            <a:spLocks noGrp="1"/>
+          </p:cNvSpPr>
+          <p:nvPr>
+            <p:ph type="title"/>
+          </p:nvPr>
+        </p:nvSpPr>
+        <p:spPr/>
+        <p:txBody>
+          <a:bodyPr rtlCol="0"/>
+          <a:lstStyle/>
+          <a:p>
+            <a:pPr rtl="0"/>
+            <a:r>
+              <a:rPr lang="en-GB" b="1" dirty="0"/>
+              <a:t>Objective and data source</a:t>
+            </a:r>
+            <a:br>
+              <a:rPr lang="en-GB" b="1" dirty="0"/>
+            </a:br>
+            <a:endParaRPr lang="en-GB" b="1" dirty="0"/>
+          </a:p>
+        </p:txBody>
+      </p:sp>
+      <p:sp>
+        <p:nvSpPr>
+          <p:cNvPr id="14" name="Content Placeholder 13"/>
+          <p:cNvSpPr>
+            <a:spLocks noGrp="1"/>
+          </p:cNvSpPr>
+          <p:nvPr>
+            <p:ph idx="1"/>
+          </p:nvPr>
+        </p:nvSpPr>
+        <p:spPr>
+          <a:xfrm>
+            <a:off x="1593436" y="1700808"/>
+            <a:ext cx="9782801" cy="4471392"/>
+          </a:xfrm>
+        </p:spPr>
+        <p:txBody>
+          <a:bodyPr rtlCol="0">
+            <a:normAutofit fontScale="92500" lnSpcReduction="10000"/>
+          </a:bodyPr>
+          <a:lstStyle/>
+          <a:p>
+            <a:pPr marL="0" indent="0">
+              <a:lnSpc>
+                <a:spcPct val="120000"/>
+              </a:lnSpc>
+              <a:buNone/>
+            </a:pPr>
+            <a:r>
+              <a:rPr lang="en-GB" sz="2600" b="1" dirty="0"/>
+              <a:t>Overview</a:t>
+            </a:r>
+            <a:r>
+              <a:rPr lang="en-GB" sz="2600" dirty="0"/>
+              <a:t>: This project aims to </a:t>
+            </a:r>
+            <a:r>
+              <a:rPr lang="en-GB" sz="2600" dirty="0" err="1"/>
+              <a:t>analyze</a:t>
+            </a:r>
+            <a:r>
+              <a:rPr lang="en-GB" sz="2600" dirty="0"/>
+              <a:t> the relationship between social media usage patterns and emotional well-being using big data technologies.</a:t>
+            </a:r>
+          </a:p>
+          <a:p>
+            <a:pPr marL="0" indent="0">
+              <a:lnSpc>
+                <a:spcPct val="120000"/>
+              </a:lnSpc>
+              <a:buNone/>
+            </a:pPr>
+            <a:r>
+              <a:rPr lang="en-GB" sz="2600" b="1" dirty="0"/>
+              <a:t>Key Technologies and tools </a:t>
+            </a:r>
+            <a:r>
+              <a:rPr lang="en-GB" sz="2600" dirty="0"/>
+              <a:t>: MapReduce, Hadoop, HDFS, Spark, HBase , </a:t>
+            </a:r>
+            <a:r>
+              <a:rPr lang="en-GB" sz="2600" dirty="0" err="1"/>
+              <a:t>Jupyter</a:t>
+            </a:r>
+            <a:r>
+              <a:rPr lang="en-GB" sz="2600" dirty="0"/>
+              <a:t> lab , </a:t>
+            </a:r>
+            <a:r>
+              <a:rPr lang="en-GB" sz="2600" dirty="0" err="1"/>
+              <a:t>seaborn,pandas,plotly,Matplotlib</a:t>
+            </a:r>
+            <a:r>
+              <a:rPr lang="en-GB" sz="2600" dirty="0"/>
+              <a:t> (data visualization).</a:t>
+            </a:r>
+            <a:r>
+              <a:rPr lang="en-GB" sz="2600" dirty="0" err="1"/>
+              <a:t>Datbricks</a:t>
+            </a:r>
+            <a:r>
+              <a:rPr lang="en-GB" sz="2600" dirty="0"/>
+              <a:t>(Azure and </a:t>
+            </a:r>
+            <a:r>
+              <a:rPr lang="en-GB" sz="2600" dirty="0" err="1"/>
+              <a:t>kafka</a:t>
+            </a:r>
+            <a:r>
+              <a:rPr lang="en-GB" sz="2600" dirty="0"/>
+              <a:t> for future scope)</a:t>
+            </a:r>
+          </a:p>
+          <a:p>
+            <a:pPr marL="0" indent="0">
+              <a:lnSpc>
+                <a:spcPct val="120000"/>
+              </a:lnSpc>
+              <a:buNone/>
+            </a:pPr>
+            <a:r>
+              <a:rPr lang="en-GB" sz="2600" b="1" dirty="0">
+                <a:sym typeface="Arial"/>
+              </a:rPr>
+              <a:t>Data Sources: </a:t>
+            </a:r>
+            <a:r>
+              <a:rPr lang="en-GB" sz="2600" dirty="0">
+                <a:hlinkClick r:id="rId4">
+                  <a:extLst>
+                    <a:ext uri="{A12FA001-AC4F-418D-AE19-62706E023703}">
+                      <ahyp:hlinkClr xmlns:ahyp="http://schemas.microsoft.com/office/drawing/2018/hyperlinkcolor" val="tx"/>
+                    </a:ext>
+                  </a:extLst>
+                </a:hlinkClick>
+              </a:rPr>
+              <a:t>Social Media Usage and Emotional Well-Being (kaggle.com)</a:t>
+            </a:r>
+            <a:r>
+              <a:rPr lang="en-GB" sz="2600" dirty="0">
+                <a:sym typeface="Arial"/>
+              </a:rPr>
+              <a:t>, github.com/topics/social-media-usage</a:t>
+            </a:r>
+            <a:endParaRPr lang="en-GB" sz="2600" dirty="0"/>
+          </a:p>
+          <a:p>
+            <a:pPr marL="0" indent="0">
+              <a:lnSpc>
+                <a:spcPct val="120000"/>
+              </a:lnSpc>
+              <a:buNone/>
+            </a:pPr>
+            <a:r>
+              <a:rPr lang="en-GB" sz="2600" b="1" dirty="0"/>
+              <a:t>Files used :  </a:t>
+            </a:r>
+            <a:r>
+              <a:rPr lang="en-GB" sz="2600" dirty="0"/>
+              <a:t>train.csv,test.csv,Processed.csv,Subscription.csv</a:t>
+            </a:r>
+          </a:p>
+          <a:p>
+            <a:pPr algn="l" fontAlgn="base">
+              <a:buFont typeface="Arial" panose="020B0604020202020204" pitchFamily="34" charset="0"/>
+              <a:buChar char="•"/>
+            </a:pPr>
+            <a:endParaRPr lang="en-GB" b="0" i="0" dirty="0">
+              <a:solidFill>
+                <a:srgbClr val="3C4043"/>
+              </a:solidFill>
+              <a:effectLst/>
+              <a:latin typeface="inherit"/>
+            </a:endParaRPr>
+          </a:p>
+          <a:p>
+            <a:pPr rtl="0"/>
+            <a:endParaRPr lang="en-GB" dirty="0"/>
+          </a:p>
+        </p:txBody>
+      </p:sp>
+      <p:pic>
+        <p:nvPicPr>
+          <p:cNvPr id="3074" name="Picture 2" descr="Hashtags and Heartaches: Social Media's Influence on Mental Health |  YourStory">
+            <a:extLst>
+              <a:ext uri="{FF2B5EF4-FFF2-40B4-BE49-F238E27FC236}">
+                <a16:creationId xmlns:a16="http://schemas.microsoft.com/office/drawing/2014/main" id="{BFBB39E4-E353-3DCE-A7E4-E961A86EF023}"/>
               </a:ext>
             </a:extLst>
           </p:cNvPr>
@@ -8543,8 +10456,8 @@
         </p:blipFill>
         <p:spPr bwMode="auto">
           <a:xfrm>
-            <a:off x="-62837" y="44047"/>
-            <a:ext cx="2857500" cy="1600200"/>
+            <a:off x="8898110" y="0"/>
+            <a:ext cx="3028950" cy="1700808"/>
           </a:xfrm>
           <a:prstGeom prst="rect">
             <a:avLst/>
@@ -8562,9 +10475,14 @@
         </p:spPr>
       </p:pic>
     </p:spTree>
+    <p:extLst>
+      <p:ext uri="{BB962C8B-B14F-4D97-AF65-F5344CB8AC3E}">
+        <p14:creationId xmlns:p14="http://schemas.microsoft.com/office/powerpoint/2010/main" val="1720426387"/>
+      </p:ext>
+    </p:extLst>
   </p:cSld>
   <p:clrMapOvr>
-    <a:masterClrMapping/>
+    <a:overrideClrMapping bg1="lt1" tx1="dk1" bg2="lt2" tx2="dk2" accent1="accent1" accent2="accent2" accent3="accent3" accent4="accent4" accent5="accent5" accent6="accent6" hlink="hlink" folHlink="folHlink"/>
   </p:clrMapOvr>
   <mc:AlternateContent xmlns:mc="http://schemas.openxmlformats.org/markup-compatibility/2006" xmlns:p14="http://schemas.microsoft.com/office/powerpoint/2010/main">
     <mc:Choice Requires="p14">
@@ -8572,8 +10490,8 @@
         <p:fade/>
       </p:transition>
     </mc:Choice>
-    <mc:Fallback xmlns="" xmlns:mv="urn:schemas-microsoft-com:mac:vml" xmlns:c="http://schemas.openxmlformats.org/drawingml/2006/chart" xmlns:dgm="http://schemas.openxmlformats.org/drawingml/2006/diagram" xmlns:o="urn:schemas-microsoft-com:office:office" xmlns:v="urn:schemas-microsoft-com:vml" xmlns:pvml="urn:schemas-microsoft-com:office:powerpoint" xmlns:com="http://schemas.openxmlformats.org/drawingml/2006/compatibility" xmlns:p15="http://schemas.microsoft.com/office/powerpoint/2012/main" xmlns:ahyp="http://schemas.microsoft.com/office/drawing/2018/hyperlinkcolor">
-      <p:transition spd="slow">
+    <mc:Fallback xmlns="">
+      <p:transition spd="med">
         <p:fade/>
       </p:transition>
     </mc:Fallback>
@@ -8581,7 +10499,7 @@
 </p:sld>
 </file>
 
-<file path=ppt/slides/slide2.xml><?xml version="1.0" encoding="utf-8"?>
+<file path=ppt/slides/slide20.xml><?xml version="1.0" encoding="utf-8"?>
 <p:sld xmlns:a="http://schemas.openxmlformats.org/drawingml/2006/main" xmlns:r="http://schemas.openxmlformats.org/officeDocument/2006/relationships" xmlns:p="http://schemas.openxmlformats.org/presentationml/2006/main">
   <p:cSld>
     <p:spTree>
@@ -8598,55 +10516,209 @@
           <a:chExt cx="0" cy="0"/>
         </a:xfrm>
       </p:grpSpPr>
-      <p:sp>
-        <p:nvSpPr>
-          <p:cNvPr id="13" name="Title 12"/>
-          <p:cNvSpPr>
-            <a:spLocks noGrp="1"/>
-          </p:cNvSpPr>
-          <p:nvPr>
-            <p:ph type="title"/>
-          </p:nvPr>
-        </p:nvSpPr>
-        <p:spPr/>
-        <p:txBody>
-          <a:bodyPr rtlCol="0"/>
-          <a:lstStyle/>
-          <a:p>
-            <a:pPr rtl="0"/>
-            <a:r>
-              <a:rPr lang="en-GB" dirty="0"/>
-              <a:t>Title and Content Layout with List</a:t>
-            </a:r>
-          </a:p>
-        </p:txBody>
-      </p:sp>
-      <p:sp>
-        <p:nvSpPr>
-          <p:cNvPr id="14" name="Content Placeholder 13"/>
-          <p:cNvSpPr>
-            <a:spLocks noGrp="1"/>
-          </p:cNvSpPr>
-          <p:nvPr>
-            <p:ph idx="1"/>
-          </p:nvPr>
-        </p:nvSpPr>
-        <p:spPr/>
-        <p:txBody>
-          <a:bodyPr rtlCol="0"/>
-          <a:lstStyle/>
-          <a:p>
-            <a:pPr rtl="0"/>
-            <a:endParaRPr lang="en-GB" dirty="0"/>
-          </a:p>
-        </p:txBody>
-      </p:sp>
       <p:pic>
         <p:nvPicPr>
           <p:cNvPr id="1028" name="Picture 4" descr="social media On Mental Well-Being ...">
             <a:extLst>
               <a:ext uri="{FF2B5EF4-FFF2-40B4-BE49-F238E27FC236}">
                 <a16:creationId xmlns:a16="http://schemas.microsoft.com/office/drawing/2014/main" id="{B2025CAE-AFEB-63FC-A6E9-0B4396461AFF}"/>
+              </a:ext>
+            </a:extLst>
+          </p:cNvPr>
+          <p:cNvPicPr>
+            <a:picLocks noChangeAspect="1" noChangeArrowheads="1"/>
+          </p:cNvPicPr>
+          <p:nvPr/>
+        </p:nvPicPr>
+        <p:blipFill>
+          <a:blip r:embed="rId2">
+            <a:extLst>
+              <a:ext uri="{28A0092B-C50C-407E-A947-70E740481C1C}">
+                <a14:useLocalDpi xmlns:a14="http://schemas.microsoft.com/office/drawing/2010/main" val="0"/>
+              </a:ext>
+            </a:extLst>
+          </a:blip>
+          <a:srcRect/>
+          <a:stretch>
+            <a:fillRect/>
+          </a:stretch>
+        </p:blipFill>
+        <p:spPr bwMode="auto">
+          <a:xfrm>
+            <a:off x="7942207" y="4347810"/>
+            <a:ext cx="4246618" cy="2492896"/>
+          </a:xfrm>
+          <a:prstGeom prst="rect">
+            <a:avLst/>
+          </a:prstGeom>
+          <a:noFill/>
+          <a:extLst>
+            <a:ext uri="{909E8E84-426E-40DD-AFC4-6F175D3DCCD1}">
+              <a14:hiddenFill xmlns:a14="http://schemas.microsoft.com/office/drawing/2010/main">
+                <a:solidFill>
+                  <a:srgbClr val="FFFFFF"/>
+                </a:solidFill>
+              </a14:hiddenFill>
+            </a:ext>
+          </a:extLst>
+        </p:spPr>
+      </p:pic>
+      <p:sp>
+        <p:nvSpPr>
+          <p:cNvPr id="3" name="TextBox 2">
+            <a:extLst>
+              <a:ext uri="{FF2B5EF4-FFF2-40B4-BE49-F238E27FC236}">
+                <a16:creationId xmlns:a16="http://schemas.microsoft.com/office/drawing/2014/main" id="{51C50280-1F0B-71C3-69C6-9EAD0902645F}"/>
+              </a:ext>
+            </a:extLst>
+          </p:cNvPr>
+          <p:cNvSpPr txBox="1"/>
+          <p:nvPr/>
+        </p:nvSpPr>
+        <p:spPr>
+          <a:xfrm>
+            <a:off x="1341884" y="908720"/>
+            <a:ext cx="9577064" cy="2862322"/>
+          </a:xfrm>
+          <a:prstGeom prst="rect">
+            <a:avLst/>
+          </a:prstGeom>
+          <a:noFill/>
+        </p:spPr>
+        <p:txBody>
+          <a:bodyPr wrap="square">
+            <a:spAutoFit/>
+          </a:bodyPr>
+          <a:lstStyle/>
+          <a:p>
+            <a:pPr lvl="1"/>
+            <a:r>
+              <a:rPr lang="en-GB" b="1" dirty="0"/>
+              <a:t>Achievements:  </a:t>
+            </a:r>
+            <a:r>
+              <a:rPr lang="en-GB" dirty="0"/>
+              <a:t>Efficient data processing and storage, real-time data streaming, advanced analytics, and insightful visualizations.</a:t>
+            </a:r>
+          </a:p>
+          <a:p>
+            <a:pPr lvl="1"/>
+            <a:endParaRPr lang="en-GB" b="1" dirty="0"/>
+          </a:p>
+          <a:p>
+            <a:pPr marL="742950" lvl="1" indent="-285750">
+              <a:buFont typeface="Arial" panose="020B0604020202020204" pitchFamily="34" charset="0"/>
+              <a:buChar char="•"/>
+            </a:pPr>
+            <a:endParaRPr lang="en-GB" dirty="0"/>
+          </a:p>
+          <a:p>
+            <a:pPr>
+              <a:buFont typeface="Arial" panose="020B0604020202020204" pitchFamily="34" charset="0"/>
+              <a:buChar char="•"/>
+            </a:pPr>
+            <a:r>
+              <a:rPr lang="en-GB" b="1" dirty="0"/>
+              <a:t>Future Work:</a:t>
+            </a:r>
+            <a:endParaRPr lang="en-GB" dirty="0"/>
+          </a:p>
+          <a:p>
+            <a:pPr marL="742950" lvl="1" indent="-285750">
+              <a:buFont typeface="Arial" panose="020B0604020202020204" pitchFamily="34" charset="0"/>
+              <a:buChar char="•"/>
+            </a:pPr>
+            <a:r>
+              <a:rPr lang="en-GB" dirty="0"/>
+              <a:t>Future research could expand to other platforms and incorporate </a:t>
+            </a:r>
+          </a:p>
+          <a:p>
+            <a:pPr lvl="1"/>
+            <a:r>
+              <a:rPr lang="en-GB" dirty="0"/>
+              <a:t>   more diverse datasets.</a:t>
+            </a:r>
+          </a:p>
+          <a:p>
+            <a:pPr marL="742950" lvl="1" indent="-285750">
+              <a:buFont typeface="Arial" panose="020B0604020202020204" pitchFamily="34" charset="0"/>
+              <a:buChar char="•"/>
+            </a:pPr>
+            <a:endParaRPr lang="en-GB" dirty="0"/>
+          </a:p>
+          <a:p>
+            <a:pPr marL="742950" lvl="1" indent="-285750">
+              <a:buFont typeface="Arial" panose="020B0604020202020204" pitchFamily="34" charset="0"/>
+              <a:buChar char="•"/>
+            </a:pPr>
+            <a:r>
+              <a:rPr lang="en-GB" dirty="0"/>
+              <a:t>Aim to integrate more advanced machine learning algorithms and AI techniques to enhance our predictive capabilities and derive deeper insights from the data</a:t>
+            </a:r>
+          </a:p>
+        </p:txBody>
+      </p:sp>
+      <p:sp>
+        <p:nvSpPr>
+          <p:cNvPr id="4" name="Title 1">
+            <a:extLst>
+              <a:ext uri="{FF2B5EF4-FFF2-40B4-BE49-F238E27FC236}">
+                <a16:creationId xmlns:a16="http://schemas.microsoft.com/office/drawing/2014/main" id="{AF7E1A57-6CB2-DC60-6318-053C85E84D63}"/>
+              </a:ext>
+            </a:extLst>
+          </p:cNvPr>
+          <p:cNvSpPr txBox="1">
+            <a:spLocks/>
+          </p:cNvSpPr>
+          <p:nvPr/>
+        </p:nvSpPr>
+        <p:spPr>
+          <a:xfrm>
+            <a:off x="1593436" y="177800"/>
+            <a:ext cx="9782801" cy="1239837"/>
+          </a:xfrm>
+          <a:prstGeom prst="rect">
+            <a:avLst/>
+          </a:prstGeom>
+        </p:spPr>
+        <p:txBody>
+          <a:bodyPr/>
+          <a:lstStyle>
+            <a:lvl1pPr algn="l" defTabSz="914400" rtl="0" eaLnBrk="1" latinLnBrk="0" hangingPunct="1">
+              <a:lnSpc>
+                <a:spcPct val="90000"/>
+              </a:lnSpc>
+              <a:spcBef>
+                <a:spcPct val="0"/>
+              </a:spcBef>
+              <a:buNone/>
+              <a:defRPr sz="3600" kern="1200">
+                <a:solidFill>
+                  <a:schemeClr val="tx1">
+                    <a:lumMod val="75000"/>
+                  </a:schemeClr>
+                </a:solidFill>
+                <a:latin typeface="+mj-lt"/>
+                <a:ea typeface="+mj-ea"/>
+                <a:cs typeface="+mj-cs"/>
+              </a:defRPr>
+            </a:lvl1pPr>
+          </a:lstStyle>
+          <a:p>
+            <a:r>
+              <a:rPr lang="en-GB" dirty="0"/>
+              <a:t>Conclusion</a:t>
+            </a:r>
+          </a:p>
+        </p:txBody>
+      </p:sp>
+      <p:pic>
+        <p:nvPicPr>
+          <p:cNvPr id="2" name="Picture 2" descr="Social Media and Mental Well-being">
+            <a:extLst>
+              <a:ext uri="{FF2B5EF4-FFF2-40B4-BE49-F238E27FC236}">
+                <a16:creationId xmlns:a16="http://schemas.microsoft.com/office/drawing/2014/main" id="{94FE6036-8ED4-14AB-952C-9BD29733A164}"/>
               </a:ext>
             </a:extLst>
           </p:cNvPr>
@@ -8670,8 +10742,8 @@
         </p:blipFill>
         <p:spPr bwMode="auto">
           <a:xfrm>
-            <a:off x="7822604" y="4365104"/>
-            <a:ext cx="3646141" cy="2140397"/>
+            <a:off x="-4637" y="4347810"/>
+            <a:ext cx="4514873" cy="2559664"/>
           </a:xfrm>
           <a:prstGeom prst="rect">
             <a:avLst/>
@@ -8691,7 +10763,7 @@
     </p:spTree>
     <p:extLst>
       <p:ext uri="{BB962C8B-B14F-4D97-AF65-F5344CB8AC3E}">
-        <p14:creationId xmlns:p14="http://schemas.microsoft.com/office/powerpoint/2010/main" val="1720426387"/>
+        <p14:creationId xmlns:p14="http://schemas.microsoft.com/office/powerpoint/2010/main" val="1742841550"/>
       </p:ext>
     </p:extLst>
   </p:cSld>
@@ -8740,15 +10812,19 @@
             <p:ph type="title"/>
           </p:nvPr>
         </p:nvSpPr>
-        <p:spPr/>
+        <p:spPr>
+          <a:xfrm>
+            <a:off x="1773932" y="177801"/>
+            <a:ext cx="9602305" cy="802928"/>
+          </a:xfrm>
+        </p:spPr>
         <p:txBody>
           <a:bodyPr rtlCol="0"/>
           <a:lstStyle/>
           <a:p>
-            <a:pPr rtl="0"/>
-            <a:r>
-              <a:rPr lang="en-GB" dirty="0"/>
-              <a:t>Title and Content Layout with Chart</a:t>
+            <a:r>
+              <a:rPr lang="en-GB" b="1" dirty="0"/>
+              <a:t>Features </a:t>
             </a:r>
           </a:p>
         </p:txBody>
@@ -8769,10 +10845,307 @@
             <p:ph idx="1"/>
           </p:nvPr>
         </p:nvSpPr>
-        <p:spPr/>
-        <p:txBody>
-          <a:bodyPr/>
+        <p:spPr>
+          <a:xfrm>
+            <a:off x="1593436" y="1600200"/>
+            <a:ext cx="9782801" cy="5257800"/>
+          </a:xfrm>
+        </p:spPr>
+        <p:txBody>
+          <a:bodyPr>
+            <a:normAutofit fontScale="85000" lnSpcReduction="10000"/>
+          </a:bodyPr>
           <a:lstStyle/>
+          <a:p>
+            <a:pPr algn="l" fontAlgn="base">
+              <a:buFont typeface="Arial" panose="020B0604020202020204" pitchFamily="34" charset="0"/>
+              <a:buChar char="•"/>
+            </a:pPr>
+            <a:r>
+              <a:rPr lang="en-GB" b="1" i="0" dirty="0" err="1">
+                <a:solidFill>
+                  <a:srgbClr val="3C4043"/>
+                </a:solidFill>
+                <a:effectLst/>
+                <a:latin typeface="inherit"/>
+              </a:rPr>
+              <a:t>User_ID</a:t>
+            </a:r>
+            <a:r>
+              <a:rPr lang="en-GB" b="0" i="0" dirty="0">
+                <a:solidFill>
+                  <a:srgbClr val="3C4043"/>
+                </a:solidFill>
+                <a:effectLst/>
+                <a:latin typeface="inherit"/>
+              </a:rPr>
+              <a:t>: Unique identifier for the user.</a:t>
+            </a:r>
+          </a:p>
+          <a:p>
+            <a:pPr algn="l" fontAlgn="base">
+              <a:buFont typeface="Arial" panose="020B0604020202020204" pitchFamily="34" charset="0"/>
+              <a:buChar char="•"/>
+            </a:pPr>
+            <a:r>
+              <a:rPr lang="en-GB" b="1" i="0" dirty="0">
+                <a:solidFill>
+                  <a:srgbClr val="3C4043"/>
+                </a:solidFill>
+                <a:effectLst/>
+                <a:latin typeface="inherit"/>
+              </a:rPr>
+              <a:t>Age</a:t>
+            </a:r>
+            <a:r>
+              <a:rPr lang="en-GB" b="0" i="0" dirty="0">
+                <a:solidFill>
+                  <a:srgbClr val="3C4043"/>
+                </a:solidFill>
+                <a:effectLst/>
+                <a:latin typeface="inherit"/>
+              </a:rPr>
+              <a:t>: Age of the user.</a:t>
+            </a:r>
+          </a:p>
+          <a:p>
+            <a:pPr algn="l" fontAlgn="base">
+              <a:buFont typeface="Arial" panose="020B0604020202020204" pitchFamily="34" charset="0"/>
+              <a:buChar char="•"/>
+            </a:pPr>
+            <a:r>
+              <a:rPr lang="en-GB" b="1" i="0" dirty="0">
+                <a:solidFill>
+                  <a:srgbClr val="3C4043"/>
+                </a:solidFill>
+                <a:effectLst/>
+                <a:latin typeface="inherit"/>
+              </a:rPr>
+              <a:t>Gender</a:t>
+            </a:r>
+            <a:r>
+              <a:rPr lang="en-GB" b="0" i="0" dirty="0">
+                <a:solidFill>
+                  <a:srgbClr val="3C4043"/>
+                </a:solidFill>
+                <a:effectLst/>
+                <a:latin typeface="inherit"/>
+              </a:rPr>
+              <a:t>: Gender of the user (Female, Male, Non-binary).</a:t>
+            </a:r>
+          </a:p>
+          <a:p>
+            <a:pPr algn="l" fontAlgn="base">
+              <a:buFont typeface="Arial" panose="020B0604020202020204" pitchFamily="34" charset="0"/>
+              <a:buChar char="•"/>
+            </a:pPr>
+            <a:r>
+              <a:rPr lang="en-GB" b="1" i="0" dirty="0">
+                <a:solidFill>
+                  <a:srgbClr val="3C4043"/>
+                </a:solidFill>
+                <a:effectLst/>
+                <a:latin typeface="inherit"/>
+              </a:rPr>
+              <a:t>Platform</a:t>
+            </a:r>
+            <a:r>
+              <a:rPr lang="en-GB" b="0" i="0" dirty="0">
+                <a:solidFill>
+                  <a:srgbClr val="3C4043"/>
+                </a:solidFill>
+                <a:effectLst/>
+                <a:latin typeface="inherit"/>
+              </a:rPr>
+              <a:t>: Social media platform used (e.g., Instagram, Twitter, Facebook, LinkedIn, Snapchat, </a:t>
+            </a:r>
+            <a:r>
+              <a:rPr lang="en-GB" b="0" i="0" dirty="0" err="1">
+                <a:solidFill>
+                  <a:srgbClr val="3C4043"/>
+                </a:solidFill>
+                <a:effectLst/>
+                <a:latin typeface="inherit"/>
+              </a:rPr>
+              <a:t>Whatsapp</a:t>
+            </a:r>
+            <a:r>
+              <a:rPr lang="en-GB" b="0" i="0" dirty="0">
+                <a:solidFill>
+                  <a:srgbClr val="3C4043"/>
+                </a:solidFill>
+                <a:effectLst/>
+                <a:latin typeface="inherit"/>
+              </a:rPr>
+              <a:t>, Telegram).</a:t>
+            </a:r>
+          </a:p>
+          <a:p>
+            <a:pPr algn="l" fontAlgn="base">
+              <a:buFont typeface="Arial" panose="020B0604020202020204" pitchFamily="34" charset="0"/>
+              <a:buChar char="•"/>
+            </a:pPr>
+            <a:r>
+              <a:rPr lang="en-GB" b="1" i="0" dirty="0" err="1">
+                <a:solidFill>
+                  <a:srgbClr val="3C4043"/>
+                </a:solidFill>
+                <a:effectLst/>
+                <a:latin typeface="inherit"/>
+              </a:rPr>
+              <a:t>Daily_Usage_Time</a:t>
+            </a:r>
+            <a:r>
+              <a:rPr lang="en-GB" b="1" i="0" dirty="0">
+                <a:solidFill>
+                  <a:srgbClr val="3C4043"/>
+                </a:solidFill>
+                <a:effectLst/>
+                <a:latin typeface="inherit"/>
+              </a:rPr>
+              <a:t> (minutes)</a:t>
+            </a:r>
+            <a:r>
+              <a:rPr lang="en-GB" b="0" i="0" dirty="0">
+                <a:solidFill>
+                  <a:srgbClr val="3C4043"/>
+                </a:solidFill>
+                <a:effectLst/>
+                <a:latin typeface="inherit"/>
+              </a:rPr>
+              <a:t>: Daily time spent on the platform in minutes.</a:t>
+            </a:r>
+          </a:p>
+          <a:p>
+            <a:pPr algn="l" fontAlgn="base">
+              <a:buFont typeface="Arial" panose="020B0604020202020204" pitchFamily="34" charset="0"/>
+              <a:buChar char="•"/>
+            </a:pPr>
+            <a:r>
+              <a:rPr lang="en-GB" b="1" i="0" dirty="0" err="1">
+                <a:solidFill>
+                  <a:srgbClr val="3C4043"/>
+                </a:solidFill>
+                <a:effectLst/>
+                <a:latin typeface="inherit"/>
+              </a:rPr>
+              <a:t>Posts_Per_Day</a:t>
+            </a:r>
+            <a:r>
+              <a:rPr lang="en-GB" b="0" i="0" dirty="0">
+                <a:solidFill>
+                  <a:srgbClr val="3C4043"/>
+                </a:solidFill>
+                <a:effectLst/>
+                <a:latin typeface="inherit"/>
+              </a:rPr>
+              <a:t>: Number of posts made per day.</a:t>
+            </a:r>
+          </a:p>
+          <a:p>
+            <a:pPr algn="l" fontAlgn="base">
+              <a:buFont typeface="Arial" panose="020B0604020202020204" pitchFamily="34" charset="0"/>
+              <a:buChar char="•"/>
+            </a:pPr>
+            <a:r>
+              <a:rPr lang="en-GB" b="1" i="0" dirty="0" err="1">
+                <a:solidFill>
+                  <a:srgbClr val="3C4043"/>
+                </a:solidFill>
+                <a:effectLst/>
+                <a:latin typeface="inherit"/>
+              </a:rPr>
+              <a:t>Likes_Received_Per_Day</a:t>
+            </a:r>
+            <a:r>
+              <a:rPr lang="en-GB" b="0" i="0" dirty="0">
+                <a:solidFill>
+                  <a:srgbClr val="3C4043"/>
+                </a:solidFill>
+                <a:effectLst/>
+                <a:latin typeface="inherit"/>
+              </a:rPr>
+              <a:t>: Number of likes received per day.</a:t>
+            </a:r>
+          </a:p>
+          <a:p>
+            <a:pPr algn="l" fontAlgn="base">
+              <a:buFont typeface="Arial" panose="020B0604020202020204" pitchFamily="34" charset="0"/>
+              <a:buChar char="•"/>
+            </a:pPr>
+            <a:r>
+              <a:rPr lang="en-GB" b="1" i="0" dirty="0" err="1">
+                <a:solidFill>
+                  <a:srgbClr val="3C4043"/>
+                </a:solidFill>
+                <a:effectLst/>
+                <a:latin typeface="inherit"/>
+              </a:rPr>
+              <a:t>Comments_Received_Per_Day</a:t>
+            </a:r>
+            <a:r>
+              <a:rPr lang="en-GB" b="0" i="0" dirty="0">
+                <a:solidFill>
+                  <a:srgbClr val="3C4043"/>
+                </a:solidFill>
+                <a:effectLst/>
+                <a:latin typeface="inherit"/>
+              </a:rPr>
+              <a:t>: Number of comments received per day.</a:t>
+            </a:r>
+          </a:p>
+          <a:p>
+            <a:pPr algn="l" fontAlgn="base">
+              <a:buFont typeface="Arial" panose="020B0604020202020204" pitchFamily="34" charset="0"/>
+              <a:buChar char="•"/>
+            </a:pPr>
+            <a:r>
+              <a:rPr lang="en-GB" b="1" i="0" dirty="0" err="1">
+                <a:solidFill>
+                  <a:srgbClr val="3C4043"/>
+                </a:solidFill>
+                <a:effectLst/>
+                <a:latin typeface="inherit"/>
+              </a:rPr>
+              <a:t>Messages_Sent_Per_Day</a:t>
+            </a:r>
+            <a:r>
+              <a:rPr lang="en-GB" b="0" i="0" dirty="0">
+                <a:solidFill>
+                  <a:srgbClr val="3C4043"/>
+                </a:solidFill>
+                <a:effectLst/>
+                <a:latin typeface="inherit"/>
+              </a:rPr>
+              <a:t>: Number of messages sent per day.</a:t>
+            </a:r>
+          </a:p>
+          <a:p>
+            <a:pPr algn="l" fontAlgn="base">
+              <a:buFont typeface="Arial" panose="020B0604020202020204" pitchFamily="34" charset="0"/>
+              <a:buChar char="•"/>
+            </a:pPr>
+            <a:r>
+              <a:rPr lang="en-GB" b="1" i="0" dirty="0" err="1">
+                <a:solidFill>
+                  <a:srgbClr val="3C4043"/>
+                </a:solidFill>
+                <a:effectLst/>
+                <a:latin typeface="inherit"/>
+              </a:rPr>
+              <a:t>Dominant_Emotion</a:t>
+            </a:r>
+            <a:r>
+              <a:rPr lang="en-GB" b="0" i="0" dirty="0">
+                <a:solidFill>
+                  <a:srgbClr val="3C4043"/>
+                </a:solidFill>
+                <a:effectLst/>
+                <a:latin typeface="inherit"/>
+              </a:rPr>
+              <a:t>: User's dominant emotional state during the day (e.g., Happiness, Sadness, Anger, Anxiety, Boredom, Neutral).</a:t>
+            </a:r>
+          </a:p>
           <a:p>
             <a:endParaRPr lang="en-GB" dirty="0"/>
           </a:p>
@@ -8807,8 +11180,8 @@
         </p:blipFill>
         <p:spPr bwMode="auto">
           <a:xfrm>
-            <a:off x="8279893" y="3645024"/>
-            <a:ext cx="3096344" cy="2786559"/>
+            <a:off x="8902724" y="-99392"/>
+            <a:ext cx="3286101" cy="2786559"/>
           </a:xfrm>
           <a:prstGeom prst="rect">
             <a:avLst/>
@@ -8872,7 +11245,7 @@
           <p:cNvPr id="2" name="Title 1">
             <a:extLst>
               <a:ext uri="{FF2B5EF4-FFF2-40B4-BE49-F238E27FC236}">
-                <a16:creationId xmlns:a16="http://schemas.microsoft.com/office/drawing/2014/main" id="{4DCF0429-B182-779D-52D2-72A57BC46428}"/>
+                <a16:creationId xmlns:a16="http://schemas.microsoft.com/office/drawing/2014/main" id="{555B7C7A-9348-C675-FB6F-057EC6AB45D2}"/>
               </a:ext>
             </a:extLst>
           </p:cNvPr>
@@ -8890,46 +11263,747 @@
           <a:p>
             <a:r>
               <a:rPr lang="en-GB" dirty="0"/>
-              <a:t>Databrick</a:t>
-            </a:r>
-          </a:p>
-        </p:txBody>
-      </p:sp>
-      <p:pic>
-        <p:nvPicPr>
-          <p:cNvPr id="5" name="Content Placeholder 4">
+              <a:t>Tools and Technologies</a:t>
+            </a:r>
+          </a:p>
+        </p:txBody>
+      </p:sp>
+      <p:sp>
+        <p:nvSpPr>
+          <p:cNvPr id="4" name="Rectangle 1">
             <a:extLst>
               <a:ext uri="{FF2B5EF4-FFF2-40B4-BE49-F238E27FC236}">
-                <a16:creationId xmlns:a16="http://schemas.microsoft.com/office/drawing/2014/main" id="{D7260C4A-68FE-200A-3BCF-5002306229A6}"/>
+                <a16:creationId xmlns:a16="http://schemas.microsoft.com/office/drawing/2014/main" id="{898F02CB-7DB6-3231-E8C9-D7A6D39F6578}"/>
               </a:ext>
             </a:extLst>
           </p:cNvPr>
-          <p:cNvPicPr>
-            <a:picLocks noGrp="1" noChangeAspect="1"/>
-          </p:cNvPicPr>
+          <p:cNvSpPr>
+            <a:spLocks noGrp="1" noChangeArrowheads="1"/>
+          </p:cNvSpPr>
           <p:nvPr>
             <p:ph idx="1"/>
           </p:nvPr>
-        </p:nvPicPr>
-        <p:blipFill>
-          <a:blip r:embed="rId2"/>
-          <a:stretch>
-            <a:fillRect/>
-          </a:stretch>
-        </p:blipFill>
-        <p:spPr>
-          <a:xfrm>
-            <a:off x="1205729" y="1677744"/>
-            <a:ext cx="10201645" cy="1751256"/>
-          </a:xfrm>
-        </p:spPr>
-      </p:pic>
+        </p:nvSpPr>
+        <p:spPr bwMode="auto">
+          <a:xfrm>
+            <a:off x="1269876" y="1501907"/>
+            <a:ext cx="10513168" cy="5324535"/>
+          </a:xfrm>
+          <a:prstGeom prst="rect">
+            <a:avLst/>
+          </a:prstGeom>
+          <a:noFill/>
+          <a:ln>
+            <a:noFill/>
+          </a:ln>
+          <a:effectLst/>
+          <a:extLst>
+            <a:ext uri="{909E8E84-426E-40DD-AFC4-6F175D3DCCD1}">
+              <a14:hiddenFill xmlns:a14="http://schemas.microsoft.com/office/drawing/2010/main">
+                <a:solidFill>
+                  <a:schemeClr val="accent1"/>
+                </a:solidFill>
+              </a14:hiddenFill>
+            </a:ext>
+            <a:ext uri="{91240B29-F687-4F45-9708-019B960494DF}">
+              <a14:hiddenLine xmlns:a14="http://schemas.microsoft.com/office/drawing/2010/main" w="9525">
+                <a:solidFill>
+                  <a:schemeClr val="tx1"/>
+                </a:solidFill>
+                <a:miter lim="800000"/>
+                <a:headEnd/>
+                <a:tailEnd/>
+              </a14:hiddenLine>
+            </a:ext>
+            <a:ext uri="{AF507438-7753-43E0-B8FC-AC1667EBCBE1}">
+              <a14:hiddenEffects xmlns:a14="http://schemas.microsoft.com/office/drawing/2010/main">
+                <a:effectLst>
+                  <a:outerShdw dist="35921" dir="2700000" algn="ctr" rotWithShape="0">
+                    <a:schemeClr val="bg2"/>
+                  </a:outerShdw>
+                </a:effectLst>
+              </a14:hiddenEffects>
+            </a:ext>
+          </a:extLst>
+        </p:spPr>
+        <p:txBody>
+          <a:bodyPr vert="horz" wrap="square" lIns="91440" tIns="45720" rIns="91440" bIns="45720" numCol="1" anchor="ctr" anchorCtr="0" compatLnSpc="1">
+            <a:prstTxWarp prst="textNoShape">
+              <a:avLst/>
+            </a:prstTxWarp>
+            <a:spAutoFit/>
+          </a:bodyPr>
+          <a:lstStyle/>
+          <a:p>
+            <a:pPr marL="0" marR="0" lvl="0" indent="0" algn="l" defTabSz="914400" rtl="0" eaLnBrk="0" fontAlgn="base" latinLnBrk="0" hangingPunct="0">
+              <a:lnSpc>
+                <a:spcPct val="100000"/>
+              </a:lnSpc>
+              <a:spcBef>
+                <a:spcPct val="0"/>
+              </a:spcBef>
+              <a:spcAft>
+                <a:spcPct val="0"/>
+              </a:spcAft>
+              <a:buClrTx/>
+              <a:buSzTx/>
+              <a:buFontTx/>
+              <a:buChar char="•"/>
+              <a:tabLst/>
+            </a:pPr>
+            <a:r>
+              <a:rPr kumimoji="0" lang="en-US" altLang="en-US" sz="2000" b="1" i="0" u="none" strike="noStrike" cap="none" normalizeH="0" baseline="0" dirty="0">
+                <a:ln>
+                  <a:noFill/>
+                </a:ln>
+                <a:solidFill>
+                  <a:schemeClr val="tx1"/>
+                </a:solidFill>
+                <a:effectLst/>
+                <a:latin typeface="Arial" panose="020B0604020202020204" pitchFamily="34" charset="0"/>
+              </a:rPr>
+              <a:t>Hadoop:</a:t>
+            </a:r>
+            <a:r>
+              <a:rPr kumimoji="0" lang="en-US" altLang="en-US" sz="2000" b="0" i="0" u="none" strike="noStrike" cap="none" normalizeH="0" baseline="0" dirty="0">
+                <a:ln>
+                  <a:noFill/>
+                </a:ln>
+                <a:solidFill>
+                  <a:schemeClr val="tx1"/>
+                </a:solidFill>
+                <a:effectLst/>
+                <a:latin typeface="Arial" panose="020B0604020202020204" pitchFamily="34" charset="0"/>
+              </a:rPr>
+              <a:t> HDFS for data storage, MapReduce data processing.</a:t>
+            </a:r>
+          </a:p>
+          <a:p>
+            <a:pPr marL="0" marR="0" lvl="0" indent="0" algn="l" defTabSz="914400" rtl="0" eaLnBrk="0" fontAlgn="base" latinLnBrk="0" hangingPunct="0">
+              <a:lnSpc>
+                <a:spcPct val="100000"/>
+              </a:lnSpc>
+              <a:spcBef>
+                <a:spcPct val="0"/>
+              </a:spcBef>
+              <a:spcAft>
+                <a:spcPct val="0"/>
+              </a:spcAft>
+              <a:buClrTx/>
+              <a:buSzTx/>
+              <a:buFontTx/>
+              <a:buChar char="•"/>
+              <a:tabLst/>
+            </a:pPr>
+            <a:endParaRPr kumimoji="0" lang="en-US" altLang="en-US" sz="2000" b="0" i="0" u="none" strike="noStrike" cap="none" normalizeH="0" baseline="0" dirty="0">
+              <a:ln>
+                <a:noFill/>
+              </a:ln>
+              <a:solidFill>
+                <a:schemeClr val="tx1"/>
+              </a:solidFill>
+              <a:effectLst/>
+              <a:latin typeface="Arial" panose="020B0604020202020204" pitchFamily="34" charset="0"/>
+            </a:endParaRPr>
+          </a:p>
+          <a:p>
+            <a:pPr marL="0" marR="0" lvl="0" indent="0" algn="l" defTabSz="914400" rtl="0" eaLnBrk="0" fontAlgn="base" latinLnBrk="0" hangingPunct="0">
+              <a:lnSpc>
+                <a:spcPct val="100000"/>
+              </a:lnSpc>
+              <a:spcBef>
+                <a:spcPct val="0"/>
+              </a:spcBef>
+              <a:spcAft>
+                <a:spcPct val="0"/>
+              </a:spcAft>
+              <a:buClrTx/>
+              <a:buSzTx/>
+              <a:buFontTx/>
+              <a:buChar char="•"/>
+              <a:tabLst/>
+            </a:pPr>
+            <a:r>
+              <a:rPr kumimoji="0" lang="en-US" altLang="en-US" sz="2000" b="1" i="0" u="none" strike="noStrike" cap="none" normalizeH="0" baseline="0" dirty="0">
+                <a:ln>
+                  <a:noFill/>
+                </a:ln>
+                <a:solidFill>
+                  <a:schemeClr val="tx1"/>
+                </a:solidFill>
+                <a:effectLst/>
+                <a:latin typeface="Arial" panose="020B0604020202020204" pitchFamily="34" charset="0"/>
+              </a:rPr>
+              <a:t>Apache Spark:</a:t>
+            </a:r>
+            <a:r>
+              <a:rPr kumimoji="0" lang="en-US" altLang="en-US" sz="2000" b="0" i="0" u="none" strike="noStrike" cap="none" normalizeH="0" baseline="0" dirty="0">
+                <a:ln>
+                  <a:noFill/>
+                </a:ln>
+                <a:solidFill>
+                  <a:schemeClr val="tx1"/>
+                </a:solidFill>
+                <a:effectLst/>
+                <a:latin typeface="Arial" panose="020B0604020202020204" pitchFamily="34" charset="0"/>
+              </a:rPr>
+              <a:t> </a:t>
+            </a:r>
+            <a:r>
+              <a:rPr kumimoji="0" lang="en-US" altLang="en-US" sz="2000" b="0" i="0" u="none" strike="noStrike" cap="none" normalizeH="0" baseline="0" dirty="0" err="1">
+                <a:ln>
+                  <a:noFill/>
+                </a:ln>
+                <a:solidFill>
+                  <a:schemeClr val="tx1"/>
+                </a:solidFill>
+                <a:effectLst/>
+                <a:latin typeface="Arial" panose="020B0604020202020204" pitchFamily="34" charset="0"/>
+              </a:rPr>
+              <a:t>PySpark</a:t>
+            </a:r>
+            <a:r>
+              <a:rPr kumimoji="0" lang="en-US" altLang="en-US" sz="2000" b="0" i="0" u="none" strike="noStrike" cap="none" normalizeH="0" baseline="0" dirty="0">
+                <a:ln>
+                  <a:noFill/>
+                </a:ln>
+                <a:solidFill>
+                  <a:schemeClr val="tx1"/>
+                </a:solidFill>
+                <a:effectLst/>
+                <a:latin typeface="Arial" panose="020B0604020202020204" pitchFamily="34" charset="0"/>
+              </a:rPr>
+              <a:t> for data processing and analysis, </a:t>
+            </a:r>
+          </a:p>
+          <a:p>
+            <a:pPr marL="0" marR="0" lvl="0" indent="0" algn="l" defTabSz="914400" rtl="0" eaLnBrk="0" fontAlgn="base" latinLnBrk="0" hangingPunct="0">
+              <a:lnSpc>
+                <a:spcPct val="100000"/>
+              </a:lnSpc>
+              <a:spcBef>
+                <a:spcPct val="0"/>
+              </a:spcBef>
+              <a:spcAft>
+                <a:spcPct val="0"/>
+              </a:spcAft>
+              <a:buClrTx/>
+              <a:buSzTx/>
+              <a:buFontTx/>
+              <a:buChar char="•"/>
+              <a:tabLst/>
+            </a:pPr>
+            <a:r>
+              <a:rPr kumimoji="0" lang="en-US" altLang="en-US" sz="2000" b="0" i="0" u="none" strike="noStrike" cap="none" normalizeH="0" baseline="0" dirty="0">
+                <a:ln>
+                  <a:noFill/>
+                </a:ln>
+                <a:solidFill>
+                  <a:schemeClr val="tx1"/>
+                </a:solidFill>
+                <a:effectLst/>
+                <a:latin typeface="Arial" panose="020B0604020202020204" pitchFamily="34" charset="0"/>
+              </a:rPr>
+              <a:t>Spark SQL for structured data queries, </a:t>
+            </a:r>
+          </a:p>
+          <a:p>
+            <a:pPr marL="0" marR="0" lvl="0" indent="0" algn="l" defTabSz="914400" rtl="0" eaLnBrk="0" fontAlgn="base" latinLnBrk="0" hangingPunct="0">
+              <a:lnSpc>
+                <a:spcPct val="100000"/>
+              </a:lnSpc>
+              <a:spcBef>
+                <a:spcPct val="0"/>
+              </a:spcBef>
+              <a:spcAft>
+                <a:spcPct val="0"/>
+              </a:spcAft>
+              <a:buClrTx/>
+              <a:buSzTx/>
+              <a:buFontTx/>
+              <a:buChar char="•"/>
+              <a:tabLst/>
+            </a:pPr>
+            <a:r>
+              <a:rPr kumimoji="0" lang="en-US" altLang="en-US" sz="2000" b="0" i="0" u="none" strike="noStrike" cap="none" normalizeH="0" baseline="0" dirty="0" err="1">
+                <a:ln>
+                  <a:noFill/>
+                </a:ln>
+                <a:solidFill>
+                  <a:schemeClr val="tx1"/>
+                </a:solidFill>
+                <a:effectLst/>
+                <a:latin typeface="Arial" panose="020B0604020202020204" pitchFamily="34" charset="0"/>
+              </a:rPr>
+              <a:t>MLlib</a:t>
+            </a:r>
+            <a:r>
+              <a:rPr kumimoji="0" lang="en-US" altLang="en-US" sz="2000" b="0" i="0" u="none" strike="noStrike" cap="none" normalizeH="0" baseline="0" dirty="0">
+                <a:ln>
+                  <a:noFill/>
+                </a:ln>
+                <a:solidFill>
+                  <a:schemeClr val="tx1"/>
+                </a:solidFill>
+                <a:effectLst/>
+                <a:latin typeface="Arial" panose="020B0604020202020204" pitchFamily="34" charset="0"/>
+              </a:rPr>
+              <a:t> for machine learning.</a:t>
+            </a:r>
+          </a:p>
+          <a:p>
+            <a:pPr marL="0" marR="0" lvl="0" indent="0" algn="l" defTabSz="914400" rtl="0" eaLnBrk="0" fontAlgn="base" latinLnBrk="0" hangingPunct="0">
+              <a:lnSpc>
+                <a:spcPct val="100000"/>
+              </a:lnSpc>
+              <a:spcBef>
+                <a:spcPct val="0"/>
+              </a:spcBef>
+              <a:spcAft>
+                <a:spcPct val="0"/>
+              </a:spcAft>
+              <a:buClrTx/>
+              <a:buSzTx/>
+              <a:buFontTx/>
+              <a:buChar char="•"/>
+              <a:tabLst/>
+            </a:pPr>
+            <a:endParaRPr kumimoji="0" lang="en-US" altLang="en-US" sz="2000" b="0" i="0" u="none" strike="noStrike" cap="none" normalizeH="0" baseline="0" dirty="0">
+              <a:ln>
+                <a:noFill/>
+              </a:ln>
+              <a:solidFill>
+                <a:schemeClr val="tx1"/>
+              </a:solidFill>
+              <a:effectLst/>
+              <a:latin typeface="Arial" panose="020B0604020202020204" pitchFamily="34" charset="0"/>
+            </a:endParaRPr>
+          </a:p>
+          <a:p>
+            <a:pPr marL="0" marR="0" lvl="0" indent="0" algn="l" defTabSz="914400" rtl="0" eaLnBrk="0" fontAlgn="base" latinLnBrk="0" hangingPunct="0">
+              <a:lnSpc>
+                <a:spcPct val="100000"/>
+              </a:lnSpc>
+              <a:spcBef>
+                <a:spcPct val="0"/>
+              </a:spcBef>
+              <a:spcAft>
+                <a:spcPct val="0"/>
+              </a:spcAft>
+              <a:buClrTx/>
+              <a:buSzTx/>
+              <a:buFontTx/>
+              <a:buChar char="•"/>
+              <a:tabLst/>
+            </a:pPr>
+            <a:r>
+              <a:rPr kumimoji="0" lang="en-US" altLang="en-US" sz="2000" b="1" i="0" u="none" strike="noStrike" cap="none" normalizeH="0" baseline="0" dirty="0">
+                <a:ln>
+                  <a:noFill/>
+                </a:ln>
+                <a:solidFill>
+                  <a:schemeClr val="tx1"/>
+                </a:solidFill>
+                <a:effectLst/>
+                <a:latin typeface="Arial" panose="020B0604020202020204" pitchFamily="34" charset="0"/>
+              </a:rPr>
+              <a:t>Pandas:</a:t>
+            </a:r>
+            <a:r>
+              <a:rPr kumimoji="0" lang="en-US" altLang="en-US" sz="2000" b="0" i="0" u="none" strike="noStrike" cap="none" normalizeH="0" baseline="0" dirty="0">
+                <a:ln>
+                  <a:noFill/>
+                </a:ln>
+                <a:solidFill>
+                  <a:schemeClr val="tx1"/>
+                </a:solidFill>
+                <a:effectLst/>
+                <a:latin typeface="Arial" panose="020B0604020202020204" pitchFamily="34" charset="0"/>
+              </a:rPr>
+              <a:t> Data cleaning and transformation.</a:t>
+            </a:r>
+          </a:p>
+          <a:p>
+            <a:pPr marL="0" marR="0" lvl="0" indent="0" algn="l" defTabSz="914400" rtl="0" eaLnBrk="0" fontAlgn="base" latinLnBrk="0" hangingPunct="0">
+              <a:lnSpc>
+                <a:spcPct val="100000"/>
+              </a:lnSpc>
+              <a:spcBef>
+                <a:spcPct val="0"/>
+              </a:spcBef>
+              <a:spcAft>
+                <a:spcPct val="0"/>
+              </a:spcAft>
+              <a:buClrTx/>
+              <a:buSzTx/>
+              <a:buFontTx/>
+              <a:buChar char="•"/>
+              <a:tabLst/>
+            </a:pPr>
+            <a:endParaRPr kumimoji="0" lang="en-US" altLang="en-US" sz="2000" b="0" i="0" u="none" strike="noStrike" cap="none" normalizeH="0" baseline="0" dirty="0">
+              <a:ln>
+                <a:noFill/>
+              </a:ln>
+              <a:solidFill>
+                <a:schemeClr val="tx1"/>
+              </a:solidFill>
+              <a:effectLst/>
+              <a:latin typeface="Arial" panose="020B0604020202020204" pitchFamily="34" charset="0"/>
+            </a:endParaRPr>
+          </a:p>
+          <a:p>
+            <a:pPr marL="0" marR="0" lvl="0" indent="0" algn="l" defTabSz="914400" rtl="0" eaLnBrk="0" fontAlgn="base" latinLnBrk="0" hangingPunct="0">
+              <a:lnSpc>
+                <a:spcPct val="100000"/>
+              </a:lnSpc>
+              <a:spcBef>
+                <a:spcPct val="0"/>
+              </a:spcBef>
+              <a:spcAft>
+                <a:spcPct val="0"/>
+              </a:spcAft>
+              <a:buClrTx/>
+              <a:buSzTx/>
+              <a:buFontTx/>
+              <a:buChar char="•"/>
+              <a:tabLst/>
+            </a:pPr>
+            <a:r>
+              <a:rPr kumimoji="0" lang="en-US" altLang="en-US" sz="2000" b="1" i="0" u="none" strike="noStrike" cap="none" normalizeH="0" baseline="0" dirty="0">
+                <a:ln>
+                  <a:noFill/>
+                </a:ln>
+                <a:solidFill>
+                  <a:schemeClr val="tx1"/>
+                </a:solidFill>
+                <a:effectLst/>
+                <a:latin typeface="Arial" panose="020B0604020202020204" pitchFamily="34" charset="0"/>
+              </a:rPr>
+              <a:t>HBase:</a:t>
+            </a:r>
+            <a:r>
+              <a:rPr kumimoji="0" lang="en-US" altLang="en-US" sz="2000" b="0" i="0" u="none" strike="noStrike" cap="none" normalizeH="0" baseline="0" dirty="0">
+                <a:ln>
+                  <a:noFill/>
+                </a:ln>
+                <a:solidFill>
+                  <a:schemeClr val="tx1"/>
+                </a:solidFill>
+                <a:effectLst/>
+                <a:latin typeface="Arial" panose="020B0604020202020204" pitchFamily="34" charset="0"/>
+              </a:rPr>
+              <a:t> NoSQL database for efficient storage and retrieval of large datasets.</a:t>
+            </a:r>
+          </a:p>
+          <a:p>
+            <a:pPr marL="0" marR="0" lvl="0" indent="0" algn="l" defTabSz="914400" rtl="0" eaLnBrk="0" fontAlgn="base" latinLnBrk="0" hangingPunct="0">
+              <a:lnSpc>
+                <a:spcPct val="100000"/>
+              </a:lnSpc>
+              <a:spcBef>
+                <a:spcPct val="0"/>
+              </a:spcBef>
+              <a:spcAft>
+                <a:spcPct val="0"/>
+              </a:spcAft>
+              <a:buClrTx/>
+              <a:buSzTx/>
+              <a:buFontTx/>
+              <a:buChar char="•"/>
+              <a:tabLst/>
+            </a:pPr>
+            <a:endParaRPr kumimoji="0" lang="en-US" altLang="en-US" sz="2000" b="0" i="0" u="none" strike="noStrike" cap="none" normalizeH="0" baseline="0" dirty="0">
+              <a:ln>
+                <a:noFill/>
+              </a:ln>
+              <a:solidFill>
+                <a:schemeClr val="tx1"/>
+              </a:solidFill>
+              <a:effectLst/>
+              <a:latin typeface="Arial" panose="020B0604020202020204" pitchFamily="34" charset="0"/>
+            </a:endParaRPr>
+          </a:p>
+          <a:p>
+            <a:pPr marL="0" marR="0" lvl="0" indent="0" algn="l" defTabSz="914400" rtl="0" eaLnBrk="0" fontAlgn="base" latinLnBrk="0" hangingPunct="0">
+              <a:lnSpc>
+                <a:spcPct val="100000"/>
+              </a:lnSpc>
+              <a:spcBef>
+                <a:spcPct val="0"/>
+              </a:spcBef>
+              <a:spcAft>
+                <a:spcPct val="0"/>
+              </a:spcAft>
+              <a:buClrTx/>
+              <a:buSzTx/>
+              <a:buFontTx/>
+              <a:buChar char="•"/>
+              <a:tabLst/>
+            </a:pPr>
+            <a:r>
+              <a:rPr kumimoji="0" lang="en-US" altLang="en-US" sz="2000" b="1" i="0" u="none" strike="noStrike" cap="none" normalizeH="0" baseline="0" dirty="0" err="1">
+                <a:ln>
+                  <a:noFill/>
+                </a:ln>
+                <a:solidFill>
+                  <a:schemeClr val="tx1"/>
+                </a:solidFill>
+                <a:effectLst/>
+                <a:latin typeface="Arial" panose="020B0604020202020204" pitchFamily="34" charset="0"/>
+              </a:rPr>
+              <a:t>Jupyter</a:t>
+            </a:r>
+            <a:r>
+              <a:rPr kumimoji="0" lang="en-US" altLang="en-US" sz="2000" b="1" i="0" u="none" strike="noStrike" cap="none" normalizeH="0" baseline="0" dirty="0">
+                <a:ln>
+                  <a:noFill/>
+                </a:ln>
+                <a:solidFill>
+                  <a:schemeClr val="tx1"/>
+                </a:solidFill>
+                <a:effectLst/>
+                <a:latin typeface="Arial" panose="020B0604020202020204" pitchFamily="34" charset="0"/>
+              </a:rPr>
+              <a:t> Lab:</a:t>
+            </a:r>
+            <a:r>
+              <a:rPr kumimoji="0" lang="en-US" altLang="en-US" sz="2000" b="0" i="0" u="none" strike="noStrike" cap="none" normalizeH="0" baseline="0" dirty="0">
+                <a:ln>
+                  <a:noFill/>
+                </a:ln>
+                <a:solidFill>
+                  <a:schemeClr val="tx1"/>
+                </a:solidFill>
+                <a:effectLst/>
+                <a:latin typeface="Arial" panose="020B0604020202020204" pitchFamily="34" charset="0"/>
+              </a:rPr>
+              <a:t> Interactive environment for data analysis and visualization.</a:t>
+            </a:r>
+          </a:p>
+          <a:p>
+            <a:pPr marL="0" marR="0" lvl="0" indent="0" algn="l" defTabSz="914400" rtl="0" eaLnBrk="0" fontAlgn="base" latinLnBrk="0" hangingPunct="0">
+              <a:lnSpc>
+                <a:spcPct val="100000"/>
+              </a:lnSpc>
+              <a:spcBef>
+                <a:spcPct val="0"/>
+              </a:spcBef>
+              <a:spcAft>
+                <a:spcPct val="0"/>
+              </a:spcAft>
+              <a:buClrTx/>
+              <a:buSzTx/>
+              <a:buFontTx/>
+              <a:buChar char="•"/>
+              <a:tabLst/>
+            </a:pPr>
+            <a:endParaRPr kumimoji="0" lang="en-US" altLang="en-US" sz="2000" b="0" i="0" u="none" strike="noStrike" cap="none" normalizeH="0" baseline="0" dirty="0">
+              <a:ln>
+                <a:noFill/>
+              </a:ln>
+              <a:solidFill>
+                <a:schemeClr val="tx1"/>
+              </a:solidFill>
+              <a:effectLst/>
+              <a:latin typeface="Arial" panose="020B0604020202020204" pitchFamily="34" charset="0"/>
+            </a:endParaRPr>
+          </a:p>
+          <a:p>
+            <a:pPr marL="0" marR="0" lvl="0" indent="0" algn="l" defTabSz="914400" rtl="0" eaLnBrk="0" fontAlgn="base" latinLnBrk="0" hangingPunct="0">
+              <a:lnSpc>
+                <a:spcPct val="100000"/>
+              </a:lnSpc>
+              <a:spcBef>
+                <a:spcPct val="0"/>
+              </a:spcBef>
+              <a:spcAft>
+                <a:spcPct val="0"/>
+              </a:spcAft>
+              <a:buClrTx/>
+              <a:buSzTx/>
+              <a:buFontTx/>
+              <a:buChar char="•"/>
+              <a:tabLst/>
+            </a:pPr>
+            <a:r>
+              <a:rPr kumimoji="0" lang="en-US" altLang="en-US" sz="2000" b="1" i="0" u="none" strike="noStrike" cap="none" normalizeH="0" baseline="0" dirty="0">
+                <a:ln>
+                  <a:noFill/>
+                </a:ln>
+                <a:solidFill>
+                  <a:schemeClr val="tx1"/>
+                </a:solidFill>
+                <a:effectLst/>
+                <a:latin typeface="Arial" panose="020B0604020202020204" pitchFamily="34" charset="0"/>
+              </a:rPr>
+              <a:t>Visualization Tools:</a:t>
+            </a:r>
+            <a:r>
+              <a:rPr kumimoji="0" lang="en-US" altLang="en-US" sz="2000" b="0" i="0" u="none" strike="noStrike" cap="none" normalizeH="0" baseline="0" dirty="0">
+                <a:ln>
+                  <a:noFill/>
+                </a:ln>
+                <a:solidFill>
+                  <a:schemeClr val="tx1"/>
+                </a:solidFill>
+                <a:effectLst/>
+                <a:latin typeface="Arial" panose="020B0604020202020204" pitchFamily="34" charset="0"/>
+              </a:rPr>
+              <a:t> Matplotlib, Seaborn for static and interactive visualizations.</a:t>
+            </a:r>
+          </a:p>
+          <a:p>
+            <a:pPr marL="0" marR="0" lvl="0" indent="0" algn="l" defTabSz="914400" rtl="0" eaLnBrk="0" fontAlgn="base" latinLnBrk="0" hangingPunct="0">
+              <a:lnSpc>
+                <a:spcPct val="100000"/>
+              </a:lnSpc>
+              <a:spcBef>
+                <a:spcPct val="0"/>
+              </a:spcBef>
+              <a:spcAft>
+                <a:spcPct val="0"/>
+              </a:spcAft>
+              <a:buClrTx/>
+              <a:buSzTx/>
+              <a:buFontTx/>
+              <a:buChar char="•"/>
+              <a:tabLst/>
+            </a:pPr>
+            <a:endParaRPr kumimoji="0" lang="en-US" altLang="en-US" sz="2000" b="0" i="0" u="none" strike="noStrike" cap="none" normalizeH="0" baseline="0" dirty="0">
+              <a:ln>
+                <a:noFill/>
+              </a:ln>
+              <a:solidFill>
+                <a:schemeClr val="tx1"/>
+              </a:solidFill>
+              <a:effectLst/>
+              <a:latin typeface="Arial" panose="020B0604020202020204" pitchFamily="34" charset="0"/>
+            </a:endParaRPr>
+          </a:p>
+          <a:p>
+            <a:pPr marL="0" marR="0" lvl="0" indent="0" algn="l" defTabSz="914400" rtl="0" eaLnBrk="0" fontAlgn="base" latinLnBrk="0" hangingPunct="0">
+              <a:lnSpc>
+                <a:spcPct val="100000"/>
+              </a:lnSpc>
+              <a:spcBef>
+                <a:spcPct val="0"/>
+              </a:spcBef>
+              <a:spcAft>
+                <a:spcPct val="0"/>
+              </a:spcAft>
+              <a:buClrTx/>
+              <a:buSzTx/>
+              <a:buFontTx/>
+              <a:buChar char="•"/>
+              <a:tabLst/>
+            </a:pPr>
+            <a:r>
+              <a:rPr kumimoji="0" lang="en-US" altLang="en-US" sz="2000" b="1" i="0" u="none" strike="noStrike" cap="none" normalizeH="0" baseline="0" dirty="0">
+                <a:ln>
+                  <a:noFill/>
+                </a:ln>
+                <a:solidFill>
+                  <a:schemeClr val="tx1"/>
+                </a:solidFill>
+                <a:effectLst/>
+                <a:latin typeface="Arial" panose="020B0604020202020204" pitchFamily="34" charset="0"/>
+              </a:rPr>
+              <a:t>Kafka:</a:t>
+            </a:r>
+            <a:r>
+              <a:rPr kumimoji="0" lang="en-US" altLang="en-US" sz="2000" b="0" i="0" u="none" strike="noStrike" cap="none" normalizeH="0" baseline="0" dirty="0">
+                <a:ln>
+                  <a:noFill/>
+                </a:ln>
+                <a:solidFill>
+                  <a:schemeClr val="tx1"/>
+                </a:solidFill>
+                <a:effectLst/>
+                <a:latin typeface="Arial" panose="020B0604020202020204" pitchFamily="34" charset="0"/>
+              </a:rPr>
+              <a:t> Real-time data streaming and processing.</a:t>
+            </a:r>
+          </a:p>
+          <a:p>
+            <a:pPr marL="0" marR="0" lvl="0" indent="0" algn="l" defTabSz="914400" rtl="0" eaLnBrk="0" fontAlgn="base" latinLnBrk="0" hangingPunct="0">
+              <a:lnSpc>
+                <a:spcPct val="100000"/>
+              </a:lnSpc>
+              <a:spcBef>
+                <a:spcPct val="0"/>
+              </a:spcBef>
+              <a:spcAft>
+                <a:spcPct val="0"/>
+              </a:spcAft>
+              <a:buClrTx/>
+              <a:buSzTx/>
+              <a:buFontTx/>
+              <a:buChar char="•"/>
+              <a:tabLst/>
+            </a:pPr>
+            <a:endParaRPr kumimoji="0" lang="en-US" altLang="en-US" sz="2000" b="0" i="0" u="none" strike="noStrike" cap="none" normalizeH="0" baseline="0" dirty="0">
+              <a:ln>
+                <a:noFill/>
+              </a:ln>
+              <a:solidFill>
+                <a:schemeClr val="tx1"/>
+              </a:solidFill>
+              <a:effectLst/>
+              <a:latin typeface="Arial" panose="020B0604020202020204" pitchFamily="34" charset="0"/>
+            </a:endParaRPr>
+          </a:p>
+          <a:p>
+            <a:pPr marL="0" marR="0" lvl="0" indent="0" algn="l" defTabSz="914400" rtl="0" eaLnBrk="0" fontAlgn="base" latinLnBrk="0" hangingPunct="0">
+              <a:lnSpc>
+                <a:spcPct val="100000"/>
+              </a:lnSpc>
+              <a:spcBef>
+                <a:spcPct val="0"/>
+              </a:spcBef>
+              <a:spcAft>
+                <a:spcPct val="0"/>
+              </a:spcAft>
+              <a:buClrTx/>
+              <a:buSzTx/>
+              <a:buFontTx/>
+              <a:buChar char="•"/>
+              <a:tabLst/>
+            </a:pPr>
+            <a:r>
+              <a:rPr kumimoji="0" lang="en-US" altLang="en-US" sz="2000" b="1" i="0" u="none" strike="noStrike" cap="none" normalizeH="0" baseline="0" dirty="0">
+                <a:ln>
+                  <a:noFill/>
+                </a:ln>
+                <a:solidFill>
+                  <a:schemeClr val="tx1"/>
+                </a:solidFill>
+                <a:effectLst/>
+                <a:latin typeface="Arial" panose="020B0604020202020204" pitchFamily="34" charset="0"/>
+              </a:rPr>
+              <a:t>Databricks:</a:t>
+            </a:r>
+            <a:r>
+              <a:rPr kumimoji="0" lang="en-US" altLang="en-US" sz="2000" b="0" i="0" u="none" strike="noStrike" cap="none" normalizeH="0" baseline="0" dirty="0">
+                <a:ln>
+                  <a:noFill/>
+                </a:ln>
+                <a:solidFill>
+                  <a:schemeClr val="tx1"/>
+                </a:solidFill>
+                <a:effectLst/>
+                <a:latin typeface="Arial" panose="020B0604020202020204" pitchFamily="34" charset="0"/>
+              </a:rPr>
+              <a:t> Unified analytics platform for collaborative data science and  data processing. </a:t>
+            </a:r>
+          </a:p>
+        </p:txBody>
+      </p:sp>
       <p:pic>
         <p:nvPicPr>
-          <p:cNvPr id="3074" name="Picture 2" descr="Hashtags and Heartaches: Social Media's Influence on Mental Health |  YourStory">
+          <p:cNvPr id="1027" name="Picture 3" descr="5 Essential Tech Tools To Grow Your ...">
             <a:extLst>
               <a:ext uri="{FF2B5EF4-FFF2-40B4-BE49-F238E27FC236}">
-                <a16:creationId xmlns:a16="http://schemas.microsoft.com/office/drawing/2014/main" id="{BFBB39E4-E353-3DCE-A7E4-E961A86EF023}"/>
+                <a16:creationId xmlns:a16="http://schemas.microsoft.com/office/drawing/2014/main" id="{557CEBBA-B127-AE6C-534F-A7D71F86A3B4}"/>
               </a:ext>
             </a:extLst>
           </p:cNvPr>
@@ -8939,7 +12013,7 @@
           <p:nvPr/>
         </p:nvPicPr>
         <p:blipFill>
-          <a:blip r:embed="rId3">
+          <a:blip r:embed="rId2">
             <a:extLst>
               <a:ext uri="{28A0092B-C50C-407E-A947-70E740481C1C}">
                 <a14:useLocalDpi xmlns:a14="http://schemas.microsoft.com/office/drawing/2010/main" val="0"/>
@@ -8953,8 +12027,8 @@
         </p:blipFill>
         <p:spPr bwMode="auto">
           <a:xfrm>
-            <a:off x="8758708" y="4077072"/>
-            <a:ext cx="3028950" cy="2027064"/>
+            <a:off x="8935069" y="0"/>
+            <a:ext cx="2847975" cy="2636912"/>
           </a:xfrm>
           <a:prstGeom prst="rect">
             <a:avLst/>
@@ -8974,7 +12048,7 @@
     </p:spTree>
     <p:extLst>
       <p:ext uri="{BB962C8B-B14F-4D97-AF65-F5344CB8AC3E}">
-        <p14:creationId xmlns:p14="http://schemas.microsoft.com/office/powerpoint/2010/main" val="4137272609"/>
+        <p14:creationId xmlns:p14="http://schemas.microsoft.com/office/powerpoint/2010/main" val="129137856"/>
       </p:ext>
     </p:extLst>
   </p:cSld>
@@ -9018,7 +12092,7 @@
           <p:cNvPr id="2" name="Title 1">
             <a:extLst>
               <a:ext uri="{FF2B5EF4-FFF2-40B4-BE49-F238E27FC236}">
-                <a16:creationId xmlns:a16="http://schemas.microsoft.com/office/drawing/2014/main" id="{E35832BE-F065-8BA2-F578-792ADB6A0071}"/>
+                <a16:creationId xmlns:a16="http://schemas.microsoft.com/office/drawing/2014/main" id="{6AABA531-6D06-6E44-A5B9-EE8CE56C1ADF}"/>
               </a:ext>
             </a:extLst>
           </p:cNvPr>
@@ -9034,7 +12108,10 @@
           <a:bodyPr/>
           <a:lstStyle/>
           <a:p>
-            <a:endParaRPr lang="en-GB" dirty="0"/>
+            <a:r>
+              <a:rPr lang="en-GB" b="1" dirty="0"/>
+              <a:t>Data Processing with MapReduce (Hadoop)</a:t>
+            </a:r>
           </a:p>
         </p:txBody>
       </p:sp>
@@ -9043,7 +12120,7 @@
           <p:cNvPr id="3" name="Content Placeholder 2">
             <a:extLst>
               <a:ext uri="{FF2B5EF4-FFF2-40B4-BE49-F238E27FC236}">
-                <a16:creationId xmlns:a16="http://schemas.microsoft.com/office/drawing/2014/main" id="{181F9B20-C6C0-38AB-DFF7-252391A18591}"/>
+                <a16:creationId xmlns:a16="http://schemas.microsoft.com/office/drawing/2014/main" id="{000836EF-339B-686A-B7F4-405755C98EE9}"/>
               </a:ext>
             </a:extLst>
           </p:cNvPr>
@@ -9054,49 +12131,121 @@
             <p:ph idx="1"/>
           </p:nvPr>
         </p:nvSpPr>
-        <p:spPr/>
-        <p:txBody>
-          <a:bodyPr/>
+        <p:spPr>
+          <a:xfrm>
+            <a:off x="1341884" y="1600200"/>
+            <a:ext cx="10297144" cy="4572000"/>
+          </a:xfrm>
+        </p:spPr>
+        <p:txBody>
+          <a:bodyPr>
+            <a:normAutofit fontScale="92500"/>
+          </a:bodyPr>
           <a:lstStyle/>
           <a:p>
-            <a:endParaRPr lang="en-GB"/>
-          </a:p>
-        </p:txBody>
-      </p:sp>
-      <p:pic>
-        <p:nvPicPr>
-          <p:cNvPr id="4" name="Picture 3">
-            <a:extLst>
-              <a:ext uri="{FF2B5EF4-FFF2-40B4-BE49-F238E27FC236}">
-                <a16:creationId xmlns:a16="http://schemas.microsoft.com/office/drawing/2014/main" id="{C9F7FEFC-1926-1B55-8860-EBAC938E5F49}"/>
-              </a:ext>
-            </a:extLst>
-          </p:cNvPr>
-          <p:cNvPicPr>
-            <a:picLocks noChangeAspect="1"/>
-          </p:cNvPicPr>
-          <p:nvPr/>
-        </p:nvPicPr>
-        <p:blipFill>
-          <a:blip r:embed="rId2"/>
-          <a:stretch>
-            <a:fillRect/>
-          </a:stretch>
-        </p:blipFill>
-        <p:spPr>
-          <a:xfrm>
-            <a:off x="262488" y="1567632"/>
-            <a:ext cx="11663848" cy="5112568"/>
-          </a:xfrm>
-          <a:prstGeom prst="rect">
-            <a:avLst/>
-          </a:prstGeom>
-        </p:spPr>
-      </p:pic>
+            <a:pPr marL="0" indent="0">
+              <a:buNone/>
+            </a:pPr>
+            <a:r>
+              <a:rPr lang="en-GB" b="1" dirty="0"/>
+              <a:t>Purpose:</a:t>
+            </a:r>
+          </a:p>
+          <a:p>
+            <a:r>
+              <a:rPr lang="en-GB" b="1" dirty="0"/>
+              <a:t>Initial Data Processing at Scale:</a:t>
+            </a:r>
+            <a:r>
+              <a:rPr lang="en-GB" dirty="0"/>
+              <a:t> process large datasets by distributing the workload across multiple node.</a:t>
+            </a:r>
+          </a:p>
+          <a:p>
+            <a:r>
+              <a:rPr lang="en-GB" b="1" dirty="0"/>
+              <a:t>Data processing :</a:t>
+            </a:r>
+            <a:r>
+              <a:rPr lang="en-GB" dirty="0"/>
+              <a:t>cleaning, transforming , aggregating raw data</a:t>
+            </a:r>
+          </a:p>
+          <a:p>
+            <a:r>
+              <a:rPr lang="en-GB" b="1" dirty="0"/>
+              <a:t>Batch Processing</a:t>
+            </a:r>
+          </a:p>
+          <a:p>
+            <a:pPr marL="0" indent="0">
+              <a:buNone/>
+            </a:pPr>
+            <a:r>
+              <a:rPr lang="en-GB" b="1" dirty="0"/>
+              <a:t>Benefits:</a:t>
+            </a:r>
+            <a:endParaRPr lang="en-GB" dirty="0"/>
+          </a:p>
+          <a:p>
+            <a:pPr>
+              <a:buFont typeface="Arial" panose="020B0604020202020204" pitchFamily="34" charset="0"/>
+              <a:buChar char="•"/>
+            </a:pPr>
+            <a:r>
+              <a:rPr lang="en-GB" b="1" dirty="0"/>
+              <a:t>Scalability:</a:t>
+            </a:r>
+            <a:r>
+              <a:rPr lang="en-GB" dirty="0"/>
+              <a:t> Can handle massive volumes of data.</a:t>
+            </a:r>
+          </a:p>
+          <a:p>
+            <a:pPr>
+              <a:buFont typeface="Arial" panose="020B0604020202020204" pitchFamily="34" charset="0"/>
+              <a:buChar char="•"/>
+            </a:pPr>
+            <a:r>
+              <a:rPr lang="en-GB" b="1" dirty="0"/>
+              <a:t>Fault Tolerance:</a:t>
+            </a:r>
+            <a:r>
+              <a:rPr lang="en-GB" dirty="0"/>
+              <a:t> fault tolerance mechanisms node failures.</a:t>
+            </a:r>
+          </a:p>
+          <a:p>
+            <a:pPr>
+              <a:buFont typeface="Arial" panose="020B0604020202020204" pitchFamily="34" charset="0"/>
+              <a:buChar char="•"/>
+            </a:pPr>
+            <a:r>
+              <a:rPr lang="en-GB" b="1" dirty="0"/>
+              <a:t>Integration with </a:t>
+            </a:r>
+            <a:r>
+              <a:rPr lang="en-GB" b="1" dirty="0" err="1"/>
+              <a:t>HDF:</a:t>
+            </a:r>
+            <a:r>
+              <a:rPr lang="en-GB" dirty="0" err="1"/>
+              <a:t>efficient</a:t>
+            </a:r>
+            <a:r>
+              <a:rPr lang="en-GB" dirty="0"/>
+              <a:t> data storage and retrieval.</a:t>
+            </a:r>
+          </a:p>
+          <a:p>
+            <a:endParaRPr lang="en-GB" dirty="0"/>
+          </a:p>
+        </p:txBody>
+      </p:sp>
     </p:spTree>
     <p:extLst>
       <p:ext uri="{BB962C8B-B14F-4D97-AF65-F5344CB8AC3E}">
-        <p14:creationId xmlns:p14="http://schemas.microsoft.com/office/powerpoint/2010/main" val="738016843"/>
+        <p14:creationId xmlns:p14="http://schemas.microsoft.com/office/powerpoint/2010/main" val="3047160029"/>
       </p:ext>
     </p:extLst>
   </p:cSld>
@@ -9140,7 +12289,7 @@
           <p:cNvPr id="2" name="Title 1">
             <a:extLst>
               <a:ext uri="{FF2B5EF4-FFF2-40B4-BE49-F238E27FC236}">
-                <a16:creationId xmlns:a16="http://schemas.microsoft.com/office/drawing/2014/main" id="{7E0FCFE8-11C5-2062-2821-15C64769B00A}"/>
+                <a16:creationId xmlns:a16="http://schemas.microsoft.com/office/drawing/2014/main" id="{909D870C-EAC7-99BC-5927-D5ED5128C45B}"/>
               </a:ext>
             </a:extLst>
           </p:cNvPr>
@@ -9151,12 +12300,28 @@
             <p:ph type="title"/>
           </p:nvPr>
         </p:nvSpPr>
-        <p:spPr/>
+        <p:spPr>
+          <a:xfrm>
+            <a:off x="636059" y="-321478"/>
+            <a:ext cx="11577275" cy="1311845"/>
+          </a:xfrm>
+        </p:spPr>
         <p:txBody>
           <a:bodyPr/>
           <a:lstStyle/>
           <a:p>
-            <a:endParaRPr lang="en-GB"/>
+            <a:r>
+              <a:rPr lang="en-GB" dirty="0"/>
+              <a:t>    MapReduce Task1 (</a:t>
+            </a:r>
+            <a:r>
+              <a:rPr lang="en-GB" dirty="0" err="1"/>
+              <a:t>dominant_emotion</a:t>
+            </a:r>
+            <a:r>
+              <a:rPr lang="en-GB" dirty="0"/>
+              <a:t> by gender)</a:t>
+            </a:r>
           </a:p>
         </p:txBody>
       </p:sp>
@@ -9165,7 +12330,7 @@
           <p:cNvPr id="5" name="Content Placeholder 4">
             <a:extLst>
               <a:ext uri="{FF2B5EF4-FFF2-40B4-BE49-F238E27FC236}">
-                <a16:creationId xmlns:a16="http://schemas.microsoft.com/office/drawing/2014/main" id="{6545F63C-62DF-4D64-C0D1-7078587176BD}"/>
+                <a16:creationId xmlns:a16="http://schemas.microsoft.com/office/drawing/2014/main" id="{18FDB7A7-15DE-B606-8817-5BA504BA3E7C}"/>
               </a:ext>
             </a:extLst>
           </p:cNvPr>
@@ -9184,15 +12349,78 @@
         </p:blipFill>
         <p:spPr>
           <a:xfrm>
-            <a:off x="477788" y="1428800"/>
-            <a:ext cx="11458166" cy="5429200"/>
-          </a:xfrm>
+            <a:off x="24271" y="3429000"/>
+            <a:ext cx="12068878" cy="1944216"/>
+          </a:xfrm>
+          <a:prstGeom prst="rect">
+            <a:avLst/>
+          </a:prstGeom>
+        </p:spPr>
+      </p:pic>
+      <p:pic>
+        <p:nvPicPr>
+          <p:cNvPr id="10" name="Picture 9">
+            <a:extLst>
+              <a:ext uri="{FF2B5EF4-FFF2-40B4-BE49-F238E27FC236}">
+                <a16:creationId xmlns:a16="http://schemas.microsoft.com/office/drawing/2014/main" id="{BCF2A2F3-8F3A-FB72-EDA5-D29075820055}"/>
+              </a:ext>
+            </a:extLst>
+          </p:cNvPr>
+          <p:cNvPicPr>
+            <a:picLocks noChangeAspect="1"/>
+          </p:cNvPicPr>
+          <p:nvPr/>
+        </p:nvPicPr>
+        <p:blipFill>
+          <a:blip r:embed="rId3"/>
+          <a:stretch>
+            <a:fillRect/>
+          </a:stretch>
+        </p:blipFill>
+        <p:spPr>
+          <a:xfrm>
+            <a:off x="24271" y="5373216"/>
+            <a:ext cx="11941938" cy="1644270"/>
+          </a:xfrm>
+          <a:prstGeom prst="rect">
+            <a:avLst/>
+          </a:prstGeom>
+        </p:spPr>
+      </p:pic>
+      <p:pic>
+        <p:nvPicPr>
+          <p:cNvPr id="15" name="Picture 14">
+            <a:extLst>
+              <a:ext uri="{FF2B5EF4-FFF2-40B4-BE49-F238E27FC236}">
+                <a16:creationId xmlns:a16="http://schemas.microsoft.com/office/drawing/2014/main" id="{53EFAEF0-891D-CAF5-6049-4ED0BEB4CD05}"/>
+              </a:ext>
+            </a:extLst>
+          </p:cNvPr>
+          <p:cNvPicPr>
+            <a:picLocks noChangeAspect="1"/>
+          </p:cNvPicPr>
+          <p:nvPr/>
+        </p:nvPicPr>
+        <p:blipFill>
+          <a:blip r:embed="rId4"/>
+          <a:stretch>
+            <a:fillRect/>
+          </a:stretch>
+        </p:blipFill>
+        <p:spPr>
+          <a:xfrm>
+            <a:off x="112950" y="1340769"/>
+            <a:ext cx="11948933" cy="2088232"/>
+          </a:xfrm>
+          <a:prstGeom prst="rect">
+            <a:avLst/>
+          </a:prstGeom>
         </p:spPr>
       </p:pic>
     </p:spTree>
     <p:extLst>
       <p:ext uri="{BB962C8B-B14F-4D97-AF65-F5344CB8AC3E}">
-        <p14:creationId xmlns:p14="http://schemas.microsoft.com/office/powerpoint/2010/main" val="909259713"/>
+        <p14:creationId xmlns:p14="http://schemas.microsoft.com/office/powerpoint/2010/main" val="144158864"/>
       </p:ext>
     </p:extLst>
   </p:cSld>
@@ -9233,7 +12461,13 @@
       </p:grpSpPr>
       <p:sp>
         <p:nvSpPr>
-          <p:cNvPr id="2" name="Title 1"/>
+          <p:cNvPr id="2" name="Title 1">
+            <a:extLst>
+              <a:ext uri="{FF2B5EF4-FFF2-40B4-BE49-F238E27FC236}">
+                <a16:creationId xmlns:a16="http://schemas.microsoft.com/office/drawing/2014/main" id="{31DBD1C7-A3A2-E47A-2D15-A578B277362C}"/>
+              </a:ext>
+            </a:extLst>
+          </p:cNvPr>
           <p:cNvSpPr>
             <a:spLocks noGrp="1"/>
           </p:cNvSpPr>
@@ -9241,22 +12475,102 @@
             <p:ph type="title"/>
           </p:nvPr>
         </p:nvSpPr>
-        <p:spPr/>
-        <p:txBody>
-          <a:bodyPr rtlCol="0"/>
+        <p:spPr>
+          <a:xfrm>
+            <a:off x="1197868" y="177800"/>
+            <a:ext cx="10178369" cy="1239837"/>
+          </a:xfrm>
+        </p:spPr>
+        <p:txBody>
+          <a:bodyPr/>
           <a:lstStyle/>
           <a:p>
-            <a:pPr rtl="0"/>
-            <a:endParaRPr lang="en-GB" dirty="0"/>
+            <a:r>
+              <a:rPr lang="en-GB" dirty="0"/>
+              <a:t>MapReduce Task 2 (</a:t>
+            </a:r>
+            <a:r>
+              <a:rPr lang="en-GB" dirty="0" err="1"/>
+              <a:t>emotion_count</a:t>
+            </a:r>
+            <a:r>
+              <a:rPr lang="en-GB" dirty="0"/>
+              <a:t>)</a:t>
+            </a:r>
           </a:p>
         </p:txBody>
       </p:sp>
       <p:pic>
         <p:nvPicPr>
-          <p:cNvPr id="6" name="Picture 5">
+          <p:cNvPr id="13" name="Picture 12">
             <a:extLst>
               <a:ext uri="{FF2B5EF4-FFF2-40B4-BE49-F238E27FC236}">
-                <a16:creationId xmlns:a16="http://schemas.microsoft.com/office/drawing/2014/main" id="{898A5111-EB34-60A6-74EE-389489D175A3}"/>
+                <a16:creationId xmlns:a16="http://schemas.microsoft.com/office/drawing/2014/main" id="{71ADC756-AEE4-4FE5-6453-5F0DC631F194}"/>
+              </a:ext>
+            </a:extLst>
+          </p:cNvPr>
+          <p:cNvPicPr>
+            <a:picLocks noChangeAspect="1"/>
+          </p:cNvPicPr>
+          <p:nvPr/>
+        </p:nvPicPr>
+        <p:blipFill>
+          <a:blip r:embed="rId2"/>
+          <a:stretch>
+            <a:fillRect/>
+          </a:stretch>
+        </p:blipFill>
+        <p:spPr>
+          <a:xfrm>
+            <a:off x="1197868" y="1536449"/>
+            <a:ext cx="10751067" cy="1873890"/>
+          </a:xfrm>
+          <a:prstGeom prst="rect">
+            <a:avLst/>
+          </a:prstGeom>
+        </p:spPr>
+      </p:pic>
+      <p:sp>
+        <p:nvSpPr>
+          <p:cNvPr id="15" name="TextBox 14">
+            <a:extLst>
+              <a:ext uri="{FF2B5EF4-FFF2-40B4-BE49-F238E27FC236}">
+                <a16:creationId xmlns:a16="http://schemas.microsoft.com/office/drawing/2014/main" id="{8B4C3B83-9432-FBD0-DABC-138183FB50F1}"/>
+              </a:ext>
+            </a:extLst>
+          </p:cNvPr>
+          <p:cNvSpPr txBox="1"/>
+          <p:nvPr/>
+        </p:nvSpPr>
+        <p:spPr>
+          <a:xfrm>
+            <a:off x="1197868" y="3529151"/>
+            <a:ext cx="9865096" cy="646331"/>
+          </a:xfrm>
+          <a:prstGeom prst="rect">
+            <a:avLst/>
+          </a:prstGeom>
+          <a:noFill/>
+        </p:spPr>
+        <p:txBody>
+          <a:bodyPr wrap="square">
+            <a:spAutoFit/>
+          </a:bodyPr>
+          <a:lstStyle/>
+          <a:p>
+            <a:r>
+              <a:rPr lang="en-GB" sz="3600" dirty="0"/>
+              <a:t>MapReduce Task 3 (platform used by gender)</a:t>
+            </a:r>
+          </a:p>
+        </p:txBody>
+      </p:sp>
+      <p:pic>
+        <p:nvPicPr>
+          <p:cNvPr id="17" name="Picture 16">
+            <a:extLst>
+              <a:ext uri="{FF2B5EF4-FFF2-40B4-BE49-F238E27FC236}">
+                <a16:creationId xmlns:a16="http://schemas.microsoft.com/office/drawing/2014/main" id="{82981451-DD20-4EE9-B539-09FA605A897C}"/>
               </a:ext>
             </a:extLst>
           </p:cNvPr>
@@ -9273,8 +12587,8 @@
         </p:blipFill>
         <p:spPr>
           <a:xfrm>
-            <a:off x="0" y="1415627"/>
-            <a:ext cx="11979489" cy="3957589"/>
+            <a:off x="1197868" y="4294294"/>
+            <a:ext cx="10990957" cy="2206038"/>
           </a:xfrm>
           <a:prstGeom prst="rect">
             <a:avLst/>
@@ -9284,7 +12598,7 @@
     </p:spTree>
     <p:extLst>
       <p:ext uri="{BB962C8B-B14F-4D97-AF65-F5344CB8AC3E}">
-        <p14:creationId xmlns:p14="http://schemas.microsoft.com/office/powerpoint/2010/main" val="3401786857"/>
+        <p14:creationId xmlns:p14="http://schemas.microsoft.com/office/powerpoint/2010/main" val="2202796856"/>
       </p:ext>
     </p:extLst>
   </p:cSld>
@@ -9328,7 +12642,7 @@
           <p:cNvPr id="2" name="Title 1">
             <a:extLst>
               <a:ext uri="{FF2B5EF4-FFF2-40B4-BE49-F238E27FC236}">
-                <a16:creationId xmlns:a16="http://schemas.microsoft.com/office/drawing/2014/main" id="{BB1AFFC9-40CD-B756-7D8B-CFB586F00279}"/>
+                <a16:creationId xmlns:a16="http://schemas.microsoft.com/office/drawing/2014/main" id="{B57D3DBD-5380-52F2-E24A-2A9E7EC0C76C}"/>
               </a:ext>
             </a:extLst>
           </p:cNvPr>
@@ -9344,16 +12658,19 @@
           <a:bodyPr/>
           <a:lstStyle/>
           <a:p>
-            <a:endParaRPr lang="en-GB"/>
+            <a:r>
+              <a:rPr lang="en-GB" dirty="0"/>
+              <a:t>Map Reduce Task 4(post count)</a:t>
+            </a:r>
           </a:p>
         </p:txBody>
       </p:sp>
       <p:pic>
         <p:nvPicPr>
-          <p:cNvPr id="4" name="Picture 3">
+          <p:cNvPr id="7" name="Picture 6">
             <a:extLst>
               <a:ext uri="{FF2B5EF4-FFF2-40B4-BE49-F238E27FC236}">
-                <a16:creationId xmlns:a16="http://schemas.microsoft.com/office/drawing/2014/main" id="{D7B22991-641B-C7A8-165C-75BB44A16D9A}"/>
+                <a16:creationId xmlns:a16="http://schemas.microsoft.com/office/drawing/2014/main" id="{D5CA8F21-586B-6132-5F38-524716C47F90}"/>
               </a:ext>
             </a:extLst>
           </p:cNvPr>
@@ -9362,26 +12679,72 @@
           </p:cNvPicPr>
           <p:nvPr/>
         </p:nvPicPr>
+        <p:blipFill rotWithShape="1">
+          <a:blip r:embed="rId2"/>
+          <a:srcRect l="980" t="-5556" r="-980" b="5556"/>
+          <a:stretch/>
+        </p:blipFill>
+        <p:spPr>
+          <a:xfrm>
+            <a:off x="1197868" y="1384627"/>
+            <a:ext cx="11000112" cy="3168352"/>
+          </a:xfrm>
+          <a:prstGeom prst="rect">
+            <a:avLst/>
+          </a:prstGeom>
+        </p:spPr>
+      </p:pic>
+      <p:pic>
+        <p:nvPicPr>
+          <p:cNvPr id="2050" name="Picture 2" descr="Map Reduce in Hadoop - GeeksforGeeks">
+            <a:extLst>
+              <a:ext uri="{FF2B5EF4-FFF2-40B4-BE49-F238E27FC236}">
+                <a16:creationId xmlns:a16="http://schemas.microsoft.com/office/drawing/2014/main" id="{B36A08E2-4560-1062-5241-8D27C7E95F9F}"/>
+              </a:ext>
+            </a:extLst>
+          </p:cNvPr>
+          <p:cNvPicPr>
+            <a:picLocks noChangeAspect="1" noChangeArrowheads="1"/>
+          </p:cNvPicPr>
+          <p:nvPr/>
+        </p:nvPicPr>
         <p:blipFill>
-          <a:blip r:embed="rId2"/>
+          <a:blip r:embed="rId3">
+            <a:extLst>
+              <a:ext uri="{28A0092B-C50C-407E-A947-70E740481C1C}">
+                <a14:useLocalDpi xmlns:a14="http://schemas.microsoft.com/office/drawing/2010/main" val="0"/>
+              </a:ext>
+            </a:extLst>
+          </a:blip>
+          <a:srcRect/>
           <a:stretch>
             <a:fillRect/>
           </a:stretch>
         </p:blipFill>
-        <p:spPr>
-          <a:xfrm>
-            <a:off x="0" y="715363"/>
-            <a:ext cx="12188825" cy="5427273"/>
+        <p:spPr bwMode="auto">
+          <a:xfrm>
+            <a:off x="1197868" y="4822010"/>
+            <a:ext cx="7632848" cy="2018823"/>
           </a:xfrm>
           <a:prstGeom prst="rect">
             <a:avLst/>
           </a:prstGeom>
+          <a:noFill/>
+          <a:extLst>
+            <a:ext uri="{909E8E84-426E-40DD-AFC4-6F175D3DCCD1}">
+              <a14:hiddenFill xmlns:a14="http://schemas.microsoft.com/office/drawing/2010/main">
+                <a:solidFill>
+                  <a:srgbClr val="FFFFFF"/>
+                </a:solidFill>
+              </a14:hiddenFill>
+            </a:ext>
+          </a:extLst>
         </p:spPr>
       </p:pic>
     </p:spTree>
     <p:extLst>
       <p:ext uri="{BB962C8B-B14F-4D97-AF65-F5344CB8AC3E}">
-        <p14:creationId xmlns:p14="http://schemas.microsoft.com/office/powerpoint/2010/main" val="1094235022"/>
+        <p14:creationId xmlns:p14="http://schemas.microsoft.com/office/powerpoint/2010/main" val="765669847"/>
       </p:ext>
     </p:extLst>
   </p:cSld>
@@ -9420,12 +12783,40 @@
           <a:chExt cx="0" cy="0"/>
         </a:xfrm>
       </p:grpSpPr>
+      <p:sp>
+        <p:nvSpPr>
+          <p:cNvPr id="2" name="Title 1">
+            <a:extLst>
+              <a:ext uri="{FF2B5EF4-FFF2-40B4-BE49-F238E27FC236}">
+                <a16:creationId xmlns:a16="http://schemas.microsoft.com/office/drawing/2014/main" id="{CC6704F4-5F92-33BE-3F5E-11449915E73B}"/>
+              </a:ext>
+            </a:extLst>
+          </p:cNvPr>
+          <p:cNvSpPr>
+            <a:spLocks noGrp="1"/>
+          </p:cNvSpPr>
+          <p:nvPr>
+            <p:ph type="title"/>
+          </p:nvPr>
+        </p:nvSpPr>
+        <p:spPr/>
+        <p:txBody>
+          <a:bodyPr/>
+          <a:lstStyle/>
+          <a:p>
+            <a:r>
+              <a:rPr lang="en-GB" dirty="0"/>
+              <a:t>Data Ingestion and Storage in HDFS</a:t>
+            </a:r>
+          </a:p>
+        </p:txBody>
+      </p:sp>
       <p:pic>
         <p:nvPicPr>
-          <p:cNvPr id="3" name="Picture 2">
+          <p:cNvPr id="12" name="Picture 11">
             <a:extLst>
               <a:ext uri="{FF2B5EF4-FFF2-40B4-BE49-F238E27FC236}">
-                <a16:creationId xmlns:a16="http://schemas.microsoft.com/office/drawing/2014/main" id="{7D5F44C3-8168-366C-037F-D71C91026F29}"/>
+                <a16:creationId xmlns:a16="http://schemas.microsoft.com/office/drawing/2014/main" id="{4CA433AF-5645-456D-850A-F3661FB3AF1B}"/>
               </a:ext>
             </a:extLst>
           </p:cNvPr>
@@ -9435,25 +12826,70 @@
           <p:nvPr/>
         </p:nvPicPr>
         <p:blipFill>
-          <a:blip r:embed="rId3"/>
+          <a:blip r:embed="rId2"/>
           <a:stretch>
             <a:fillRect/>
           </a:stretch>
         </p:blipFill>
         <p:spPr>
           <a:xfrm>
-            <a:off x="1" y="691796"/>
-            <a:ext cx="12071076" cy="5474408"/>
+            <a:off x="1197868" y="2564904"/>
+            <a:ext cx="10679807" cy="4266794"/>
           </a:xfrm>
           <a:prstGeom prst="rect">
             <a:avLst/>
           </a:prstGeom>
         </p:spPr>
       </p:pic>
+      <p:sp>
+        <p:nvSpPr>
+          <p:cNvPr id="4" name="TextBox 3">
+            <a:extLst>
+              <a:ext uri="{FF2B5EF4-FFF2-40B4-BE49-F238E27FC236}">
+                <a16:creationId xmlns:a16="http://schemas.microsoft.com/office/drawing/2014/main" id="{728324CF-7891-7091-7854-1FA1BB69428D}"/>
+              </a:ext>
+            </a:extLst>
+          </p:cNvPr>
+          <p:cNvSpPr txBox="1"/>
+          <p:nvPr/>
+        </p:nvSpPr>
+        <p:spPr>
+          <a:xfrm>
+            <a:off x="1269876" y="1644949"/>
+            <a:ext cx="10369152" cy="646331"/>
+          </a:xfrm>
+          <a:prstGeom prst="rect">
+            <a:avLst/>
+          </a:prstGeom>
+          <a:noFill/>
+        </p:spPr>
+        <p:txBody>
+          <a:bodyPr wrap="square">
+            <a:spAutoFit/>
+          </a:bodyPr>
+          <a:lstStyle/>
+          <a:p>
+            <a:r>
+              <a:rPr lang="en-GB" b="1" dirty="0"/>
+              <a:t>HDFS:</a:t>
+            </a:r>
+            <a:r>
+              <a:rPr lang="en-GB" dirty="0"/>
+              <a:t> Store CSV files from Kaggle for distributed storage and  processing. </a:t>
+            </a:r>
+          </a:p>
+          <a:p>
+            <a:r>
+              <a:rPr lang="en-GB" dirty="0"/>
+              <a:t>Output stored also in HDFS.</a:t>
+            </a:r>
+          </a:p>
+        </p:txBody>
+      </p:sp>
     </p:spTree>
     <p:extLst>
       <p:ext uri="{BB962C8B-B14F-4D97-AF65-F5344CB8AC3E}">
-        <p14:creationId xmlns:p14="http://schemas.microsoft.com/office/powerpoint/2010/main" val="4022862849"/>
+        <p14:creationId xmlns:p14="http://schemas.microsoft.com/office/powerpoint/2010/main" val="1666075632"/>
       </p:ext>
     </p:extLst>
   </p:cSld>
@@ -10066,4 +13502,47 @@
   <a:objectDefaults/>
   <a:extraClrSchemeLst/>
 </a:theme>
+</file>
+
+<file path=ppt/theme/themeOverride1.xml><?xml version="1.0" encoding="utf-8"?>
+<a:themeOverride xmlns:a="http://schemas.openxmlformats.org/drawingml/2006/main">
+  <a:clrScheme name="Math_16x9">
+    <a:dk1>
+      <a:srgbClr val="465562"/>
+    </a:dk1>
+    <a:lt1>
+      <a:srgbClr val="FFFFFF"/>
+    </a:lt1>
+    <a:dk2>
+      <a:srgbClr val="000000"/>
+    </a:dk2>
+    <a:lt2>
+      <a:srgbClr val="F2ECE2"/>
+    </a:lt2>
+    <a:accent1>
+      <a:srgbClr val="9BAAB7"/>
+    </a:accent1>
+    <a:accent2>
+      <a:srgbClr val="B8D082"/>
+    </a:accent2>
+    <a:accent3>
+      <a:srgbClr val="EFDB85"/>
+    </a:accent3>
+    <a:accent4>
+      <a:srgbClr val="E8A565"/>
+    </a:accent4>
+    <a:accent5>
+      <a:srgbClr val="BC9AAE"/>
+    </a:accent5>
+    <a:accent6>
+      <a:srgbClr val="BABABA"/>
+    </a:accent6>
+    <a:hlink>
+      <a:srgbClr val="8FC48C"/>
+    </a:hlink>
+    <a:folHlink>
+      <a:srgbClr val="969696"/>
+    </a:folHlink>
+  </a:clrScheme>
+</a:themeOverride>
 </file>
--- a/project/Social Media Usage and Emotional Well-Being.pptx
+++ b/project/Social Media Usage and Emotional Well-Being.pptx
@@ -5,32 +5,33 @@
     <p:sldMasterId id="2147483648" r:id="rId1"/>
   </p:sldMasterIdLst>
   <p:notesMasterIdLst>
-    <p:notesMasterId r:id="rId22"/>
+    <p:notesMasterId r:id="rId23"/>
   </p:notesMasterIdLst>
   <p:handoutMasterIdLst>
-    <p:handoutMasterId r:id="rId23"/>
+    <p:handoutMasterId r:id="rId24"/>
   </p:handoutMasterIdLst>
   <p:sldIdLst>
     <p:sldId id="273" r:id="rId2"/>
     <p:sldId id="267" r:id="rId3"/>
     <p:sldId id="268" r:id="rId4"/>
     <p:sldId id="292" r:id="rId5"/>
-    <p:sldId id="287" r:id="rId6"/>
-    <p:sldId id="281" r:id="rId7"/>
-    <p:sldId id="278" r:id="rId8"/>
-    <p:sldId id="280" r:id="rId9"/>
-    <p:sldId id="282" r:id="rId10"/>
-    <p:sldId id="288" r:id="rId11"/>
-    <p:sldId id="283" r:id="rId12"/>
-    <p:sldId id="290" r:id="rId13"/>
-    <p:sldId id="284" r:id="rId14"/>
-    <p:sldId id="291" r:id="rId15"/>
-    <p:sldId id="274" r:id="rId16"/>
-    <p:sldId id="275" r:id="rId17"/>
-    <p:sldId id="277" r:id="rId18"/>
-    <p:sldId id="262" r:id="rId19"/>
-    <p:sldId id="293" r:id="rId20"/>
-    <p:sldId id="286" r:id="rId21"/>
+    <p:sldId id="294" r:id="rId6"/>
+    <p:sldId id="287" r:id="rId7"/>
+    <p:sldId id="281" r:id="rId8"/>
+    <p:sldId id="278" r:id="rId9"/>
+    <p:sldId id="280" r:id="rId10"/>
+    <p:sldId id="282" r:id="rId11"/>
+    <p:sldId id="288" r:id="rId12"/>
+    <p:sldId id="283" r:id="rId13"/>
+    <p:sldId id="290" r:id="rId14"/>
+    <p:sldId id="284" r:id="rId15"/>
+    <p:sldId id="291" r:id="rId16"/>
+    <p:sldId id="274" r:id="rId17"/>
+    <p:sldId id="275" r:id="rId18"/>
+    <p:sldId id="277" r:id="rId19"/>
+    <p:sldId id="262" r:id="rId20"/>
+    <p:sldId id="293" r:id="rId21"/>
+    <p:sldId id="286" r:id="rId22"/>
   </p:sldIdLst>
   <p:sldSz cx="12188825" cy="6858000"/>
   <p:notesSz cx="6858000" cy="9144000"/>
@@ -277,7 +278,7 @@
             <a:pPr rtl="0"/>
             <a:fld id="{C402F678-F322-436F-969F-581A681A4022}" type="datetime1">
               <a:rPr lang="en-GB" smtClean="0"/>
-              <a:t>16/06/2024</a:t>
+              <a:t>17/06/2024</a:t>
             </a:fld>
             <a:endParaRPr lang="en-GB" dirty="0"/>
           </a:p>
@@ -455,7 +456,7 @@
             <a:pPr rtl="0"/>
             <a:fld id="{F5F85D5D-D531-4EF4-BBA5-13F53735D17A}" type="datetime1">
               <a:rPr lang="en-GB" noProof="0" smtClean="0"/>
-              <a:t>16/06/2024</a:t>
+              <a:t>17/06/2024</a:t>
             </a:fld>
             <a:endParaRPr lang="en-GB" noProof="0" dirty="0"/>
           </a:p>
@@ -1138,7 +1139,7 @@
             <a:fld id="{841221E5-7225-48EB-A4EE-420E7BFCF705}" type="slidenum">
               <a:rPr lang="en-GB" smtClean="0"/>
               <a:pPr rtl="0"/>
-              <a:t>18</a:t>
+              <a:t>19</a:t>
             </a:fld>
             <a:endParaRPr lang="en-GB" dirty="0"/>
           </a:p>
@@ -2076,7 +2077,7 @@
             <a:pPr rtl="0"/>
             <a:fld id="{4553D316-16AB-42CE-89B2-F5A42FA03291}" type="datetime1">
               <a:rPr lang="en-GB" noProof="0" smtClean="0"/>
-              <a:t>16/06/2024</a:t>
+              <a:t>17/06/2024</a:t>
             </a:fld>
             <a:endParaRPr lang="en-GB" noProof="0" dirty="0"/>
           </a:p>
@@ -2303,7 +2304,7 @@
             <a:pPr rtl="0"/>
             <a:fld id="{575E590D-3E1C-4529-9FEB-6819CB8D64A4}" type="datetime1">
               <a:rPr lang="en-GB" noProof="0" smtClean="0"/>
-              <a:t>16/06/2024</a:t>
+              <a:t>17/06/2024</a:t>
             </a:fld>
             <a:endParaRPr lang="en-GB" noProof="0" dirty="0"/>
           </a:p>
@@ -3125,7 +3126,7 @@
             <a:pPr rtl="0"/>
             <a:fld id="{200C96D0-FA2C-4E12-9A01-4FB6EBCFF224}" type="datetime1">
               <a:rPr lang="en-GB" noProof="0" smtClean="0"/>
-              <a:t>16/06/2024</a:t>
+              <a:t>17/06/2024</a:t>
             </a:fld>
             <a:endParaRPr lang="en-GB" noProof="0" dirty="0"/>
           </a:p>
@@ -3330,7 +3331,7 @@
             <a:pPr rtl="0"/>
             <a:fld id="{22D90D2D-092C-49A5-8BDF-9B6C10AEC9FC}" type="datetime1">
               <a:rPr lang="en-GB" noProof="0" smtClean="0"/>
-              <a:t>16/06/2024</a:t>
+              <a:t>17/06/2024</a:t>
             </a:fld>
             <a:endParaRPr lang="en-GB" noProof="0" dirty="0"/>
           </a:p>
@@ -4599,7 +4600,7 @@
             <a:pPr rtl="0"/>
             <a:fld id="{3D514119-688F-4086-B70F-3CB79DC41DC9}" type="datetime1">
               <a:rPr lang="en-GB" noProof="0" smtClean="0"/>
-              <a:t>16/06/2024</a:t>
+              <a:t>17/06/2024</a:t>
             </a:fld>
             <a:endParaRPr lang="en-GB" noProof="0" dirty="0"/>
           </a:p>
@@ -4928,7 +4929,7 @@
             <a:pPr rtl="0"/>
             <a:fld id="{057B89F6-C2AB-4CD5-9F8D-55CF144CE776}" type="datetime1">
               <a:rPr lang="en-GB" noProof="0" smtClean="0"/>
-              <a:t>16/06/2024</a:t>
+              <a:t>17/06/2024</a:t>
             </a:fld>
             <a:endParaRPr lang="en-GB" noProof="0" dirty="0"/>
           </a:p>
@@ -5383,7 +5384,7 @@
             <a:pPr rtl="0"/>
             <a:fld id="{A097697C-5D26-4A25-83C8-130BCFF33A0F}" type="datetime1">
               <a:rPr lang="en-GB" noProof="0" smtClean="0"/>
-              <a:t>16/06/2024</a:t>
+              <a:t>17/06/2024</a:t>
             </a:fld>
             <a:endParaRPr lang="en-GB" noProof="0" dirty="0"/>
           </a:p>
@@ -5520,7 +5521,7 @@
             <a:pPr rtl="0"/>
             <a:fld id="{35CAEDCB-3F75-4B4A-ABAC-AA9986258E89}" type="datetime1">
               <a:rPr lang="en-GB" noProof="0" smtClean="0"/>
-              <a:t>16/06/2024</a:t>
+              <a:t>17/06/2024</a:t>
             </a:fld>
             <a:endParaRPr lang="en-GB" noProof="0" dirty="0"/>
           </a:p>
@@ -5861,7 +5862,7 @@
             <a:pPr rtl="0"/>
             <a:fld id="{2554A435-6A9B-478B-BAEF-B997D7A6F641}" type="datetime1">
               <a:rPr lang="en-GB" noProof="0" smtClean="0"/>
-              <a:t>16/06/2024</a:t>
+              <a:t>17/06/2024</a:t>
             </a:fld>
             <a:endParaRPr lang="en-GB" noProof="0" dirty="0"/>
           </a:p>
@@ -6360,7 +6361,7 @@
             <a:pPr rtl="0"/>
             <a:fld id="{AEC45E7A-6BB3-4EC9-BCE8-88D7CA65CEB9}" type="datetime1">
               <a:rPr lang="en-GB" noProof="0" smtClean="0"/>
-              <a:t>16/06/2024</a:t>
+              <a:t>17/06/2024</a:t>
             </a:fld>
             <a:endParaRPr lang="en-GB" noProof="0" dirty="0"/>
           </a:p>
@@ -6816,7 +6817,7 @@
             <a:pPr rtl="0"/>
             <a:fld id="{1F4033CC-F025-4A3E-9666-3EBD09C60920}" type="datetime1">
               <a:rPr lang="en-GB" noProof="0" smtClean="0"/>
-              <a:t>16/06/2024</a:t>
+              <a:t>17/06/2024</a:t>
             </a:fld>
             <a:endParaRPr lang="en-GB" noProof="0" dirty="0"/>
           </a:p>
@@ -7721,7 +7722,7 @@
             <a:pPr rtl="0"/>
             <a:fld id="{00D867F5-F25C-4334-BEFF-CCB24DBFBEDC}" type="datetime1">
               <a:rPr lang="en-GB" noProof="0" smtClean="0"/>
-              <a:t>16/06/2024</a:t>
+              <a:t>17/06/2024</a:t>
             </a:fld>
             <a:endParaRPr lang="en-GB" noProof="0" dirty="0"/>
           </a:p>
@@ -8439,7 +8440,7 @@
         <p:fade/>
       </p:transition>
     </mc:Choice>
-    <mc:Fallback xmlns="" xmlns:mv="urn:schemas-microsoft-com:mac:vml" xmlns:c="http://schemas.openxmlformats.org/drawingml/2006/chart" xmlns:dgm="http://schemas.openxmlformats.org/drawingml/2006/diagram" xmlns:o="urn:schemas-microsoft-com:office:office" xmlns:v="urn:schemas-microsoft-com:vml" xmlns:pvml="urn:schemas-microsoft-com:office:powerpoint" xmlns:com="http://schemas.openxmlformats.org/drawingml/2006/compatibility" xmlns:p15="http://schemas.microsoft.com/office/powerpoint/2012/main" xmlns:ahyp="http://schemas.microsoft.com/office/drawing/2018/hyperlinkcolor">
+    <mc:Fallback xmlns:ahyp="http://schemas.microsoft.com/office/drawing/2018/hyperlinkcolor" xmlns:p15="http://schemas.microsoft.com/office/powerpoint/2012/main" xmlns:com="http://schemas.openxmlformats.org/drawingml/2006/compatibility" xmlns:pvml="urn:schemas-microsoft-com:office:powerpoint" xmlns:v="urn:schemas-microsoft-com:vml" xmlns:o="urn:schemas-microsoft-com:office:office" xmlns:dgm="http://schemas.openxmlformats.org/drawingml/2006/diagram" xmlns:c="http://schemas.openxmlformats.org/drawingml/2006/chart" xmlns:mv="urn:schemas-microsoft-com:mac:vml" xmlns="">
       <p:transition spd="slow">
         <p:fade/>
       </p:transition>
@@ -8470,7 +8471,7 @@
           <p:cNvPr id="2" name="Title 1">
             <a:extLst>
               <a:ext uri="{FF2B5EF4-FFF2-40B4-BE49-F238E27FC236}">
-                <a16:creationId xmlns:a16="http://schemas.microsoft.com/office/drawing/2014/main" id="{8BA44983-89EB-CE4A-462C-C96C31086C1D}"/>
+                <a16:creationId xmlns:a16="http://schemas.microsoft.com/office/drawing/2014/main" id="{CC6704F4-5F92-33BE-3F5E-11449915E73B}"/>
               </a:ext>
             </a:extLst>
           </p:cNvPr>
@@ -8488,161 +8489,90 @@
           <a:p>
             <a:r>
               <a:rPr lang="en-GB" dirty="0"/>
-              <a:t>Apache Spark</a:t>
-            </a:r>
-          </a:p>
-        </p:txBody>
-      </p:sp>
-      <p:sp>
-        <p:nvSpPr>
-          <p:cNvPr id="3" name="Content Placeholder 2">
+              <a:t>Data Ingestion and Storage in HDFS</a:t>
+            </a:r>
+          </a:p>
+        </p:txBody>
+      </p:sp>
+      <p:pic>
+        <p:nvPicPr>
+          <p:cNvPr id="12" name="Picture 11">
             <a:extLst>
               <a:ext uri="{FF2B5EF4-FFF2-40B4-BE49-F238E27FC236}">
-                <a16:creationId xmlns:a16="http://schemas.microsoft.com/office/drawing/2014/main" id="{EBFD4A58-406B-DF0E-8D8A-A5F398DE024E}"/>
-              </a:ext>
-            </a:extLst>
-          </p:cNvPr>
-          <p:cNvSpPr>
-            <a:spLocks noGrp="1"/>
-          </p:cNvSpPr>
-          <p:nvPr>
-            <p:ph idx="1"/>
-          </p:nvPr>
-        </p:nvSpPr>
-        <p:spPr>
-          <a:xfrm>
-            <a:off x="1593435" y="1953344"/>
-            <a:ext cx="9782801" cy="4572000"/>
-          </a:xfrm>
-        </p:spPr>
-        <p:txBody>
-          <a:bodyPr>
-            <a:normAutofit/>
-          </a:bodyPr>
-          <a:lstStyle/>
-          <a:p>
-            <a:pPr marL="0" indent="0">
-              <a:buNone/>
-            </a:pPr>
-            <a:r>
-              <a:rPr lang="en-GB" b="1" dirty="0"/>
-              <a:t>Purpose : </a:t>
-            </a:r>
-          </a:p>
-          <a:p>
-            <a:r>
-              <a:rPr lang="en-GB" b="1" dirty="0"/>
-              <a:t>In-Memory Data Processing: </a:t>
-            </a:r>
-            <a:r>
-              <a:rPr lang="en-GB" dirty="0"/>
-              <a:t>Spark processes data in memory, significantly speeding up data processing tasks </a:t>
-            </a:r>
-          </a:p>
-          <a:p>
-            <a:r>
-              <a:rPr lang="en-GB" b="1" dirty="0"/>
-              <a:t>Advanced Analytics: </a:t>
-            </a:r>
-            <a:r>
-              <a:rPr lang="en-GB" dirty="0"/>
-              <a:t>Provides powerful APIs for data manipulation and analysis (e.g., </a:t>
-            </a:r>
-            <a:r>
-              <a:rPr lang="en-GB" dirty="0" err="1"/>
-              <a:t>PySpark</a:t>
-            </a:r>
-            <a:r>
-              <a:rPr lang="en-GB" dirty="0"/>
-              <a:t> , Spark SQL ).</a:t>
-            </a:r>
-          </a:p>
-          <a:p>
-            <a:r>
-              <a:rPr lang="en-GB" b="1" dirty="0"/>
-              <a:t>Machine Learning: </a:t>
-            </a:r>
-            <a:r>
-              <a:rPr lang="en-GB" dirty="0"/>
-              <a:t>Spark’s </a:t>
-            </a:r>
-            <a:r>
-              <a:rPr lang="en-GB" dirty="0" err="1"/>
-              <a:t>MLlib</a:t>
-            </a:r>
-            <a:r>
-              <a:rPr lang="en-GB" dirty="0"/>
-              <a:t> library supports machine learning algorithms for tasks like </a:t>
-            </a:r>
-            <a:r>
-              <a:rPr lang="en-GB" b="1" dirty="0"/>
-              <a:t>regression analysis </a:t>
-            </a:r>
-            <a:r>
-              <a:rPr lang="en-GB" dirty="0"/>
-              <a:t>and </a:t>
-            </a:r>
-            <a:r>
-              <a:rPr lang="en-GB" b="1" dirty="0"/>
-              <a:t>pattern matching.</a:t>
-            </a:r>
-          </a:p>
-          <a:p>
-            <a:endParaRPr lang="en-GB" b="1" dirty="0"/>
-          </a:p>
-        </p:txBody>
-      </p:sp>
-      <p:pic>
-        <p:nvPicPr>
-          <p:cNvPr id="4" name="Picture 2" descr="Apache Spark and Analytics ...">
-            <a:extLst>
-              <a:ext uri="{FF2B5EF4-FFF2-40B4-BE49-F238E27FC236}">
-                <a16:creationId xmlns:a16="http://schemas.microsoft.com/office/drawing/2014/main" id="{8DE1AAD0-061C-7B73-41C2-3FC9F73EFA49}"/>
+                <a16:creationId xmlns:a16="http://schemas.microsoft.com/office/drawing/2014/main" id="{4CA433AF-5645-456D-850A-F3661FB3AF1B}"/>
               </a:ext>
             </a:extLst>
           </p:cNvPr>
           <p:cNvPicPr>
-            <a:picLocks noChangeAspect="1" noChangeArrowheads="1"/>
+            <a:picLocks noChangeAspect="1"/>
           </p:cNvPicPr>
           <p:nvPr/>
         </p:nvPicPr>
         <p:blipFill>
-          <a:blip r:embed="rId2">
-            <a:extLst>
-              <a:ext uri="{28A0092B-C50C-407E-A947-70E740481C1C}">
-                <a14:useLocalDpi xmlns:a14="http://schemas.microsoft.com/office/drawing/2010/main" val="0"/>
-              </a:ext>
-            </a:extLst>
-          </a:blip>
-          <a:srcRect/>
+          <a:blip r:embed="rId2"/>
           <a:stretch>
             <a:fillRect/>
           </a:stretch>
         </p:blipFill>
-        <p:spPr bwMode="auto">
-          <a:xfrm>
-            <a:off x="4582244" y="177800"/>
-            <a:ext cx="7200800" cy="2243088"/>
+        <p:spPr>
+          <a:xfrm>
+            <a:off x="1197868" y="2564904"/>
+            <a:ext cx="10679807" cy="4266794"/>
+          </a:xfrm>
+          <a:prstGeom prst="rect">
+            <a:avLst/>
+          </a:prstGeom>
+        </p:spPr>
+      </p:pic>
+      <p:sp>
+        <p:nvSpPr>
+          <p:cNvPr id="4" name="TextBox 3">
+            <a:extLst>
+              <a:ext uri="{FF2B5EF4-FFF2-40B4-BE49-F238E27FC236}">
+                <a16:creationId xmlns:a16="http://schemas.microsoft.com/office/drawing/2014/main" id="{728324CF-7891-7091-7854-1FA1BB69428D}"/>
+              </a:ext>
+            </a:extLst>
+          </p:cNvPr>
+          <p:cNvSpPr txBox="1"/>
+          <p:nvPr/>
+        </p:nvSpPr>
+        <p:spPr>
+          <a:xfrm>
+            <a:off x="1269876" y="1644949"/>
+            <a:ext cx="10369152" cy="646331"/>
           </a:xfrm>
           <a:prstGeom prst="rect">
             <a:avLst/>
           </a:prstGeom>
           <a:noFill/>
-          <a:extLst>
-            <a:ext uri="{909E8E84-426E-40DD-AFC4-6F175D3DCCD1}">
-              <a14:hiddenFill xmlns:a14="http://schemas.microsoft.com/office/drawing/2010/main">
-                <a:solidFill>
-                  <a:srgbClr val="FFFFFF"/>
-                </a:solidFill>
-              </a14:hiddenFill>
-            </a:ext>
-          </a:extLst>
-        </p:spPr>
-      </p:pic>
+        </p:spPr>
+        <p:txBody>
+          <a:bodyPr wrap="square">
+            <a:spAutoFit/>
+          </a:bodyPr>
+          <a:lstStyle/>
+          <a:p>
+            <a:r>
+              <a:rPr lang="en-GB" b="1" dirty="0"/>
+              <a:t>HDFS:</a:t>
+            </a:r>
+            <a:r>
+              <a:rPr lang="en-GB" dirty="0"/>
+              <a:t> Store CSV files from Kaggle for distributed storage and  processing. </a:t>
+            </a:r>
+          </a:p>
+          <a:p>
+            <a:r>
+              <a:rPr lang="en-GB" dirty="0"/>
+              <a:t>Output stored also in HDFS.</a:t>
+            </a:r>
+          </a:p>
+        </p:txBody>
+      </p:sp>
     </p:spTree>
     <p:extLst>
       <p:ext uri="{BB962C8B-B14F-4D97-AF65-F5344CB8AC3E}">
-        <p14:creationId xmlns:p14="http://schemas.microsoft.com/office/powerpoint/2010/main" val="2601261512"/>
+        <p14:creationId xmlns:p14="http://schemas.microsoft.com/office/powerpoint/2010/main" val="1666075632"/>
       </p:ext>
     </p:extLst>
   </p:cSld>
@@ -8686,7 +8616,7 @@
           <p:cNvPr id="2" name="Title 1">
             <a:extLst>
               <a:ext uri="{FF2B5EF4-FFF2-40B4-BE49-F238E27FC236}">
-                <a16:creationId xmlns:a16="http://schemas.microsoft.com/office/drawing/2014/main" id="{D3DCD3A0-D3CD-F20C-9BEA-76C0258FC9A8}"/>
+                <a16:creationId xmlns:a16="http://schemas.microsoft.com/office/drawing/2014/main" id="{8BA44983-89EB-CE4A-462C-C96C31086C1D}"/>
               </a:ext>
             </a:extLst>
           </p:cNvPr>
@@ -8704,44 +8634,161 @@
           <a:p>
             <a:r>
               <a:rPr lang="en-GB" dirty="0"/>
-              <a:t>Spark for data Processing</a:t>
-            </a:r>
+              <a:t>Apache Spark</a:t>
+            </a:r>
+          </a:p>
+        </p:txBody>
+      </p:sp>
+      <p:sp>
+        <p:nvSpPr>
+          <p:cNvPr id="3" name="Content Placeholder 2">
+            <a:extLst>
+              <a:ext uri="{FF2B5EF4-FFF2-40B4-BE49-F238E27FC236}">
+                <a16:creationId xmlns:a16="http://schemas.microsoft.com/office/drawing/2014/main" id="{EBFD4A58-406B-DF0E-8D8A-A5F398DE024E}"/>
+              </a:ext>
+            </a:extLst>
+          </p:cNvPr>
+          <p:cNvSpPr>
+            <a:spLocks noGrp="1"/>
+          </p:cNvSpPr>
+          <p:nvPr>
+            <p:ph idx="1"/>
+          </p:nvPr>
+        </p:nvSpPr>
+        <p:spPr>
+          <a:xfrm>
+            <a:off x="1593435" y="1953344"/>
+            <a:ext cx="9782801" cy="4572000"/>
+          </a:xfrm>
+        </p:spPr>
+        <p:txBody>
+          <a:bodyPr>
+            <a:normAutofit/>
+          </a:bodyPr>
+          <a:lstStyle/>
+          <a:p>
+            <a:pPr marL="0" indent="0">
+              <a:buNone/>
+            </a:pPr>
+            <a:r>
+              <a:rPr lang="en-GB" b="1" dirty="0"/>
+              <a:t>Purpose : </a:t>
+            </a:r>
+          </a:p>
+          <a:p>
+            <a:r>
+              <a:rPr lang="en-GB" b="1" dirty="0"/>
+              <a:t>In-Memory Data Processing: </a:t>
+            </a:r>
+            <a:r>
+              <a:rPr lang="en-GB" dirty="0"/>
+              <a:t>Spark processes data in memory, significantly speeding up data processing tasks </a:t>
+            </a:r>
+          </a:p>
+          <a:p>
+            <a:r>
+              <a:rPr lang="en-GB" b="1" dirty="0"/>
+              <a:t>Advanced Analytics: </a:t>
+            </a:r>
+            <a:r>
+              <a:rPr lang="en-GB" dirty="0"/>
+              <a:t>Provides powerful APIs for data manipulation and analysis (e.g., </a:t>
+            </a:r>
+            <a:r>
+              <a:rPr lang="en-GB" dirty="0" err="1"/>
+              <a:t>PySpark</a:t>
+            </a:r>
+            <a:r>
+              <a:rPr lang="en-GB" dirty="0"/>
+              <a:t> , Spark SQL ).</a:t>
+            </a:r>
+          </a:p>
+          <a:p>
+            <a:r>
+              <a:rPr lang="en-GB" b="1" dirty="0"/>
+              <a:t>Machine Learning: </a:t>
+            </a:r>
+            <a:r>
+              <a:rPr lang="en-GB" dirty="0"/>
+              <a:t>Spark’s </a:t>
+            </a:r>
+            <a:r>
+              <a:rPr lang="en-GB" dirty="0" err="1"/>
+              <a:t>MLlib</a:t>
+            </a:r>
+            <a:r>
+              <a:rPr lang="en-GB" dirty="0"/>
+              <a:t> library supports machine learning algorithms for tasks like </a:t>
+            </a:r>
+            <a:r>
+              <a:rPr lang="en-GB" b="1" dirty="0"/>
+              <a:t>regression analysis </a:t>
+            </a:r>
+            <a:r>
+              <a:rPr lang="en-GB" dirty="0"/>
+              <a:t>and </a:t>
+            </a:r>
+            <a:r>
+              <a:rPr lang="en-GB" b="1" dirty="0"/>
+              <a:t>pattern matching.</a:t>
+            </a:r>
+          </a:p>
+          <a:p>
+            <a:endParaRPr lang="en-GB" b="1" dirty="0"/>
           </a:p>
         </p:txBody>
       </p:sp>
       <p:pic>
         <p:nvPicPr>
-          <p:cNvPr id="7" name="Content Placeholder 6">
+          <p:cNvPr id="4" name="Picture 2" descr="Apache Spark and Analytics ...">
             <a:extLst>
               <a:ext uri="{FF2B5EF4-FFF2-40B4-BE49-F238E27FC236}">
-                <a16:creationId xmlns:a16="http://schemas.microsoft.com/office/drawing/2014/main" id="{3AA3BC36-0662-2E96-F1F4-943A0C0A64BE}"/>
+                <a16:creationId xmlns:a16="http://schemas.microsoft.com/office/drawing/2014/main" id="{8DE1AAD0-061C-7B73-41C2-3FC9F73EFA49}"/>
               </a:ext>
             </a:extLst>
           </p:cNvPr>
           <p:cNvPicPr>
-            <a:picLocks noGrp="1" noChangeAspect="1"/>
+            <a:picLocks noChangeAspect="1" noChangeArrowheads="1"/>
           </p:cNvPicPr>
-          <p:nvPr>
-            <p:ph idx="1"/>
-          </p:nvPr>
+          <p:nvPr/>
         </p:nvPicPr>
         <p:blipFill>
-          <a:blip r:embed="rId2"/>
+          <a:blip r:embed="rId2">
+            <a:extLst>
+              <a:ext uri="{28A0092B-C50C-407E-A947-70E740481C1C}">
+                <a14:useLocalDpi xmlns:a14="http://schemas.microsoft.com/office/drawing/2010/main" val="0"/>
+              </a:ext>
+            </a:extLst>
+          </a:blip>
+          <a:srcRect/>
           <a:stretch>
             <a:fillRect/>
           </a:stretch>
         </p:blipFill>
-        <p:spPr>
-          <a:xfrm>
-            <a:off x="1269876" y="1600200"/>
-            <a:ext cx="10657184" cy="5080000"/>
-          </a:xfrm>
+        <p:spPr bwMode="auto">
+          <a:xfrm>
+            <a:off x="4582244" y="177800"/>
+            <a:ext cx="7200800" cy="2243088"/>
+          </a:xfrm>
+          <a:prstGeom prst="rect">
+            <a:avLst/>
+          </a:prstGeom>
+          <a:noFill/>
+          <a:extLst>
+            <a:ext uri="{909E8E84-426E-40DD-AFC4-6F175D3DCCD1}">
+              <a14:hiddenFill xmlns:a14="http://schemas.microsoft.com/office/drawing/2010/main">
+                <a:solidFill>
+                  <a:srgbClr val="FFFFFF"/>
+                </a:solidFill>
+              </a14:hiddenFill>
+            </a:ext>
+          </a:extLst>
         </p:spPr>
       </p:pic>
     </p:spTree>
     <p:extLst>
       <p:ext uri="{BB962C8B-B14F-4D97-AF65-F5344CB8AC3E}">
-        <p14:creationId xmlns:p14="http://schemas.microsoft.com/office/powerpoint/2010/main" val="2709957482"/>
+        <p14:creationId xmlns:p14="http://schemas.microsoft.com/office/powerpoint/2010/main" val="2601261512"/>
       </p:ext>
     </p:extLst>
   </p:cSld>
@@ -8785,7 +8832,7 @@
           <p:cNvPr id="2" name="Title 1">
             <a:extLst>
               <a:ext uri="{FF2B5EF4-FFF2-40B4-BE49-F238E27FC236}">
-                <a16:creationId xmlns:a16="http://schemas.microsoft.com/office/drawing/2014/main" id="{790DF3EE-E968-DA20-23F4-F0C16A828404}"/>
+                <a16:creationId xmlns:a16="http://schemas.microsoft.com/office/drawing/2014/main" id="{D3DCD3A0-D3CD-F20C-9BEA-76C0258FC9A8}"/>
               </a:ext>
             </a:extLst>
           </p:cNvPr>
@@ -8796,180 +8843,51 @@
             <p:ph type="title"/>
           </p:nvPr>
         </p:nvSpPr>
-        <p:spPr>
-          <a:xfrm>
-            <a:off x="1557908" y="685800"/>
-            <a:ext cx="9782801" cy="736600"/>
-          </a:xfrm>
-        </p:spPr>
-        <p:txBody>
-          <a:bodyPr>
-            <a:normAutofit fontScale="90000"/>
-          </a:bodyPr>
+        <p:spPr/>
+        <p:txBody>
+          <a:bodyPr/>
           <a:lstStyle/>
           <a:p>
             <a:r>
               <a:rPr lang="en-GB" dirty="0"/>
-              <a:t>Data Storage and Retrieval </a:t>
-            </a:r>
-            <a:br>
-              <a:rPr lang="en-GB" dirty="0"/>
-            </a:br>
-            <a:r>
-              <a:rPr lang="en-GB" dirty="0"/>
-              <a:t>with HBase</a:t>
-            </a:r>
-          </a:p>
-        </p:txBody>
-      </p:sp>
-      <p:sp>
-        <p:nvSpPr>
-          <p:cNvPr id="3" name="Content Placeholder 2">
+              <a:t>Spark for data Processing</a:t>
+            </a:r>
+          </a:p>
+        </p:txBody>
+      </p:sp>
+      <p:pic>
+        <p:nvPicPr>
+          <p:cNvPr id="7" name="Content Placeholder 6">
             <a:extLst>
               <a:ext uri="{FF2B5EF4-FFF2-40B4-BE49-F238E27FC236}">
-                <a16:creationId xmlns:a16="http://schemas.microsoft.com/office/drawing/2014/main" id="{3D7854A8-E660-41AB-16D6-10AE26B5EBCA}"/>
-              </a:ext>
-            </a:extLst>
-          </p:cNvPr>
-          <p:cNvSpPr>
-            <a:spLocks noGrp="1"/>
-          </p:cNvSpPr>
-          <p:nvPr>
-            <p:ph idx="1"/>
-          </p:nvPr>
-        </p:nvSpPr>
-        <p:spPr>
-          <a:xfrm>
-            <a:off x="1314755" y="1600200"/>
-            <a:ext cx="9782801" cy="4572000"/>
-          </a:xfrm>
-        </p:spPr>
-        <p:txBody>
-          <a:bodyPr>
-            <a:normAutofit/>
-          </a:bodyPr>
-          <a:lstStyle/>
-          <a:p>
-            <a:r>
-              <a:rPr lang="en-GB" b="1" dirty="0"/>
-              <a:t>Purpose:</a:t>
-            </a:r>
-          </a:p>
-          <a:p>
-            <a:r>
-              <a:rPr lang="en-GB" dirty="0"/>
-              <a:t>NoSQL Database</a:t>
-            </a:r>
-          </a:p>
-          <a:p>
-            <a:r>
-              <a:rPr lang="en-GB" dirty="0"/>
-              <a:t>Efficient Storage and Retrieval:</a:t>
-            </a:r>
-          </a:p>
-          <a:p>
-            <a:r>
-              <a:rPr lang="en-GB" b="1" dirty="0"/>
-              <a:t>Benefits: </a:t>
-            </a:r>
-          </a:p>
-          <a:p>
-            <a:r>
-              <a:rPr lang="en-GB" dirty="0"/>
-              <a:t>Scalability:</a:t>
-            </a:r>
-          </a:p>
-          <a:p>
-            <a:r>
-              <a:rPr lang="en-GB" dirty="0"/>
-              <a:t>High Performance: </a:t>
-            </a:r>
-          </a:p>
-          <a:p>
-            <a:r>
-              <a:rPr lang="en-GB" dirty="0"/>
-              <a:t>Integration with Hadoop Ecosystem:</a:t>
-            </a:r>
-          </a:p>
-          <a:p>
-            <a:r>
-              <a:rPr lang="en-US" altLang="en-US" b="1" dirty="0" err="1"/>
-              <a:t>HappyBase</a:t>
-            </a:r>
-            <a:r>
-              <a:rPr lang="en-US" altLang="en-US" b="1" dirty="0"/>
-              <a:t>: </a:t>
-            </a:r>
-            <a:r>
-              <a:rPr kumimoji="0" lang="en-US" altLang="en-US" sz="2800" b="0" i="0" u="none" strike="noStrike" cap="none" normalizeH="0" baseline="0" dirty="0">
-                <a:ln>
-                  <a:noFill/>
-                </a:ln>
-                <a:solidFill>
-                  <a:schemeClr val="tx1"/>
-                </a:solidFill>
-                <a:effectLst/>
-                <a:latin typeface="Arial" panose="020B0604020202020204" pitchFamily="34" charset="0"/>
-              </a:rPr>
-              <a:t>Python library to interact  HBase using Thrift.</a:t>
-            </a:r>
-          </a:p>
-          <a:p>
-            <a:endParaRPr lang="en-GB" dirty="0"/>
-          </a:p>
-        </p:txBody>
-      </p:sp>
-      <p:pic>
-        <p:nvPicPr>
-          <p:cNvPr id="2053" name="Picture 5" descr="Overview of HBase Architecture and its ...">
-            <a:extLst>
-              <a:ext uri="{FF2B5EF4-FFF2-40B4-BE49-F238E27FC236}">
-                <a16:creationId xmlns:a16="http://schemas.microsoft.com/office/drawing/2014/main" id="{35805285-1ED7-E87A-E494-252B28CE6B2F}"/>
+                <a16:creationId xmlns:a16="http://schemas.microsoft.com/office/drawing/2014/main" id="{3AA3BC36-0662-2E96-F1F4-943A0C0A64BE}"/>
               </a:ext>
             </a:extLst>
           </p:cNvPr>
           <p:cNvPicPr>
-            <a:picLocks noChangeAspect="1" noChangeArrowheads="1"/>
+            <a:picLocks noGrp="1" noChangeAspect="1"/>
           </p:cNvPicPr>
-          <p:nvPr/>
+          <p:nvPr>
+            <p:ph idx="1"/>
+          </p:nvPr>
         </p:nvPicPr>
         <p:blipFill>
-          <a:blip r:embed="rId2">
-            <a:extLst>
-              <a:ext uri="{28A0092B-C50C-407E-A947-70E740481C1C}">
-                <a14:useLocalDpi xmlns:a14="http://schemas.microsoft.com/office/drawing/2010/main" val="0"/>
-              </a:ext>
-            </a:extLst>
-          </a:blip>
-          <a:srcRect/>
+          <a:blip r:embed="rId2"/>
           <a:stretch>
             <a:fillRect/>
           </a:stretch>
         </p:blipFill>
-        <p:spPr bwMode="auto">
-          <a:xfrm>
-            <a:off x="7030515" y="0"/>
-            <a:ext cx="5158309" cy="4797152"/>
-          </a:xfrm>
-          <a:prstGeom prst="rect">
-            <a:avLst/>
-          </a:prstGeom>
-          <a:noFill/>
-          <a:extLst>
-            <a:ext uri="{909E8E84-426E-40DD-AFC4-6F175D3DCCD1}">
-              <a14:hiddenFill xmlns:a14="http://schemas.microsoft.com/office/drawing/2010/main">
-                <a:solidFill>
-                  <a:srgbClr val="FFFFFF"/>
-                </a:solidFill>
-              </a14:hiddenFill>
-            </a:ext>
-          </a:extLst>
+        <p:spPr>
+          <a:xfrm>
+            <a:off x="1269876" y="1600200"/>
+            <a:ext cx="10657184" cy="5080000"/>
+          </a:xfrm>
         </p:spPr>
       </p:pic>
     </p:spTree>
     <p:extLst>
       <p:ext uri="{BB962C8B-B14F-4D97-AF65-F5344CB8AC3E}">
-        <p14:creationId xmlns:p14="http://schemas.microsoft.com/office/powerpoint/2010/main" val="2083260834"/>
+        <p14:creationId xmlns:p14="http://schemas.microsoft.com/office/powerpoint/2010/main" val="2709957482"/>
       </p:ext>
     </p:extLst>
   </p:cSld>
@@ -9013,7 +8931,7 @@
           <p:cNvPr id="2" name="Title 1">
             <a:extLst>
               <a:ext uri="{FF2B5EF4-FFF2-40B4-BE49-F238E27FC236}">
-                <a16:creationId xmlns:a16="http://schemas.microsoft.com/office/drawing/2014/main" id="{12992AD1-0B74-20B4-6C2B-82405123B529}"/>
+                <a16:creationId xmlns:a16="http://schemas.microsoft.com/office/drawing/2014/main" id="{790DF3EE-E968-DA20-23F4-F0C16A828404}"/>
               </a:ext>
             </a:extLst>
           </p:cNvPr>
@@ -9026,8 +8944,50 @@
         </p:nvSpPr>
         <p:spPr>
           <a:xfrm>
-            <a:off x="1763107" y="177801"/>
-            <a:ext cx="9613130" cy="658912"/>
+            <a:off x="1557908" y="685800"/>
+            <a:ext cx="9782801" cy="736600"/>
+          </a:xfrm>
+        </p:spPr>
+        <p:txBody>
+          <a:bodyPr>
+            <a:normAutofit fontScale="90000"/>
+          </a:bodyPr>
+          <a:lstStyle/>
+          <a:p>
+            <a:r>
+              <a:rPr lang="en-GB" dirty="0"/>
+              <a:t>Data Storage and Retrieval </a:t>
+            </a:r>
+            <a:br>
+              <a:rPr lang="en-GB" dirty="0"/>
+            </a:br>
+            <a:r>
+              <a:rPr lang="en-GB" dirty="0"/>
+              <a:t>with HBase</a:t>
+            </a:r>
+          </a:p>
+        </p:txBody>
+      </p:sp>
+      <p:sp>
+        <p:nvSpPr>
+          <p:cNvPr id="3" name="Content Placeholder 2">
+            <a:extLst>
+              <a:ext uri="{FF2B5EF4-FFF2-40B4-BE49-F238E27FC236}">
+                <a16:creationId xmlns:a16="http://schemas.microsoft.com/office/drawing/2014/main" id="{3D7854A8-E660-41AB-16D6-10AE26B5EBCA}"/>
+              </a:ext>
+            </a:extLst>
+          </p:cNvPr>
+          <p:cNvSpPr>
+            <a:spLocks noGrp="1"/>
+          </p:cNvSpPr>
+          <p:nvPr>
+            <p:ph idx="1"/>
+          </p:nvPr>
+        </p:nvSpPr>
+        <p:spPr>
+          <a:xfrm>
+            <a:off x="1314755" y="1600200"/>
+            <a:ext cx="9782801" cy="4572000"/>
           </a:xfrm>
         </p:spPr>
         <p:txBody>
@@ -9037,75 +8997,125 @@
           <a:lstStyle/>
           <a:p>
             <a:r>
+              <a:rPr lang="en-GB" b="1" dirty="0"/>
+              <a:t>Purpose:</a:t>
+            </a:r>
+          </a:p>
+          <a:p>
+            <a:r>
               <a:rPr lang="en-GB" dirty="0"/>
-              <a:t>Data Storage and Retrieval with HBase</a:t>
-            </a:r>
+              <a:t>NoSQL Database</a:t>
+            </a:r>
+          </a:p>
+          <a:p>
+            <a:r>
+              <a:rPr lang="en-GB" dirty="0"/>
+              <a:t>Efficient Storage and Retrieval:</a:t>
+            </a:r>
+          </a:p>
+          <a:p>
+            <a:r>
+              <a:rPr lang="en-GB" b="1" dirty="0"/>
+              <a:t>Benefits: </a:t>
+            </a:r>
+          </a:p>
+          <a:p>
+            <a:r>
+              <a:rPr lang="en-GB" dirty="0"/>
+              <a:t>Scalability:</a:t>
+            </a:r>
+          </a:p>
+          <a:p>
+            <a:r>
+              <a:rPr lang="en-GB" dirty="0"/>
+              <a:t>High Performance: </a:t>
+            </a:r>
+          </a:p>
+          <a:p>
+            <a:r>
+              <a:rPr lang="en-GB" dirty="0"/>
+              <a:t>Integration with Hadoop Ecosystem:</a:t>
+            </a:r>
+          </a:p>
+          <a:p>
+            <a:r>
+              <a:rPr lang="en-US" altLang="en-US" b="1" dirty="0" err="1"/>
+              <a:t>HappyBase</a:t>
+            </a:r>
+            <a:r>
+              <a:rPr lang="en-US" altLang="en-US" b="1" dirty="0"/>
+              <a:t>: </a:t>
+            </a:r>
+            <a:r>
+              <a:rPr kumimoji="0" lang="en-US" altLang="en-US" sz="2800" b="0" i="0" u="none" strike="noStrike" cap="none" normalizeH="0" baseline="0" dirty="0">
+                <a:ln>
+                  <a:noFill/>
+                </a:ln>
+                <a:solidFill>
+                  <a:schemeClr val="tx1"/>
+                </a:solidFill>
+                <a:effectLst/>
+                <a:latin typeface="Arial" panose="020B0604020202020204" pitchFamily="34" charset="0"/>
+              </a:rPr>
+              <a:t>Python library to interact  HBase using Thrift.</a:t>
+            </a:r>
+          </a:p>
+          <a:p>
+            <a:endParaRPr lang="en-GB" dirty="0"/>
           </a:p>
         </p:txBody>
       </p:sp>
       <p:pic>
         <p:nvPicPr>
-          <p:cNvPr id="5" name="Content Placeholder 4">
+          <p:cNvPr id="2053" name="Picture 5" descr="Overview of HBase Architecture and its ...">
             <a:extLst>
               <a:ext uri="{FF2B5EF4-FFF2-40B4-BE49-F238E27FC236}">
-                <a16:creationId xmlns:a16="http://schemas.microsoft.com/office/drawing/2014/main" id="{4034F8CB-859B-62A0-B098-B661DAB1BBE5}"/>
+                <a16:creationId xmlns:a16="http://schemas.microsoft.com/office/drawing/2014/main" id="{35805285-1ED7-E87A-E494-252B28CE6B2F}"/>
               </a:ext>
             </a:extLst>
           </p:cNvPr>
           <p:cNvPicPr>
-            <a:picLocks noGrp="1" noChangeAspect="1"/>
+            <a:picLocks noChangeAspect="1" noChangeArrowheads="1"/>
           </p:cNvPicPr>
-          <p:nvPr>
-            <p:ph idx="1"/>
-          </p:nvPr>
+          <p:nvPr/>
         </p:nvPicPr>
         <p:blipFill>
-          <a:blip r:embed="rId2"/>
+          <a:blip r:embed="rId2">
+            <a:extLst>
+              <a:ext uri="{28A0092B-C50C-407E-A947-70E740481C1C}">
+                <a14:useLocalDpi xmlns:a14="http://schemas.microsoft.com/office/drawing/2010/main" val="0"/>
+              </a:ext>
+            </a:extLst>
+          </a:blip>
+          <a:srcRect/>
           <a:stretch>
             <a:fillRect/>
           </a:stretch>
         </p:blipFill>
-        <p:spPr>
-          <a:xfrm>
-            <a:off x="0" y="797480"/>
-            <a:ext cx="11855051" cy="3121658"/>
-          </a:xfrm>
-        </p:spPr>
-      </p:pic>
-      <p:pic>
-        <p:nvPicPr>
-          <p:cNvPr id="7" name="Picture 6">
-            <a:extLst>
-              <a:ext uri="{FF2B5EF4-FFF2-40B4-BE49-F238E27FC236}">
-                <a16:creationId xmlns:a16="http://schemas.microsoft.com/office/drawing/2014/main" id="{4645839A-AEC3-5813-2823-E2AB5C9AE9D4}"/>
-              </a:ext>
-            </a:extLst>
-          </p:cNvPr>
-          <p:cNvPicPr>
-            <a:picLocks noChangeAspect="1"/>
-          </p:cNvPicPr>
-          <p:nvPr/>
-        </p:nvPicPr>
-        <p:blipFill>
-          <a:blip r:embed="rId3"/>
-          <a:stretch>
-            <a:fillRect/>
-          </a:stretch>
-        </p:blipFill>
-        <p:spPr>
-          <a:xfrm>
-            <a:off x="0" y="3392230"/>
-            <a:ext cx="11783045" cy="3437373"/>
+        <p:spPr bwMode="auto">
+          <a:xfrm>
+            <a:off x="7030515" y="0"/>
+            <a:ext cx="5158309" cy="4797152"/>
           </a:xfrm>
           <a:prstGeom prst="rect">
             <a:avLst/>
           </a:prstGeom>
+          <a:noFill/>
+          <a:extLst>
+            <a:ext uri="{909E8E84-426E-40DD-AFC4-6F175D3DCCD1}">
+              <a14:hiddenFill xmlns:a14="http://schemas.microsoft.com/office/drawing/2010/main">
+                <a:solidFill>
+                  <a:srgbClr val="FFFFFF"/>
+                </a:solidFill>
+              </a14:hiddenFill>
+            </a:ext>
+          </a:extLst>
         </p:spPr>
       </p:pic>
     </p:spTree>
     <p:extLst>
       <p:ext uri="{BB962C8B-B14F-4D97-AF65-F5344CB8AC3E}">
-        <p14:creationId xmlns:p14="http://schemas.microsoft.com/office/powerpoint/2010/main" val="3171257243"/>
+        <p14:creationId xmlns:p14="http://schemas.microsoft.com/office/powerpoint/2010/main" val="2083260834"/>
       </p:ext>
     </p:extLst>
   </p:cSld>
@@ -9149,7 +9159,7 @@
           <p:cNvPr id="2" name="Title 1">
             <a:extLst>
               <a:ext uri="{FF2B5EF4-FFF2-40B4-BE49-F238E27FC236}">
-                <a16:creationId xmlns:a16="http://schemas.microsoft.com/office/drawing/2014/main" id="{A41090EA-AD6C-A087-CD1C-54B20643DC6D}"/>
+                <a16:creationId xmlns:a16="http://schemas.microsoft.com/office/drawing/2014/main" id="{12992AD1-0B74-20B4-6C2B-82405123B529}"/>
               </a:ext>
             </a:extLst>
           </p:cNvPr>
@@ -9160,358 +9170,88 @@
             <p:ph type="title"/>
           </p:nvPr>
         </p:nvSpPr>
-        <p:spPr/>
-        <p:txBody>
-          <a:bodyPr/>
+        <p:spPr>
+          <a:xfrm>
+            <a:off x="1763107" y="177801"/>
+            <a:ext cx="9613130" cy="658912"/>
+          </a:xfrm>
+        </p:spPr>
+        <p:txBody>
+          <a:bodyPr>
+            <a:normAutofit/>
+          </a:bodyPr>
           <a:lstStyle/>
           <a:p>
             <a:r>
               <a:rPr lang="en-GB" dirty="0"/>
-              <a:t>Visualization and Insights</a:t>
-            </a:r>
-          </a:p>
-        </p:txBody>
-      </p:sp>
-      <p:sp>
-        <p:nvSpPr>
-          <p:cNvPr id="4" name="Rectangle 1">
+              <a:t>Data Storage and Retrieval with HBase</a:t>
+            </a:r>
+          </a:p>
+        </p:txBody>
+      </p:sp>
+      <p:pic>
+        <p:nvPicPr>
+          <p:cNvPr id="5" name="Content Placeholder 4">
             <a:extLst>
               <a:ext uri="{FF2B5EF4-FFF2-40B4-BE49-F238E27FC236}">
-                <a16:creationId xmlns:a16="http://schemas.microsoft.com/office/drawing/2014/main" id="{D60580A7-2CF8-CA71-7FD3-CAE8607D71AF}"/>
-              </a:ext>
-            </a:extLst>
-          </p:cNvPr>
-          <p:cNvSpPr>
-            <a:spLocks noGrp="1" noChangeArrowheads="1"/>
-          </p:cNvSpPr>
-          <p:nvPr>
-            <p:ph idx="1"/>
-          </p:nvPr>
-        </p:nvSpPr>
-        <p:spPr bwMode="auto">
-          <a:xfrm>
-            <a:off x="1413892" y="1613118"/>
-            <a:ext cx="10531601" cy="1815882"/>
-          </a:xfrm>
-          <a:prstGeom prst="rect">
-            <a:avLst/>
-          </a:prstGeom>
-          <a:noFill/>
-          <a:ln>
-            <a:noFill/>
-          </a:ln>
-          <a:effectLst/>
-          <a:extLst>
-            <a:ext uri="{909E8E84-426E-40DD-AFC4-6F175D3DCCD1}">
-              <a14:hiddenFill xmlns:a14="http://schemas.microsoft.com/office/drawing/2010/main">
-                <a:solidFill>
-                  <a:schemeClr val="accent1"/>
-                </a:solidFill>
-              </a14:hiddenFill>
-            </a:ext>
-            <a:ext uri="{91240B29-F687-4F45-9708-019B960494DF}">
-              <a14:hiddenLine xmlns:a14="http://schemas.microsoft.com/office/drawing/2010/main" w="9525">
-                <a:solidFill>
-                  <a:schemeClr val="tx1"/>
-                </a:solidFill>
-                <a:miter lim="800000"/>
-                <a:headEnd/>
-                <a:tailEnd/>
-              </a14:hiddenLine>
-            </a:ext>
-            <a:ext uri="{AF507438-7753-43E0-B8FC-AC1667EBCBE1}">
-              <a14:hiddenEffects xmlns:a14="http://schemas.microsoft.com/office/drawing/2010/main">
-                <a:effectLst>
-                  <a:outerShdw dist="35921" dir="2700000" algn="ctr" rotWithShape="0">
-                    <a:schemeClr val="bg2"/>
-                  </a:outerShdw>
-                </a:effectLst>
-              </a14:hiddenEffects>
-            </a:ext>
-          </a:extLst>
-        </p:spPr>
-        <p:txBody>
-          <a:bodyPr vert="horz" wrap="none" lIns="91440" tIns="45720" rIns="91440" bIns="45720" numCol="1" anchor="ctr" anchorCtr="0" compatLnSpc="1">
-            <a:prstTxWarp prst="textNoShape">
-              <a:avLst/>
-            </a:prstTxWarp>
-            <a:spAutoFit/>
-          </a:bodyPr>
-          <a:lstStyle/>
-          <a:p>
-            <a:pPr marL="0" marR="0" lvl="0" indent="0" algn="l" defTabSz="914400" rtl="0" eaLnBrk="0" fontAlgn="base" latinLnBrk="0" hangingPunct="0">
-              <a:lnSpc>
-                <a:spcPct val="100000"/>
-              </a:lnSpc>
-              <a:spcBef>
-                <a:spcPct val="0"/>
-              </a:spcBef>
-              <a:spcAft>
-                <a:spcPct val="0"/>
-              </a:spcAft>
-              <a:buClrTx/>
-              <a:buSzTx/>
-              <a:buFontTx/>
-              <a:buChar char="•"/>
-              <a:tabLst/>
-            </a:pPr>
-            <a:r>
-              <a:rPr kumimoji="0" lang="en-US" altLang="en-US" b="1" i="0" u="none" strike="noStrike" cap="none" normalizeH="0" baseline="0" dirty="0">
-                <a:ln>
-                  <a:noFill/>
-                </a:ln>
-                <a:solidFill>
-                  <a:schemeClr val="tx1"/>
-                </a:solidFill>
-                <a:effectLst/>
-                <a:latin typeface="Arial" panose="020B0604020202020204" pitchFamily="34" charset="0"/>
-              </a:rPr>
-              <a:t>Tools:</a:t>
-            </a:r>
-            <a:r>
-              <a:rPr kumimoji="0" lang="en-US" altLang="en-US" b="0" i="0" u="none" strike="noStrike" cap="none" normalizeH="0" baseline="0" dirty="0">
-                <a:ln>
-                  <a:noFill/>
-                </a:ln>
-                <a:solidFill>
-                  <a:schemeClr val="tx1"/>
-                </a:solidFill>
-                <a:effectLst/>
-                <a:latin typeface="Arial" panose="020B0604020202020204" pitchFamily="34" charset="0"/>
-              </a:rPr>
-              <a:t> Matplotlib, </a:t>
-            </a:r>
-            <a:r>
-              <a:rPr kumimoji="0" lang="en-US" altLang="en-US" b="0" i="0" u="none" strike="noStrike" cap="none" normalizeH="0" baseline="0" dirty="0" err="1">
-                <a:ln>
-                  <a:noFill/>
-                </a:ln>
-                <a:solidFill>
-                  <a:schemeClr val="tx1"/>
-                </a:solidFill>
-                <a:effectLst/>
-                <a:latin typeface="Arial" panose="020B0604020202020204" pitchFamily="34" charset="0"/>
-              </a:rPr>
-              <a:t>Seaborn,plotly,Pandas</a:t>
-            </a:r>
-            <a:r>
-              <a:rPr kumimoji="0" lang="en-US" altLang="en-US" b="0" i="0" u="none" strike="noStrike" cap="none" normalizeH="0" baseline="0" dirty="0">
-                <a:ln>
-                  <a:noFill/>
-                </a:ln>
-                <a:solidFill>
-                  <a:schemeClr val="tx1"/>
-                </a:solidFill>
-                <a:effectLst/>
-                <a:latin typeface="Arial" panose="020B0604020202020204" pitchFamily="34" charset="0"/>
-              </a:rPr>
-              <a:t> for creating interactive </a:t>
-            </a:r>
-          </a:p>
-          <a:p>
-            <a:pPr marL="0" marR="0" lvl="0" indent="0" algn="l" defTabSz="914400" rtl="0" eaLnBrk="0" fontAlgn="base" latinLnBrk="0" hangingPunct="0">
-              <a:lnSpc>
-                <a:spcPct val="100000"/>
-              </a:lnSpc>
-              <a:spcBef>
-                <a:spcPct val="0"/>
-              </a:spcBef>
-              <a:spcAft>
-                <a:spcPct val="0"/>
-              </a:spcAft>
-              <a:buClrTx/>
-              <a:buSzTx/>
-              <a:buNone/>
-              <a:tabLst/>
-            </a:pPr>
-            <a:r>
-              <a:rPr kumimoji="0" lang="en-US" altLang="en-US" b="0" i="0" u="none" strike="noStrike" cap="none" normalizeH="0" baseline="0" dirty="0">
-                <a:ln>
-                  <a:noFill/>
-                </a:ln>
-                <a:solidFill>
-                  <a:schemeClr val="tx1"/>
-                </a:solidFill>
-                <a:effectLst/>
-                <a:latin typeface="Arial" panose="020B0604020202020204" pitchFamily="34" charset="0"/>
-              </a:rPr>
-              <a:t> and detailed visualizations.</a:t>
-            </a:r>
-          </a:p>
-          <a:p>
-            <a:pPr marL="0" marR="0" lvl="0" indent="0" algn="l" defTabSz="914400" rtl="0" eaLnBrk="0" fontAlgn="base" latinLnBrk="0" hangingPunct="0">
-              <a:lnSpc>
-                <a:spcPct val="100000"/>
-              </a:lnSpc>
-              <a:spcBef>
-                <a:spcPct val="0"/>
-              </a:spcBef>
-              <a:spcAft>
-                <a:spcPct val="0"/>
-              </a:spcAft>
-              <a:buClrTx/>
-              <a:buSzTx/>
-              <a:buFontTx/>
-              <a:buChar char="•"/>
-              <a:tabLst/>
-            </a:pPr>
-            <a:r>
-              <a:rPr kumimoji="0" lang="en-US" altLang="en-US" b="1" i="0" u="none" strike="noStrike" cap="none" normalizeH="0" baseline="0" dirty="0">
-                <a:ln>
-                  <a:noFill/>
-                </a:ln>
-                <a:solidFill>
-                  <a:schemeClr val="tx1"/>
-                </a:solidFill>
-                <a:effectLst/>
-                <a:latin typeface="Arial" panose="020B0604020202020204" pitchFamily="34" charset="0"/>
-              </a:rPr>
-              <a:t>Focus:</a:t>
-            </a:r>
-            <a:r>
-              <a:rPr kumimoji="0" lang="en-US" altLang="en-US" b="0" i="0" u="none" strike="noStrike" cap="none" normalizeH="0" baseline="0" dirty="0">
-                <a:ln>
-                  <a:noFill/>
-                </a:ln>
-                <a:solidFill>
-                  <a:schemeClr val="tx1"/>
-                </a:solidFill>
-                <a:effectLst/>
-                <a:latin typeface="Arial" panose="020B0604020202020204" pitchFamily="34" charset="0"/>
-              </a:rPr>
-              <a:t> Visualize the correlation  across  different platforms.</a:t>
-            </a:r>
-          </a:p>
-          <a:p>
-            <a:pPr marL="0" marR="0" lvl="0" indent="0" algn="l" defTabSz="914400" rtl="0" eaLnBrk="0" fontAlgn="base" latinLnBrk="0" hangingPunct="0">
-              <a:lnSpc>
-                <a:spcPct val="100000"/>
-              </a:lnSpc>
-              <a:spcBef>
-                <a:spcPct val="0"/>
-              </a:spcBef>
-              <a:spcAft>
-                <a:spcPct val="0"/>
-              </a:spcAft>
-              <a:buClrTx/>
-              <a:buSzTx/>
-              <a:buNone/>
-              <a:tabLst/>
-            </a:pPr>
-            <a:r>
-              <a:rPr kumimoji="0" lang="en-US" altLang="en-US" b="0" i="0" u="none" strike="noStrike" cap="none" normalizeH="0" baseline="0" dirty="0">
-                <a:ln>
-                  <a:noFill/>
-                </a:ln>
-                <a:solidFill>
-                  <a:schemeClr val="tx1"/>
-                </a:solidFill>
-                <a:effectLst/>
-                <a:latin typeface="Arial" panose="020B0604020202020204" pitchFamily="34" charset="0"/>
-              </a:rPr>
-              <a:t> Tree maps, chord charts, 3D animations. </a:t>
-            </a:r>
-          </a:p>
-        </p:txBody>
-      </p:sp>
-      <p:pic>
-        <p:nvPicPr>
-          <p:cNvPr id="2053" name="Picture 5" descr="Introducing the Multi-Chord Diagram ...">
-            <a:extLst>
-              <a:ext uri="{FF2B5EF4-FFF2-40B4-BE49-F238E27FC236}">
-                <a16:creationId xmlns:a16="http://schemas.microsoft.com/office/drawing/2014/main" id="{A13C9505-0F80-D8C9-CE6B-AE16F491644A}"/>
+                <a16:creationId xmlns:a16="http://schemas.microsoft.com/office/drawing/2014/main" id="{4034F8CB-859B-62A0-B098-B661DAB1BBE5}"/>
               </a:ext>
             </a:extLst>
           </p:cNvPr>
           <p:cNvPicPr>
-            <a:picLocks noChangeAspect="1" noChangeArrowheads="1"/>
+            <a:picLocks noGrp="1" noChangeAspect="1"/>
+          </p:cNvPicPr>
+          <p:nvPr>
+            <p:ph idx="1"/>
+          </p:nvPr>
+        </p:nvPicPr>
+        <p:blipFill>
+          <a:blip r:embed="rId2"/>
+          <a:stretch>
+            <a:fillRect/>
+          </a:stretch>
+        </p:blipFill>
+        <p:spPr>
+          <a:xfrm>
+            <a:off x="0" y="797480"/>
+            <a:ext cx="11855051" cy="3121658"/>
+          </a:xfrm>
+        </p:spPr>
+      </p:pic>
+      <p:pic>
+        <p:nvPicPr>
+          <p:cNvPr id="7" name="Picture 6">
+            <a:extLst>
+              <a:ext uri="{FF2B5EF4-FFF2-40B4-BE49-F238E27FC236}">
+                <a16:creationId xmlns:a16="http://schemas.microsoft.com/office/drawing/2014/main" id="{4645839A-AEC3-5813-2823-E2AB5C9AE9D4}"/>
+              </a:ext>
+            </a:extLst>
+          </p:cNvPr>
+          <p:cNvPicPr>
+            <a:picLocks noChangeAspect="1"/>
           </p:cNvPicPr>
           <p:nvPr/>
         </p:nvPicPr>
         <p:blipFill>
-          <a:blip r:embed="rId2">
-            <a:extLst>
-              <a:ext uri="{28A0092B-C50C-407E-A947-70E740481C1C}">
-                <a14:useLocalDpi xmlns:a14="http://schemas.microsoft.com/office/drawing/2010/main" val="0"/>
-              </a:ext>
-            </a:extLst>
-          </a:blip>
-          <a:srcRect/>
+          <a:blip r:embed="rId3"/>
           <a:stretch>
             <a:fillRect/>
           </a:stretch>
         </p:blipFill>
-        <p:spPr bwMode="auto">
-          <a:xfrm>
-            <a:off x="7462564" y="4077072"/>
-            <a:ext cx="3573760" cy="2683908"/>
+        <p:spPr>
+          <a:xfrm>
+            <a:off x="0" y="3392230"/>
+            <a:ext cx="11783045" cy="3437373"/>
           </a:xfrm>
           <a:prstGeom prst="rect">
             <a:avLst/>
           </a:prstGeom>
-          <a:noFill/>
-          <a:extLst>
-            <a:ext uri="{909E8E84-426E-40DD-AFC4-6F175D3DCCD1}">
-              <a14:hiddenFill xmlns:a14="http://schemas.microsoft.com/office/drawing/2010/main">
-                <a:solidFill>
-                  <a:srgbClr val="FFFFFF"/>
-                </a:solidFill>
-              </a14:hiddenFill>
-            </a:ext>
-          </a:extLst>
-        </p:spPr>
-      </p:pic>
-      <p:pic>
-        <p:nvPicPr>
-          <p:cNvPr id="2055" name="Picture 7" descr="Treemap | D3 by Observable">
-            <a:extLst>
-              <a:ext uri="{FF2B5EF4-FFF2-40B4-BE49-F238E27FC236}">
-                <a16:creationId xmlns:a16="http://schemas.microsoft.com/office/drawing/2014/main" id="{6453AE05-BBA3-E15D-0B78-EEFC64A6D5ED}"/>
-              </a:ext>
-            </a:extLst>
-          </p:cNvPr>
-          <p:cNvPicPr>
-            <a:picLocks noChangeAspect="1" noChangeArrowheads="1"/>
-          </p:cNvPicPr>
-          <p:nvPr/>
-        </p:nvPicPr>
-        <p:blipFill>
-          <a:blip r:embed="rId3">
-            <a:extLst>
-              <a:ext uri="{28A0092B-C50C-407E-A947-70E740481C1C}">
-                <a14:useLocalDpi xmlns:a14="http://schemas.microsoft.com/office/drawing/2010/main" val="0"/>
-              </a:ext>
-            </a:extLst>
-          </a:blip>
-          <a:srcRect/>
-          <a:stretch>
-            <a:fillRect/>
-          </a:stretch>
-        </p:blipFill>
-        <p:spPr bwMode="auto">
-          <a:xfrm>
-            <a:off x="1341884" y="4563844"/>
-            <a:ext cx="5400600" cy="2187778"/>
-          </a:xfrm>
-          <a:prstGeom prst="rect">
-            <a:avLst/>
-          </a:prstGeom>
-          <a:noFill/>
-          <a:extLst>
-            <a:ext uri="{909E8E84-426E-40DD-AFC4-6F175D3DCCD1}">
-              <a14:hiddenFill xmlns:a14="http://schemas.microsoft.com/office/drawing/2010/main">
-                <a:solidFill>
-                  <a:srgbClr val="FFFFFF"/>
-                </a:solidFill>
-              </a14:hiddenFill>
-            </a:ext>
-          </a:extLst>
         </p:spPr>
       </p:pic>
     </p:spTree>
     <p:extLst>
       <p:ext uri="{BB962C8B-B14F-4D97-AF65-F5344CB8AC3E}">
-        <p14:creationId xmlns:p14="http://schemas.microsoft.com/office/powerpoint/2010/main" val="304114803"/>
+        <p14:creationId xmlns:p14="http://schemas.microsoft.com/office/powerpoint/2010/main" val="3171257243"/>
       </p:ext>
     </p:extLst>
   </p:cSld>
@@ -9555,7 +9295,7 @@
           <p:cNvPr id="2" name="Title 1">
             <a:extLst>
               <a:ext uri="{FF2B5EF4-FFF2-40B4-BE49-F238E27FC236}">
-                <a16:creationId xmlns:a16="http://schemas.microsoft.com/office/drawing/2014/main" id="{4DCF0429-B182-779D-52D2-72A57BC46428}"/>
+                <a16:creationId xmlns:a16="http://schemas.microsoft.com/office/drawing/2014/main" id="{A41090EA-AD6C-A087-CD1C-54B20643DC6D}"/>
               </a:ext>
             </a:extLst>
           </p:cNvPr>
@@ -9573,81 +9313,351 @@
           <a:p>
             <a:r>
               <a:rPr lang="en-GB" dirty="0"/>
-              <a:t>Future scope: Databricks creation in Azure</a:t>
-            </a:r>
-            <a:br>
-              <a:rPr lang="en-GB" dirty="0"/>
-            </a:br>
-            <a:r>
-              <a:rPr lang="en-GB" sz="2800" dirty="0"/>
-              <a:t>Data Processing with Spark on Databricks</a:t>
+              <a:t>Visualization and Insights</a:t>
+            </a:r>
+          </a:p>
+        </p:txBody>
+      </p:sp>
+      <p:sp>
+        <p:nvSpPr>
+          <p:cNvPr id="4" name="Rectangle 1">
+            <a:extLst>
+              <a:ext uri="{FF2B5EF4-FFF2-40B4-BE49-F238E27FC236}">
+                <a16:creationId xmlns:a16="http://schemas.microsoft.com/office/drawing/2014/main" id="{D60580A7-2CF8-CA71-7FD3-CAE8607D71AF}"/>
+              </a:ext>
+            </a:extLst>
+          </p:cNvPr>
+          <p:cNvSpPr>
+            <a:spLocks noGrp="1" noChangeArrowheads="1"/>
+          </p:cNvSpPr>
+          <p:nvPr>
+            <p:ph idx="1"/>
+          </p:nvPr>
+        </p:nvSpPr>
+        <p:spPr bwMode="auto">
+          <a:xfrm>
+            <a:off x="1413892" y="1613118"/>
+            <a:ext cx="10531601" cy="1815882"/>
+          </a:xfrm>
+          <a:prstGeom prst="rect">
+            <a:avLst/>
+          </a:prstGeom>
+          <a:noFill/>
+          <a:ln>
+            <a:noFill/>
+          </a:ln>
+          <a:effectLst/>
+          <a:extLst>
+            <a:ext uri="{909E8E84-426E-40DD-AFC4-6F175D3DCCD1}">
+              <a14:hiddenFill xmlns:a14="http://schemas.microsoft.com/office/drawing/2010/main">
+                <a:solidFill>
+                  <a:schemeClr val="accent1"/>
+                </a:solidFill>
+              </a14:hiddenFill>
+            </a:ext>
+            <a:ext uri="{91240B29-F687-4F45-9708-019B960494DF}">
+              <a14:hiddenLine xmlns:a14="http://schemas.microsoft.com/office/drawing/2010/main" w="9525">
+                <a:solidFill>
+                  <a:schemeClr val="tx1"/>
+                </a:solidFill>
+                <a:miter lim="800000"/>
+                <a:headEnd/>
+                <a:tailEnd/>
+              </a14:hiddenLine>
+            </a:ext>
+            <a:ext uri="{AF507438-7753-43E0-B8FC-AC1667EBCBE1}">
+              <a14:hiddenEffects xmlns:a14="http://schemas.microsoft.com/office/drawing/2010/main">
+                <a:effectLst>
+                  <a:outerShdw dist="35921" dir="2700000" algn="ctr" rotWithShape="0">
+                    <a:schemeClr val="bg2"/>
+                  </a:outerShdw>
+                </a:effectLst>
+              </a14:hiddenEffects>
+            </a:ext>
+          </a:extLst>
+        </p:spPr>
+        <p:txBody>
+          <a:bodyPr vert="horz" wrap="none" lIns="91440" tIns="45720" rIns="91440" bIns="45720" numCol="1" anchor="ctr" anchorCtr="0" compatLnSpc="1">
+            <a:prstTxWarp prst="textNoShape">
+              <a:avLst/>
+            </a:prstTxWarp>
+            <a:spAutoFit/>
+          </a:bodyPr>
+          <a:lstStyle/>
+          <a:p>
+            <a:pPr marL="0" marR="0" lvl="0" indent="0" algn="l" defTabSz="914400" rtl="0" eaLnBrk="0" fontAlgn="base" latinLnBrk="0" hangingPunct="0">
+              <a:lnSpc>
+                <a:spcPct val="100000"/>
+              </a:lnSpc>
+              <a:spcBef>
+                <a:spcPct val="0"/>
+              </a:spcBef>
+              <a:spcAft>
+                <a:spcPct val="0"/>
+              </a:spcAft>
+              <a:buClrTx/>
+              <a:buSzTx/>
+              <a:buFontTx/>
+              <a:buChar char="•"/>
+              <a:tabLst/>
+            </a:pPr>
+            <a:r>
+              <a:rPr kumimoji="0" lang="en-US" altLang="en-US" b="1" i="0" u="none" strike="noStrike" cap="none" normalizeH="0" baseline="0" dirty="0">
+                <a:ln>
+                  <a:noFill/>
+                </a:ln>
+                <a:solidFill>
+                  <a:schemeClr val="tx1"/>
+                </a:solidFill>
+                <a:effectLst/>
+                <a:latin typeface="Arial" panose="020B0604020202020204" pitchFamily="34" charset="0"/>
+              </a:rPr>
+              <a:t>Tools:</a:t>
+            </a:r>
+            <a:r>
+              <a:rPr kumimoji="0" lang="en-US" altLang="en-US" b="0" i="0" u="none" strike="noStrike" cap="none" normalizeH="0" baseline="0" dirty="0">
+                <a:ln>
+                  <a:noFill/>
+                </a:ln>
+                <a:solidFill>
+                  <a:schemeClr val="tx1"/>
+                </a:solidFill>
+                <a:effectLst/>
+                <a:latin typeface="Arial" panose="020B0604020202020204" pitchFamily="34" charset="0"/>
+              </a:rPr>
+              <a:t> Matplotlib, </a:t>
+            </a:r>
+            <a:r>
+              <a:rPr kumimoji="0" lang="en-US" altLang="en-US" b="0" i="0" u="none" strike="noStrike" cap="none" normalizeH="0" baseline="0" dirty="0" err="1">
+                <a:ln>
+                  <a:noFill/>
+                </a:ln>
+                <a:solidFill>
+                  <a:schemeClr val="tx1"/>
+                </a:solidFill>
+                <a:effectLst/>
+                <a:latin typeface="Arial" panose="020B0604020202020204" pitchFamily="34" charset="0"/>
+              </a:rPr>
+              <a:t>Seaborn,plotly,Pandas</a:t>
+            </a:r>
+            <a:r>
+              <a:rPr kumimoji="0" lang="en-US" altLang="en-US" b="0" i="0" u="none" strike="noStrike" cap="none" normalizeH="0" baseline="0" dirty="0">
+                <a:ln>
+                  <a:noFill/>
+                </a:ln>
+                <a:solidFill>
+                  <a:schemeClr val="tx1"/>
+                </a:solidFill>
+                <a:effectLst/>
+                <a:latin typeface="Arial" panose="020B0604020202020204" pitchFamily="34" charset="0"/>
+              </a:rPr>
+              <a:t> for creating interactive </a:t>
+            </a:r>
+          </a:p>
+          <a:p>
+            <a:pPr marL="0" marR="0" lvl="0" indent="0" algn="l" defTabSz="914400" rtl="0" eaLnBrk="0" fontAlgn="base" latinLnBrk="0" hangingPunct="0">
+              <a:lnSpc>
+                <a:spcPct val="100000"/>
+              </a:lnSpc>
+              <a:spcBef>
+                <a:spcPct val="0"/>
+              </a:spcBef>
+              <a:spcAft>
+                <a:spcPct val="0"/>
+              </a:spcAft>
+              <a:buClrTx/>
+              <a:buSzTx/>
+              <a:buNone/>
+              <a:tabLst/>
+            </a:pPr>
+            <a:r>
+              <a:rPr kumimoji="0" lang="en-US" altLang="en-US" b="0" i="0" u="none" strike="noStrike" cap="none" normalizeH="0" baseline="0" dirty="0">
+                <a:ln>
+                  <a:noFill/>
+                </a:ln>
+                <a:solidFill>
+                  <a:schemeClr val="tx1"/>
+                </a:solidFill>
+                <a:effectLst/>
+                <a:latin typeface="Arial" panose="020B0604020202020204" pitchFamily="34" charset="0"/>
+              </a:rPr>
+              <a:t> and detailed visualizations.</a:t>
+            </a:r>
+          </a:p>
+          <a:p>
+            <a:pPr marL="0" marR="0" lvl="0" indent="0" algn="l" defTabSz="914400" rtl="0" eaLnBrk="0" fontAlgn="base" latinLnBrk="0" hangingPunct="0">
+              <a:lnSpc>
+                <a:spcPct val="100000"/>
+              </a:lnSpc>
+              <a:spcBef>
+                <a:spcPct val="0"/>
+              </a:spcBef>
+              <a:spcAft>
+                <a:spcPct val="0"/>
+              </a:spcAft>
+              <a:buClrTx/>
+              <a:buSzTx/>
+              <a:buFontTx/>
+              <a:buChar char="•"/>
+              <a:tabLst/>
+            </a:pPr>
+            <a:r>
+              <a:rPr kumimoji="0" lang="en-US" altLang="en-US" b="1" i="0" u="none" strike="noStrike" cap="none" normalizeH="0" baseline="0" dirty="0">
+                <a:ln>
+                  <a:noFill/>
+                </a:ln>
+                <a:solidFill>
+                  <a:schemeClr val="tx1"/>
+                </a:solidFill>
+                <a:effectLst/>
+                <a:latin typeface="Arial" panose="020B0604020202020204" pitchFamily="34" charset="0"/>
+              </a:rPr>
+              <a:t>Focus:</a:t>
+            </a:r>
+            <a:r>
+              <a:rPr kumimoji="0" lang="en-US" altLang="en-US" b="0" i="0" u="none" strike="noStrike" cap="none" normalizeH="0" baseline="0" dirty="0">
+                <a:ln>
+                  <a:noFill/>
+                </a:ln>
+                <a:solidFill>
+                  <a:schemeClr val="tx1"/>
+                </a:solidFill>
+                <a:effectLst/>
+                <a:latin typeface="Arial" panose="020B0604020202020204" pitchFamily="34" charset="0"/>
+              </a:rPr>
+              <a:t> Visualize the correlation  across  different platforms.</a:t>
+            </a:r>
+          </a:p>
+          <a:p>
+            <a:pPr marL="0" marR="0" lvl="0" indent="0" algn="l" defTabSz="914400" rtl="0" eaLnBrk="0" fontAlgn="base" latinLnBrk="0" hangingPunct="0">
+              <a:lnSpc>
+                <a:spcPct val="100000"/>
+              </a:lnSpc>
+              <a:spcBef>
+                <a:spcPct val="0"/>
+              </a:spcBef>
+              <a:spcAft>
+                <a:spcPct val="0"/>
+              </a:spcAft>
+              <a:buClrTx/>
+              <a:buSzTx/>
+              <a:buNone/>
+              <a:tabLst/>
+            </a:pPr>
+            <a:r>
+              <a:rPr kumimoji="0" lang="en-US" altLang="en-US" b="0" i="0" u="none" strike="noStrike" cap="none" normalizeH="0" baseline="0" dirty="0">
+                <a:ln>
+                  <a:noFill/>
+                </a:ln>
+                <a:solidFill>
+                  <a:schemeClr val="tx1"/>
+                </a:solidFill>
+                <a:effectLst/>
+                <a:latin typeface="Arial" panose="020B0604020202020204" pitchFamily="34" charset="0"/>
+              </a:rPr>
+              <a:t> Tree maps, chord charts, 3D animations. </a:t>
             </a:r>
           </a:p>
         </p:txBody>
       </p:sp>
       <p:pic>
         <p:nvPicPr>
-          <p:cNvPr id="5" name="Content Placeholder 4">
+          <p:cNvPr id="2053" name="Picture 5" descr="Introducing the Multi-Chord Diagram ...">
             <a:extLst>
               <a:ext uri="{FF2B5EF4-FFF2-40B4-BE49-F238E27FC236}">
-                <a16:creationId xmlns:a16="http://schemas.microsoft.com/office/drawing/2014/main" id="{D7260C4A-68FE-200A-3BCF-5002306229A6}"/>
+                <a16:creationId xmlns:a16="http://schemas.microsoft.com/office/drawing/2014/main" id="{A13C9505-0F80-D8C9-CE6B-AE16F491644A}"/>
               </a:ext>
             </a:extLst>
           </p:cNvPr>
           <p:cNvPicPr>
-            <a:picLocks noGrp="1" noChangeAspect="1"/>
+            <a:picLocks noChangeAspect="1" noChangeArrowheads="1"/>
           </p:cNvPicPr>
-          <p:nvPr>
-            <p:ph idx="1"/>
-          </p:nvPr>
+          <p:nvPr/>
         </p:nvPicPr>
         <p:blipFill>
-          <a:blip r:embed="rId2"/>
+          <a:blip r:embed="rId2">
+            <a:extLst>
+              <a:ext uri="{28A0092B-C50C-407E-A947-70E740481C1C}">
+                <a14:useLocalDpi xmlns:a14="http://schemas.microsoft.com/office/drawing/2010/main" val="0"/>
+              </a:ext>
+            </a:extLst>
+          </a:blip>
+          <a:srcRect/>
           <a:stretch>
             <a:fillRect/>
           </a:stretch>
         </p:blipFill>
-        <p:spPr>
-          <a:xfrm>
-            <a:off x="1205729" y="1677744"/>
-            <a:ext cx="10201645" cy="1751256"/>
-          </a:xfrm>
+        <p:spPr bwMode="auto">
+          <a:xfrm>
+            <a:off x="7462564" y="4077072"/>
+            <a:ext cx="3573760" cy="2683908"/>
+          </a:xfrm>
+          <a:prstGeom prst="rect">
+            <a:avLst/>
+          </a:prstGeom>
+          <a:noFill/>
+          <a:extLst>
+            <a:ext uri="{909E8E84-426E-40DD-AFC4-6F175D3DCCD1}">
+              <a14:hiddenFill xmlns:a14="http://schemas.microsoft.com/office/drawing/2010/main">
+                <a:solidFill>
+                  <a:srgbClr val="FFFFFF"/>
+                </a:solidFill>
+              </a14:hiddenFill>
+            </a:ext>
+          </a:extLst>
         </p:spPr>
       </p:pic>
       <p:pic>
         <p:nvPicPr>
-          <p:cNvPr id="7" name="Picture 6">
+          <p:cNvPr id="2055" name="Picture 7" descr="Treemap | D3 by Observable">
             <a:extLst>
               <a:ext uri="{FF2B5EF4-FFF2-40B4-BE49-F238E27FC236}">
-                <a16:creationId xmlns:a16="http://schemas.microsoft.com/office/drawing/2014/main" id="{898A5111-EB34-60A6-74EE-389489D175A3}"/>
+                <a16:creationId xmlns:a16="http://schemas.microsoft.com/office/drawing/2014/main" id="{6453AE05-BBA3-E15D-0B78-EEFC64A6D5ED}"/>
               </a:ext>
             </a:extLst>
           </p:cNvPr>
           <p:cNvPicPr>
-            <a:picLocks noChangeAspect="1"/>
+            <a:picLocks noChangeAspect="1" noChangeArrowheads="1"/>
           </p:cNvPicPr>
           <p:nvPr/>
         </p:nvPicPr>
         <p:blipFill>
-          <a:blip r:embed="rId3"/>
+          <a:blip r:embed="rId3">
+            <a:extLst>
+              <a:ext uri="{28A0092B-C50C-407E-A947-70E740481C1C}">
+                <a14:useLocalDpi xmlns:a14="http://schemas.microsoft.com/office/drawing/2010/main" val="0"/>
+              </a:ext>
+            </a:extLst>
+          </a:blip>
+          <a:srcRect/>
           <a:stretch>
             <a:fillRect/>
           </a:stretch>
         </p:blipFill>
-        <p:spPr>
-          <a:xfrm>
-            <a:off x="1205729" y="3621960"/>
-            <a:ext cx="10721331" cy="3236040"/>
+        <p:spPr bwMode="auto">
+          <a:xfrm>
+            <a:off x="1341884" y="4563844"/>
+            <a:ext cx="5400600" cy="2187778"/>
           </a:xfrm>
           <a:prstGeom prst="rect">
             <a:avLst/>
           </a:prstGeom>
+          <a:noFill/>
+          <a:extLst>
+            <a:ext uri="{909E8E84-426E-40DD-AFC4-6F175D3DCCD1}">
+              <a14:hiddenFill xmlns:a14="http://schemas.microsoft.com/office/drawing/2010/main">
+                <a:solidFill>
+                  <a:srgbClr val="FFFFFF"/>
+                </a:solidFill>
+              </a14:hiddenFill>
+            </a:ext>
+          </a:extLst>
         </p:spPr>
       </p:pic>
     </p:spTree>
     <p:extLst>
       <p:ext uri="{BB962C8B-B14F-4D97-AF65-F5344CB8AC3E}">
-        <p14:creationId xmlns:p14="http://schemas.microsoft.com/office/powerpoint/2010/main" val="4137272609"/>
+        <p14:creationId xmlns:p14="http://schemas.microsoft.com/office/powerpoint/2010/main" val="304114803"/>
       </p:ext>
     </p:extLst>
   </p:cSld>
@@ -9691,7 +9701,7 @@
           <p:cNvPr id="2" name="Title 1">
             <a:extLst>
               <a:ext uri="{FF2B5EF4-FFF2-40B4-BE49-F238E27FC236}">
-                <a16:creationId xmlns:a16="http://schemas.microsoft.com/office/drawing/2014/main" id="{E35832BE-F065-8BA2-F578-792ADB6A0071}"/>
+                <a16:creationId xmlns:a16="http://schemas.microsoft.com/office/drawing/2014/main" id="{4DCF0429-B182-779D-52D2-72A57BC46428}"/>
               </a:ext>
             </a:extLst>
           </p:cNvPr>
@@ -9704,64 +9714,58 @@
         </p:nvSpPr>
         <p:spPr/>
         <p:txBody>
-          <a:bodyPr>
-            <a:normAutofit/>
-          </a:bodyPr>
+          <a:bodyPr/>
           <a:lstStyle/>
           <a:p>
             <a:r>
               <a:rPr lang="en-GB" dirty="0"/>
-              <a:t>Data Processing on Databricks</a:t>
+              <a:t>Future scope: Databricks creation in Azure</a:t>
             </a:r>
             <a:br>
               <a:rPr lang="en-GB" dirty="0"/>
             </a:br>
             <a:r>
-              <a:rPr lang="en-GB" sz="2400" dirty="0"/>
-              <a:t>Read CSV Files in Spark using </a:t>
-            </a:r>
-            <a:r>
-              <a:rPr lang="en-GB" sz="2400" dirty="0" err="1"/>
-              <a:t>PySpark</a:t>
-            </a:r>
-            <a:r>
-              <a:rPr lang="en-GB" sz="2400" dirty="0"/>
-              <a:t>:</a:t>
-            </a:r>
-          </a:p>
-        </p:txBody>
-      </p:sp>
-      <p:sp>
-        <p:nvSpPr>
-          <p:cNvPr id="3" name="Content Placeholder 2">
+              <a:rPr lang="en-GB" sz="2800" dirty="0"/>
+              <a:t>Data Processing with Spark on Databricks</a:t>
+            </a:r>
+          </a:p>
+        </p:txBody>
+      </p:sp>
+      <p:pic>
+        <p:nvPicPr>
+          <p:cNvPr id="5" name="Content Placeholder 4">
             <a:extLst>
               <a:ext uri="{FF2B5EF4-FFF2-40B4-BE49-F238E27FC236}">
-                <a16:creationId xmlns:a16="http://schemas.microsoft.com/office/drawing/2014/main" id="{181F9B20-C6C0-38AB-DFF7-252391A18591}"/>
+                <a16:creationId xmlns:a16="http://schemas.microsoft.com/office/drawing/2014/main" id="{D7260C4A-68FE-200A-3BCF-5002306229A6}"/>
               </a:ext>
             </a:extLst>
           </p:cNvPr>
-          <p:cNvSpPr>
-            <a:spLocks noGrp="1"/>
-          </p:cNvSpPr>
+          <p:cNvPicPr>
+            <a:picLocks noGrp="1" noChangeAspect="1"/>
+          </p:cNvPicPr>
           <p:nvPr>
             <p:ph idx="1"/>
           </p:nvPr>
-        </p:nvSpPr>
-        <p:spPr/>
-        <p:txBody>
-          <a:bodyPr/>
-          <a:lstStyle/>
-          <a:p>
-            <a:endParaRPr lang="en-GB"/>
-          </a:p>
-        </p:txBody>
-      </p:sp>
+        </p:nvPicPr>
+        <p:blipFill>
+          <a:blip r:embed="rId2"/>
+          <a:stretch>
+            <a:fillRect/>
+          </a:stretch>
+        </p:blipFill>
+        <p:spPr>
+          <a:xfrm>
+            <a:off x="1205729" y="1677744"/>
+            <a:ext cx="10201645" cy="1751256"/>
+          </a:xfrm>
+        </p:spPr>
+      </p:pic>
       <p:pic>
         <p:nvPicPr>
-          <p:cNvPr id="4" name="Picture 3">
+          <p:cNvPr id="7" name="Picture 6">
             <a:extLst>
               <a:ext uri="{FF2B5EF4-FFF2-40B4-BE49-F238E27FC236}">
-                <a16:creationId xmlns:a16="http://schemas.microsoft.com/office/drawing/2014/main" id="{C9F7FEFC-1926-1B55-8860-EBAC938E5F49}"/>
+                <a16:creationId xmlns:a16="http://schemas.microsoft.com/office/drawing/2014/main" id="{898A5111-EB34-60A6-74EE-389489D175A3}"/>
               </a:ext>
             </a:extLst>
           </p:cNvPr>
@@ -9771,15 +9775,15 @@
           <p:nvPr/>
         </p:nvPicPr>
         <p:blipFill>
-          <a:blip r:embed="rId2"/>
+          <a:blip r:embed="rId3"/>
           <a:stretch>
             <a:fillRect/>
           </a:stretch>
         </p:blipFill>
         <p:spPr>
           <a:xfrm>
-            <a:off x="262488" y="1567632"/>
-            <a:ext cx="11663848" cy="5112568"/>
+            <a:off x="1205729" y="3621960"/>
+            <a:ext cx="10721331" cy="3236040"/>
           </a:xfrm>
           <a:prstGeom prst="rect">
             <a:avLst/>
@@ -9789,7 +9793,7 @@
     </p:spTree>
     <p:extLst>
       <p:ext uri="{BB962C8B-B14F-4D97-AF65-F5344CB8AC3E}">
-        <p14:creationId xmlns:p14="http://schemas.microsoft.com/office/powerpoint/2010/main" val="738016843"/>
+        <p14:creationId xmlns:p14="http://schemas.microsoft.com/office/powerpoint/2010/main" val="4137272609"/>
       </p:ext>
     </p:extLst>
   </p:cSld>
@@ -9833,7 +9837,7 @@
           <p:cNvPr id="2" name="Title 1">
             <a:extLst>
               <a:ext uri="{FF2B5EF4-FFF2-40B4-BE49-F238E27FC236}">
-                <a16:creationId xmlns:a16="http://schemas.microsoft.com/office/drawing/2014/main" id="{BB1AFFC9-40CD-B756-7D8B-CFB586F00279}"/>
+                <a16:creationId xmlns:a16="http://schemas.microsoft.com/office/drawing/2014/main" id="{E35832BE-F065-8BA2-F578-792ADB6A0071}"/>
               </a:ext>
             </a:extLst>
           </p:cNvPr>
@@ -9846,13 +9850,55 @@
         </p:nvSpPr>
         <p:spPr/>
         <p:txBody>
+          <a:bodyPr>
+            <a:normAutofit/>
+          </a:bodyPr>
+          <a:lstStyle/>
+          <a:p>
+            <a:r>
+              <a:rPr lang="en-GB" dirty="0"/>
+              <a:t>Data Processing on Databricks</a:t>
+            </a:r>
+            <a:br>
+              <a:rPr lang="en-GB" dirty="0"/>
+            </a:br>
+            <a:r>
+              <a:rPr lang="en-GB" sz="2400" dirty="0"/>
+              <a:t>Read CSV Files in Spark using </a:t>
+            </a:r>
+            <a:r>
+              <a:rPr lang="en-GB" sz="2400" dirty="0" err="1"/>
+              <a:t>PySpark</a:t>
+            </a:r>
+            <a:r>
+              <a:rPr lang="en-GB" sz="2400" dirty="0"/>
+              <a:t>:</a:t>
+            </a:r>
+          </a:p>
+        </p:txBody>
+      </p:sp>
+      <p:sp>
+        <p:nvSpPr>
+          <p:cNvPr id="3" name="Content Placeholder 2">
+            <a:extLst>
+              <a:ext uri="{FF2B5EF4-FFF2-40B4-BE49-F238E27FC236}">
+                <a16:creationId xmlns:a16="http://schemas.microsoft.com/office/drawing/2014/main" id="{181F9B20-C6C0-38AB-DFF7-252391A18591}"/>
+              </a:ext>
+            </a:extLst>
+          </p:cNvPr>
+          <p:cNvSpPr>
+            <a:spLocks noGrp="1"/>
+          </p:cNvSpPr>
+          <p:nvPr>
+            <p:ph idx="1"/>
+          </p:nvPr>
+        </p:nvSpPr>
+        <p:spPr/>
+        <p:txBody>
           <a:bodyPr/>
           <a:lstStyle/>
           <a:p>
-            <a:r>
-              <a:rPr lang="en-GB" dirty="0"/>
-              <a:t>Perform Data Operations:</a:t>
-            </a:r>
+            <a:endParaRPr lang="en-GB"/>
           </a:p>
         </p:txBody>
       </p:sp>
@@ -9861,7 +9907,7 @@
           <p:cNvPr id="4" name="Picture 3">
             <a:extLst>
               <a:ext uri="{FF2B5EF4-FFF2-40B4-BE49-F238E27FC236}">
-                <a16:creationId xmlns:a16="http://schemas.microsoft.com/office/drawing/2014/main" id="{D7B22991-641B-C7A8-165C-75BB44A16D9A}"/>
+                <a16:creationId xmlns:a16="http://schemas.microsoft.com/office/drawing/2014/main" id="{C9F7FEFC-1926-1B55-8860-EBAC938E5F49}"/>
               </a:ext>
             </a:extLst>
           </p:cNvPr>
@@ -9878,8 +9924,8 @@
         </p:blipFill>
         <p:spPr>
           <a:xfrm>
-            <a:off x="32421" y="1417637"/>
-            <a:ext cx="12188825" cy="5427273"/>
+            <a:off x="262488" y="1567632"/>
+            <a:ext cx="11663848" cy="5112568"/>
           </a:xfrm>
           <a:prstGeom prst="rect">
             <a:avLst/>
@@ -9889,7 +9935,7 @@
     </p:spTree>
     <p:extLst>
       <p:ext uri="{BB962C8B-B14F-4D97-AF65-F5344CB8AC3E}">
-        <p14:creationId xmlns:p14="http://schemas.microsoft.com/office/powerpoint/2010/main" val="1094235022"/>
+        <p14:creationId xmlns:p14="http://schemas.microsoft.com/office/powerpoint/2010/main" val="738016843"/>
       </p:ext>
     </p:extLst>
   </p:cSld>
@@ -9928,12 +9974,40 @@
           <a:chExt cx="0" cy="0"/>
         </a:xfrm>
       </p:grpSpPr>
+      <p:sp>
+        <p:nvSpPr>
+          <p:cNvPr id="2" name="Title 1">
+            <a:extLst>
+              <a:ext uri="{FF2B5EF4-FFF2-40B4-BE49-F238E27FC236}">
+                <a16:creationId xmlns:a16="http://schemas.microsoft.com/office/drawing/2014/main" id="{BB1AFFC9-40CD-B756-7D8B-CFB586F00279}"/>
+              </a:ext>
+            </a:extLst>
+          </p:cNvPr>
+          <p:cNvSpPr>
+            <a:spLocks noGrp="1"/>
+          </p:cNvSpPr>
+          <p:nvPr>
+            <p:ph type="title"/>
+          </p:nvPr>
+        </p:nvSpPr>
+        <p:spPr/>
+        <p:txBody>
+          <a:bodyPr/>
+          <a:lstStyle/>
+          <a:p>
+            <a:r>
+              <a:rPr lang="en-GB" dirty="0"/>
+              <a:t>Perform Data Operations:</a:t>
+            </a:r>
+          </a:p>
+        </p:txBody>
+      </p:sp>
       <p:pic>
         <p:nvPicPr>
-          <p:cNvPr id="3" name="Picture 2">
+          <p:cNvPr id="4" name="Picture 3">
             <a:extLst>
               <a:ext uri="{FF2B5EF4-FFF2-40B4-BE49-F238E27FC236}">
-                <a16:creationId xmlns:a16="http://schemas.microsoft.com/office/drawing/2014/main" id="{7D5F44C3-8168-366C-037F-D71C91026F29}"/>
+                <a16:creationId xmlns:a16="http://schemas.microsoft.com/office/drawing/2014/main" id="{D7B22991-641B-C7A8-165C-75BB44A16D9A}"/>
               </a:ext>
             </a:extLst>
           </p:cNvPr>
@@ -9943,64 +10017,25 @@
           <p:nvPr/>
         </p:nvPicPr>
         <p:blipFill>
-          <a:blip r:embed="rId3"/>
+          <a:blip r:embed="rId2"/>
           <a:stretch>
             <a:fillRect/>
           </a:stretch>
         </p:blipFill>
         <p:spPr>
           <a:xfrm>
-            <a:off x="1479" y="1354212"/>
-            <a:ext cx="12071076" cy="5474408"/>
+            <a:off x="32421" y="1417637"/>
+            <a:ext cx="12188825" cy="5427273"/>
           </a:xfrm>
           <a:prstGeom prst="rect">
             <a:avLst/>
           </a:prstGeom>
         </p:spPr>
       </p:pic>
-      <p:sp>
-        <p:nvSpPr>
-          <p:cNvPr id="4" name="TextBox 3">
-            <a:extLst>
-              <a:ext uri="{FF2B5EF4-FFF2-40B4-BE49-F238E27FC236}">
-                <a16:creationId xmlns:a16="http://schemas.microsoft.com/office/drawing/2014/main" id="{376B4393-7A83-C0FC-1457-BEFED7F054BA}"/>
-              </a:ext>
-            </a:extLst>
-          </p:cNvPr>
-          <p:cNvSpPr txBox="1"/>
-          <p:nvPr/>
-        </p:nvSpPr>
-        <p:spPr>
-          <a:xfrm>
-            <a:off x="981844" y="620688"/>
-            <a:ext cx="7180130" cy="646331"/>
-          </a:xfrm>
-          <a:prstGeom prst="rect">
-            <a:avLst/>
-          </a:prstGeom>
-          <a:noFill/>
-        </p:spPr>
-        <p:txBody>
-          <a:bodyPr wrap="square">
-            <a:spAutoFit/>
-          </a:bodyPr>
-          <a:lstStyle/>
-          <a:p>
-            <a:r>
-              <a:rPr lang="en-GB" sz="3600" dirty="0"/>
-              <a:t>Configure Cluster Settings</a:t>
-            </a:r>
-            <a:r>
-              <a:rPr lang="en-GB" dirty="0"/>
-              <a:t>:</a:t>
-            </a:r>
-          </a:p>
-        </p:txBody>
-      </p:sp>
     </p:spTree>
     <p:extLst>
       <p:ext uri="{BB962C8B-B14F-4D97-AF65-F5344CB8AC3E}">
-        <p14:creationId xmlns:p14="http://schemas.microsoft.com/office/powerpoint/2010/main" val="4022862849"/>
+        <p14:creationId xmlns:p14="http://schemas.microsoft.com/office/powerpoint/2010/main" val="1094235022"/>
       </p:ext>
     </p:extLst>
   </p:cSld>
@@ -10039,75 +10074,12 @@
           <a:chExt cx="0" cy="0"/>
         </a:xfrm>
       </p:grpSpPr>
-      <p:sp>
-        <p:nvSpPr>
-          <p:cNvPr id="2" name="Title 1">
+      <p:pic>
+        <p:nvPicPr>
+          <p:cNvPr id="3" name="Picture 2">
             <a:extLst>
               <a:ext uri="{FF2B5EF4-FFF2-40B4-BE49-F238E27FC236}">
-                <a16:creationId xmlns:a16="http://schemas.microsoft.com/office/drawing/2014/main" id="{BB1AFFC9-40CD-B756-7D8B-CFB586F00279}"/>
-              </a:ext>
-            </a:extLst>
-          </p:cNvPr>
-          <p:cNvSpPr>
-            <a:spLocks noGrp="1"/>
-          </p:cNvSpPr>
-          <p:nvPr>
-            <p:ph type="title"/>
-          </p:nvPr>
-        </p:nvSpPr>
-        <p:spPr>
-          <a:xfrm>
-            <a:off x="1485900" y="177800"/>
-            <a:ext cx="9890337" cy="785663"/>
-          </a:xfrm>
-        </p:spPr>
-        <p:txBody>
-          <a:bodyPr/>
-          <a:lstStyle/>
-          <a:p>
-            <a:r>
-              <a:rPr lang="en-GB" dirty="0"/>
-              <a:t>Real-Time Data Processing with Kafka</a:t>
-            </a:r>
-          </a:p>
-        </p:txBody>
-      </p:sp>
-      <p:pic>
-        <p:nvPicPr>
-          <p:cNvPr id="6" name="Picture 5">
-            <a:extLst>
-              <a:ext uri="{FF2B5EF4-FFF2-40B4-BE49-F238E27FC236}">
-                <a16:creationId xmlns:a16="http://schemas.microsoft.com/office/drawing/2014/main" id="{00640F36-A5CD-85F9-1891-68A278E34E45}"/>
-              </a:ext>
-            </a:extLst>
-          </p:cNvPr>
-          <p:cNvPicPr>
-            <a:picLocks noChangeAspect="1"/>
-          </p:cNvPicPr>
-          <p:nvPr/>
-        </p:nvPicPr>
-        <p:blipFill>
-          <a:blip r:embed="rId2"/>
-          <a:stretch>
-            <a:fillRect/>
-          </a:stretch>
-        </p:blipFill>
-        <p:spPr>
-          <a:xfrm>
-            <a:off x="513792" y="1340769"/>
-            <a:ext cx="11161240" cy="1296144"/>
-          </a:xfrm>
-          <a:prstGeom prst="rect">
-            <a:avLst/>
-          </a:prstGeom>
-        </p:spPr>
-      </p:pic>
-      <p:pic>
-        <p:nvPicPr>
-          <p:cNvPr id="8" name="Picture 7">
-            <a:extLst>
-              <a:ext uri="{FF2B5EF4-FFF2-40B4-BE49-F238E27FC236}">
-                <a16:creationId xmlns:a16="http://schemas.microsoft.com/office/drawing/2014/main" id="{BF68C6A3-A37B-C2AB-ACE0-52519D6F8BCE}"/>
+                <a16:creationId xmlns:a16="http://schemas.microsoft.com/office/drawing/2014/main" id="{7D5F44C3-8168-366C-037F-D71C91026F29}"/>
               </a:ext>
             </a:extLst>
           </p:cNvPr>
@@ -10124,78 +10096,57 @@
         </p:blipFill>
         <p:spPr>
           <a:xfrm>
-            <a:off x="469512" y="2636911"/>
-            <a:ext cx="11190176" cy="1584177"/>
+            <a:off x="1479" y="1354212"/>
+            <a:ext cx="12071076" cy="5474408"/>
           </a:xfrm>
           <a:prstGeom prst="rect">
             <a:avLst/>
           </a:prstGeom>
         </p:spPr>
       </p:pic>
-      <p:pic>
-        <p:nvPicPr>
-          <p:cNvPr id="10" name="Picture 9">
+      <p:sp>
+        <p:nvSpPr>
+          <p:cNvPr id="4" name="TextBox 3">
             <a:extLst>
               <a:ext uri="{FF2B5EF4-FFF2-40B4-BE49-F238E27FC236}">
-                <a16:creationId xmlns:a16="http://schemas.microsoft.com/office/drawing/2014/main" id="{672A1663-7D90-902E-7E72-049F9575262A}"/>
+                <a16:creationId xmlns:a16="http://schemas.microsoft.com/office/drawing/2014/main" id="{376B4393-7A83-C0FC-1457-BEFED7F054BA}"/>
               </a:ext>
             </a:extLst>
           </p:cNvPr>
-          <p:cNvPicPr>
-            <a:picLocks noChangeAspect="1"/>
-          </p:cNvPicPr>
+          <p:cNvSpPr txBox="1"/>
           <p:nvPr/>
-        </p:nvPicPr>
-        <p:blipFill>
-          <a:blip r:embed="rId4"/>
-          <a:stretch>
-            <a:fillRect/>
-          </a:stretch>
-        </p:blipFill>
+        </p:nvSpPr>
         <p:spPr>
           <a:xfrm>
-            <a:off x="467770" y="4221089"/>
-            <a:ext cx="11161240" cy="1102372"/>
+            <a:off x="981844" y="620688"/>
+            <a:ext cx="7180130" cy="646331"/>
           </a:xfrm>
           <a:prstGeom prst="rect">
             <a:avLst/>
           </a:prstGeom>
-        </p:spPr>
-      </p:pic>
-      <p:pic>
-        <p:nvPicPr>
-          <p:cNvPr id="12" name="Picture 11">
-            <a:extLst>
-              <a:ext uri="{FF2B5EF4-FFF2-40B4-BE49-F238E27FC236}">
-                <a16:creationId xmlns:a16="http://schemas.microsoft.com/office/drawing/2014/main" id="{68CD620A-A59D-D70B-4E75-712411B1C047}"/>
-              </a:ext>
-            </a:extLst>
-          </p:cNvPr>
-          <p:cNvPicPr>
-            <a:picLocks noChangeAspect="1"/>
-          </p:cNvPicPr>
-          <p:nvPr/>
-        </p:nvPicPr>
-        <p:blipFill>
-          <a:blip r:embed="rId5"/>
-          <a:stretch>
-            <a:fillRect/>
-          </a:stretch>
-        </p:blipFill>
-        <p:spPr>
-          <a:xfrm>
-            <a:off x="484856" y="5302499"/>
-            <a:ext cx="11121832" cy="1694411"/>
-          </a:xfrm>
-          <a:prstGeom prst="rect">
-            <a:avLst/>
-          </a:prstGeom>
-        </p:spPr>
-      </p:pic>
+          <a:noFill/>
+        </p:spPr>
+        <p:txBody>
+          <a:bodyPr wrap="square">
+            <a:spAutoFit/>
+          </a:bodyPr>
+          <a:lstStyle/>
+          <a:p>
+            <a:r>
+              <a:rPr lang="en-GB" sz="3600" dirty="0"/>
+              <a:t>Configure Cluster Settings</a:t>
+            </a:r>
+            <a:r>
+              <a:rPr lang="en-GB" dirty="0"/>
+              <a:t>:</a:t>
+            </a:r>
+          </a:p>
+        </p:txBody>
+      </p:sp>
     </p:spTree>
     <p:extLst>
       <p:ext uri="{BB962C8B-B14F-4D97-AF65-F5344CB8AC3E}">
-        <p14:creationId xmlns:p14="http://schemas.microsoft.com/office/powerpoint/2010/main" val="2688935908"/>
+        <p14:creationId xmlns:p14="http://schemas.microsoft.com/office/powerpoint/2010/main" val="4022862849"/>
       </p:ext>
     </p:extLst>
   </p:cSld>
@@ -10500,6 +10451,201 @@
 </file>
 
 <file path=ppt/slides/slide20.xml><?xml version="1.0" encoding="utf-8"?>
+<p:sld xmlns:a="http://schemas.openxmlformats.org/drawingml/2006/main" xmlns:r="http://schemas.openxmlformats.org/officeDocument/2006/relationships" xmlns:p="http://schemas.openxmlformats.org/presentationml/2006/main">
+  <p:cSld>
+    <p:spTree>
+      <p:nvGrpSpPr>
+        <p:cNvPr id="1" name=""/>
+        <p:cNvGrpSpPr/>
+        <p:nvPr/>
+      </p:nvGrpSpPr>
+      <p:grpSpPr>
+        <a:xfrm>
+          <a:off x="0" y="0"/>
+          <a:ext cx="0" cy="0"/>
+          <a:chOff x="0" y="0"/>
+          <a:chExt cx="0" cy="0"/>
+        </a:xfrm>
+      </p:grpSpPr>
+      <p:sp>
+        <p:nvSpPr>
+          <p:cNvPr id="2" name="Title 1">
+            <a:extLst>
+              <a:ext uri="{FF2B5EF4-FFF2-40B4-BE49-F238E27FC236}">
+                <a16:creationId xmlns:a16="http://schemas.microsoft.com/office/drawing/2014/main" id="{BB1AFFC9-40CD-B756-7D8B-CFB586F00279}"/>
+              </a:ext>
+            </a:extLst>
+          </p:cNvPr>
+          <p:cNvSpPr>
+            <a:spLocks noGrp="1"/>
+          </p:cNvSpPr>
+          <p:nvPr>
+            <p:ph type="title"/>
+          </p:nvPr>
+        </p:nvSpPr>
+        <p:spPr>
+          <a:xfrm>
+            <a:off x="1485900" y="177800"/>
+            <a:ext cx="9890337" cy="785663"/>
+          </a:xfrm>
+        </p:spPr>
+        <p:txBody>
+          <a:bodyPr/>
+          <a:lstStyle/>
+          <a:p>
+            <a:r>
+              <a:rPr lang="en-GB" dirty="0"/>
+              <a:t>Real-Time Data Processing with Kafka</a:t>
+            </a:r>
+          </a:p>
+        </p:txBody>
+      </p:sp>
+      <p:pic>
+        <p:nvPicPr>
+          <p:cNvPr id="6" name="Picture 5">
+            <a:extLst>
+              <a:ext uri="{FF2B5EF4-FFF2-40B4-BE49-F238E27FC236}">
+                <a16:creationId xmlns:a16="http://schemas.microsoft.com/office/drawing/2014/main" id="{00640F36-A5CD-85F9-1891-68A278E34E45}"/>
+              </a:ext>
+            </a:extLst>
+          </p:cNvPr>
+          <p:cNvPicPr>
+            <a:picLocks noChangeAspect="1"/>
+          </p:cNvPicPr>
+          <p:nvPr/>
+        </p:nvPicPr>
+        <p:blipFill>
+          <a:blip r:embed="rId2"/>
+          <a:stretch>
+            <a:fillRect/>
+          </a:stretch>
+        </p:blipFill>
+        <p:spPr>
+          <a:xfrm>
+            <a:off x="513792" y="1340769"/>
+            <a:ext cx="11161240" cy="1296144"/>
+          </a:xfrm>
+          <a:prstGeom prst="rect">
+            <a:avLst/>
+          </a:prstGeom>
+        </p:spPr>
+      </p:pic>
+      <p:pic>
+        <p:nvPicPr>
+          <p:cNvPr id="8" name="Picture 7">
+            <a:extLst>
+              <a:ext uri="{FF2B5EF4-FFF2-40B4-BE49-F238E27FC236}">
+                <a16:creationId xmlns:a16="http://schemas.microsoft.com/office/drawing/2014/main" id="{BF68C6A3-A37B-C2AB-ACE0-52519D6F8BCE}"/>
+              </a:ext>
+            </a:extLst>
+          </p:cNvPr>
+          <p:cNvPicPr>
+            <a:picLocks noChangeAspect="1"/>
+          </p:cNvPicPr>
+          <p:nvPr/>
+        </p:nvPicPr>
+        <p:blipFill>
+          <a:blip r:embed="rId3"/>
+          <a:stretch>
+            <a:fillRect/>
+          </a:stretch>
+        </p:blipFill>
+        <p:spPr>
+          <a:xfrm>
+            <a:off x="469512" y="2636911"/>
+            <a:ext cx="11190176" cy="1584177"/>
+          </a:xfrm>
+          <a:prstGeom prst="rect">
+            <a:avLst/>
+          </a:prstGeom>
+        </p:spPr>
+      </p:pic>
+      <p:pic>
+        <p:nvPicPr>
+          <p:cNvPr id="10" name="Picture 9">
+            <a:extLst>
+              <a:ext uri="{FF2B5EF4-FFF2-40B4-BE49-F238E27FC236}">
+                <a16:creationId xmlns:a16="http://schemas.microsoft.com/office/drawing/2014/main" id="{672A1663-7D90-902E-7E72-049F9575262A}"/>
+              </a:ext>
+            </a:extLst>
+          </p:cNvPr>
+          <p:cNvPicPr>
+            <a:picLocks noChangeAspect="1"/>
+          </p:cNvPicPr>
+          <p:nvPr/>
+        </p:nvPicPr>
+        <p:blipFill>
+          <a:blip r:embed="rId4"/>
+          <a:stretch>
+            <a:fillRect/>
+          </a:stretch>
+        </p:blipFill>
+        <p:spPr>
+          <a:xfrm>
+            <a:off x="467770" y="4221089"/>
+            <a:ext cx="11161240" cy="1102372"/>
+          </a:xfrm>
+          <a:prstGeom prst="rect">
+            <a:avLst/>
+          </a:prstGeom>
+        </p:spPr>
+      </p:pic>
+      <p:pic>
+        <p:nvPicPr>
+          <p:cNvPr id="12" name="Picture 11">
+            <a:extLst>
+              <a:ext uri="{FF2B5EF4-FFF2-40B4-BE49-F238E27FC236}">
+                <a16:creationId xmlns:a16="http://schemas.microsoft.com/office/drawing/2014/main" id="{68CD620A-A59D-D70B-4E75-712411B1C047}"/>
+              </a:ext>
+            </a:extLst>
+          </p:cNvPr>
+          <p:cNvPicPr>
+            <a:picLocks noChangeAspect="1"/>
+          </p:cNvPicPr>
+          <p:nvPr/>
+        </p:nvPicPr>
+        <p:blipFill>
+          <a:blip r:embed="rId5"/>
+          <a:stretch>
+            <a:fillRect/>
+          </a:stretch>
+        </p:blipFill>
+        <p:spPr>
+          <a:xfrm>
+            <a:off x="484856" y="5302499"/>
+            <a:ext cx="11121832" cy="1694411"/>
+          </a:xfrm>
+          <a:prstGeom prst="rect">
+            <a:avLst/>
+          </a:prstGeom>
+        </p:spPr>
+      </p:pic>
+    </p:spTree>
+    <p:extLst>
+      <p:ext uri="{BB962C8B-B14F-4D97-AF65-F5344CB8AC3E}">
+        <p14:creationId xmlns:p14="http://schemas.microsoft.com/office/powerpoint/2010/main" val="2688935908"/>
+      </p:ext>
+    </p:extLst>
+  </p:cSld>
+  <p:clrMapOvr>
+    <a:masterClrMapping/>
+  </p:clrMapOvr>
+  <mc:AlternateContent xmlns:mc="http://schemas.openxmlformats.org/markup-compatibility/2006" xmlns:p14="http://schemas.microsoft.com/office/powerpoint/2010/main">
+    <mc:Choice Requires="p14">
+      <p:transition spd="med" p14:dur="700">
+        <p:fade/>
+      </p:transition>
+    </mc:Choice>
+    <mc:Fallback xmlns="">
+      <p:transition spd="med">
+        <p:fade/>
+      </p:transition>
+    </mc:Fallback>
+  </mc:AlternateContent>
+</p:sld>
+</file>
+
+<file path=ppt/slides/slide21.xml><?xml version="1.0" encoding="utf-8"?>
 <p:sld xmlns:a="http://schemas.openxmlformats.org/drawingml/2006/main" xmlns:r="http://schemas.openxmlformats.org/officeDocument/2006/relationships" xmlns:p="http://schemas.openxmlformats.org/presentationml/2006/main">
   <p:cSld>
     <p:spTree>
@@ -11256,7 +11402,12 @@
             <p:ph type="title"/>
           </p:nvPr>
         </p:nvSpPr>
-        <p:spPr/>
+        <p:spPr>
+          <a:xfrm>
+            <a:off x="1629916" y="177801"/>
+            <a:ext cx="9746321" cy="874936"/>
+          </a:xfrm>
+        </p:spPr>
         <p:txBody>
           <a:bodyPr/>
           <a:lstStyle/>
@@ -11286,8 +11437,8 @@
         </p:nvSpPr>
         <p:spPr bwMode="auto">
           <a:xfrm>
-            <a:off x="1269876" y="1501907"/>
-            <a:ext cx="10513168" cy="5324535"/>
+            <a:off x="1269876" y="1081550"/>
+            <a:ext cx="10513168" cy="5632311"/>
           </a:xfrm>
           <a:prstGeom prst="rect">
             <a:avLst/>
@@ -11506,24 +11657,6 @@
               </a:rPr>
               <a:t>Spark SQL for structured data queries, </a:t>
             </a:r>
-          </a:p>
-          <a:p>
-            <a:pPr marL="0" marR="0" lvl="0" indent="0" algn="l" defTabSz="914400" rtl="0" eaLnBrk="0" fontAlgn="base" latinLnBrk="0" hangingPunct="0">
-              <a:lnSpc>
-                <a:spcPct val="100000"/>
-              </a:lnSpc>
-              <a:spcBef>
-                <a:spcPct val="0"/>
-              </a:spcBef>
-              <a:spcAft>
-                <a:spcPct val="0"/>
-              </a:spcAft>
-              <a:buClrTx/>
-              <a:buSzTx/>
-              <a:buFontTx/>
-              <a:buChar char="•"/>
-              <a:tabLst/>
-            </a:pPr>
             <a:r>
               <a:rPr kumimoji="0" lang="en-US" altLang="en-US" sz="2000" b="0" i="0" u="none" strike="noStrike" cap="none" normalizeH="0" baseline="0" dirty="0" err="1">
                 <a:ln>
@@ -11869,14 +12002,58 @@
               <a:buChar char="•"/>
               <a:tabLst/>
             </a:pPr>
-            <a:endParaRPr kumimoji="0" lang="en-US" altLang="en-US" sz="2000" b="0" i="0" u="none" strike="noStrike" cap="none" normalizeH="0" baseline="0" dirty="0">
-              <a:ln>
-                <a:noFill/>
-              </a:ln>
-              <a:solidFill>
-                <a:schemeClr val="tx1"/>
-              </a:solidFill>
-              <a:effectLst/>
+            <a:endParaRPr lang="en-US" altLang="en-US" sz="2000" dirty="0">
+              <a:latin typeface="Arial" panose="020B0604020202020204" pitchFamily="34" charset="0"/>
+            </a:endParaRPr>
+          </a:p>
+          <a:p>
+            <a:pPr marL="0" marR="0" lvl="0" indent="0" algn="l" defTabSz="914400" rtl="0" eaLnBrk="0" fontAlgn="base" latinLnBrk="0" hangingPunct="0">
+              <a:lnSpc>
+                <a:spcPct val="100000"/>
+              </a:lnSpc>
+              <a:spcBef>
+                <a:spcPct val="0"/>
+              </a:spcBef>
+              <a:spcAft>
+                <a:spcPct val="0"/>
+              </a:spcAft>
+              <a:buClrTx/>
+              <a:buSzTx/>
+              <a:buFontTx/>
+              <a:buChar char="•"/>
+              <a:tabLst/>
+            </a:pPr>
+            <a:r>
+              <a:rPr lang="en-GB" sz="2000" b="1" dirty="0">
+                <a:latin typeface="Arial" panose="020B0604020202020204" pitchFamily="34" charset="0"/>
+              </a:rPr>
+              <a:t>Miro: </a:t>
+            </a:r>
+            <a:r>
+              <a:rPr lang="en-GB" sz="2000" dirty="0">
+                <a:latin typeface="Arial" panose="020B0604020202020204" pitchFamily="34" charset="0"/>
+              </a:rPr>
+              <a:t>Visual Collaboration</a:t>
+            </a:r>
+          </a:p>
+          <a:p>
+            <a:pPr marL="0" marR="0" lvl="0" indent="0" algn="l" defTabSz="914400" rtl="0" eaLnBrk="0" fontAlgn="base" latinLnBrk="0" hangingPunct="0">
+              <a:lnSpc>
+                <a:spcPct val="100000"/>
+              </a:lnSpc>
+              <a:spcBef>
+                <a:spcPct val="0"/>
+              </a:spcBef>
+              <a:spcAft>
+                <a:spcPct val="0"/>
+              </a:spcAft>
+              <a:buClrTx/>
+              <a:buSzTx/>
+              <a:buFontTx/>
+              <a:buChar char="•"/>
+              <a:tabLst/>
+            </a:pPr>
+            <a:endParaRPr lang="en-US" altLang="en-US" sz="2000" dirty="0">
               <a:latin typeface="Arial" panose="020B0604020202020204" pitchFamily="34" charset="0"/>
             </a:endParaRPr>
           </a:p>
@@ -12092,7 +12269,7 @@
           <p:cNvPr id="2" name="Title 1">
             <a:extLst>
               <a:ext uri="{FF2B5EF4-FFF2-40B4-BE49-F238E27FC236}">
-                <a16:creationId xmlns:a16="http://schemas.microsoft.com/office/drawing/2014/main" id="{6AABA531-6D06-6E44-A5B9-EE8CE56C1ADF}"/>
+                <a16:creationId xmlns:a16="http://schemas.microsoft.com/office/drawing/2014/main" id="{9987B5D7-A5E2-B2CB-3936-E74AD793C70E}"/>
               </a:ext>
             </a:extLst>
           </p:cNvPr>
@@ -12103,24 +12280,31 @@
             <p:ph type="title"/>
           </p:nvPr>
         </p:nvSpPr>
-        <p:spPr/>
-        <p:txBody>
-          <a:bodyPr/>
+        <p:spPr>
+          <a:xfrm>
+            <a:off x="1593436" y="177801"/>
+            <a:ext cx="9782801" cy="507999"/>
+          </a:xfrm>
+        </p:spPr>
+        <p:txBody>
+          <a:bodyPr>
+            <a:normAutofit fontScale="90000"/>
+          </a:bodyPr>
           <a:lstStyle/>
           <a:p>
             <a:r>
-              <a:rPr lang="en-GB" b="1" dirty="0"/>
-              <a:t>Data Processing with MapReduce (Hadoop)</a:t>
-            </a:r>
-          </a:p>
-        </p:txBody>
-      </p:sp>
-      <p:sp>
-        <p:nvSpPr>
-          <p:cNvPr id="3" name="Content Placeholder 2">
+              <a:rPr lang="en-GB" dirty="0"/>
+              <a:t>Workflow </a:t>
+            </a:r>
+          </a:p>
+        </p:txBody>
+      </p:sp>
+      <p:sp>
+        <p:nvSpPr>
+          <p:cNvPr id="11" name="Content Placeholder 10">
             <a:extLst>
               <a:ext uri="{FF2B5EF4-FFF2-40B4-BE49-F238E27FC236}">
-                <a16:creationId xmlns:a16="http://schemas.microsoft.com/office/drawing/2014/main" id="{000836EF-339B-686A-B7F4-405755C98EE9}"/>
+                <a16:creationId xmlns:a16="http://schemas.microsoft.com/office/drawing/2014/main" id="{7EE2F4C0-7806-AAD3-D9A0-79FEB7C185B5}"/>
               </a:ext>
             </a:extLst>
           </p:cNvPr>
@@ -12131,121 +12315,49 @@
             <p:ph idx="1"/>
           </p:nvPr>
         </p:nvSpPr>
+        <p:spPr/>
+        <p:txBody>
+          <a:bodyPr/>
+          <a:lstStyle/>
+          <a:p>
+            <a:endParaRPr lang="en-GB"/>
+          </a:p>
+        </p:txBody>
+      </p:sp>
+      <p:pic>
+        <p:nvPicPr>
+          <p:cNvPr id="13" name="Picture 12">
+            <a:extLst>
+              <a:ext uri="{FF2B5EF4-FFF2-40B4-BE49-F238E27FC236}">
+                <a16:creationId xmlns:a16="http://schemas.microsoft.com/office/drawing/2014/main" id="{0A1DFDD6-B448-BE42-2BCD-9FE5488558AD}"/>
+              </a:ext>
+            </a:extLst>
+          </p:cNvPr>
+          <p:cNvPicPr>
+            <a:picLocks noChangeAspect="1"/>
+          </p:cNvPicPr>
+          <p:nvPr/>
+        </p:nvPicPr>
+        <p:blipFill>
+          <a:blip r:embed="rId2"/>
+          <a:stretch>
+            <a:fillRect/>
+          </a:stretch>
+        </p:blipFill>
         <p:spPr>
           <a:xfrm>
-            <a:off x="1341884" y="1600200"/>
-            <a:ext cx="10297144" cy="4572000"/>
-          </a:xfrm>
-        </p:spPr>
-        <p:txBody>
-          <a:bodyPr>
-            <a:normAutofit fontScale="92500"/>
-          </a:bodyPr>
-          <a:lstStyle/>
-          <a:p>
-            <a:pPr marL="0" indent="0">
-              <a:buNone/>
-            </a:pPr>
-            <a:r>
-              <a:rPr lang="en-GB" b="1" dirty="0"/>
-              <a:t>Purpose:</a:t>
-            </a:r>
-          </a:p>
-          <a:p>
-            <a:r>
-              <a:rPr lang="en-GB" b="1" dirty="0"/>
-              <a:t>Initial Data Processing at Scale:</a:t>
-            </a:r>
-            <a:r>
-              <a:rPr lang="en-GB" dirty="0"/>
-              <a:t> process large datasets by distributing the workload across multiple node.</a:t>
-            </a:r>
-          </a:p>
-          <a:p>
-            <a:r>
-              <a:rPr lang="en-GB" b="1" dirty="0"/>
-              <a:t>Data processing :</a:t>
-            </a:r>
-            <a:r>
-              <a:rPr lang="en-GB" dirty="0"/>
-              <a:t>cleaning, transforming , aggregating raw data</a:t>
-            </a:r>
-          </a:p>
-          <a:p>
-            <a:r>
-              <a:rPr lang="en-GB" b="1" dirty="0"/>
-              <a:t>Batch Processing</a:t>
-            </a:r>
-          </a:p>
-          <a:p>
-            <a:pPr marL="0" indent="0">
-              <a:buNone/>
-            </a:pPr>
-            <a:r>
-              <a:rPr lang="en-GB" b="1" dirty="0"/>
-              <a:t>Benefits:</a:t>
-            </a:r>
-            <a:endParaRPr lang="en-GB" dirty="0"/>
-          </a:p>
-          <a:p>
-            <a:pPr>
-              <a:buFont typeface="Arial" panose="020B0604020202020204" pitchFamily="34" charset="0"/>
-              <a:buChar char="•"/>
-            </a:pPr>
-            <a:r>
-              <a:rPr lang="en-GB" b="1" dirty="0"/>
-              <a:t>Scalability:</a:t>
-            </a:r>
-            <a:r>
-              <a:rPr lang="en-GB" dirty="0"/>
-              <a:t> Can handle massive volumes of data.</a:t>
-            </a:r>
-          </a:p>
-          <a:p>
-            <a:pPr>
-              <a:buFont typeface="Arial" panose="020B0604020202020204" pitchFamily="34" charset="0"/>
-              <a:buChar char="•"/>
-            </a:pPr>
-            <a:r>
-              <a:rPr lang="en-GB" b="1" dirty="0"/>
-              <a:t>Fault Tolerance:</a:t>
-            </a:r>
-            <a:r>
-              <a:rPr lang="en-GB" dirty="0"/>
-              <a:t> fault tolerance mechanisms node failures.</a:t>
-            </a:r>
-          </a:p>
-          <a:p>
-            <a:pPr>
-              <a:buFont typeface="Arial" panose="020B0604020202020204" pitchFamily="34" charset="0"/>
-              <a:buChar char="•"/>
-            </a:pPr>
-            <a:r>
-              <a:rPr lang="en-GB" b="1" dirty="0"/>
-              <a:t>Integration with </a:t>
-            </a:r>
-            <a:r>
-              <a:rPr lang="en-GB" b="1" dirty="0" err="1"/>
-              <a:t>HDF:</a:t>
-            </a:r>
-            <a:r>
-              <a:rPr lang="en-GB" dirty="0" err="1"/>
-              <a:t>efficient</a:t>
-            </a:r>
-            <a:r>
-              <a:rPr lang="en-GB" dirty="0"/>
-              <a:t> data storage and retrieval.</a:t>
-            </a:r>
-          </a:p>
-          <a:p>
-            <a:endParaRPr lang="en-GB" dirty="0"/>
-          </a:p>
-        </p:txBody>
-      </p:sp>
+            <a:off x="1197868" y="908720"/>
+            <a:ext cx="10729192" cy="5949280"/>
+          </a:xfrm>
+          <a:prstGeom prst="rect">
+            <a:avLst/>
+          </a:prstGeom>
+        </p:spPr>
+      </p:pic>
     </p:spTree>
     <p:extLst>
       <p:ext uri="{BB962C8B-B14F-4D97-AF65-F5344CB8AC3E}">
-        <p14:creationId xmlns:p14="http://schemas.microsoft.com/office/powerpoint/2010/main" val="3047160029"/>
+        <p14:creationId xmlns:p14="http://schemas.microsoft.com/office/powerpoint/2010/main" val="2472180548"/>
       </p:ext>
     </p:extLst>
   </p:cSld>
@@ -12289,7 +12401,7 @@
           <p:cNvPr id="2" name="Title 1">
             <a:extLst>
               <a:ext uri="{FF2B5EF4-FFF2-40B4-BE49-F238E27FC236}">
-                <a16:creationId xmlns:a16="http://schemas.microsoft.com/office/drawing/2014/main" id="{909D870C-EAC7-99BC-5927-D5ED5128C45B}"/>
+                <a16:creationId xmlns:a16="http://schemas.microsoft.com/office/drawing/2014/main" id="{6AABA531-6D06-6E44-A5B9-EE8CE56C1ADF}"/>
               </a:ext>
             </a:extLst>
           </p:cNvPr>
@@ -12300,127 +12412,149 @@
             <p:ph type="title"/>
           </p:nvPr>
         </p:nvSpPr>
-        <p:spPr>
-          <a:xfrm>
-            <a:off x="636059" y="-321478"/>
-            <a:ext cx="11577275" cy="1311845"/>
-          </a:xfrm>
-        </p:spPr>
+        <p:spPr/>
         <p:txBody>
           <a:bodyPr/>
           <a:lstStyle/>
           <a:p>
             <a:r>
-              <a:rPr lang="en-GB" dirty="0"/>
-              <a:t>    MapReduce Task1 (</a:t>
-            </a:r>
-            <a:r>
-              <a:rPr lang="en-GB" dirty="0" err="1"/>
-              <a:t>dominant_emotion</a:t>
-            </a:r>
-            <a:r>
-              <a:rPr lang="en-GB" dirty="0"/>
-              <a:t> by gender)</a:t>
-            </a:r>
-          </a:p>
-        </p:txBody>
-      </p:sp>
-      <p:pic>
-        <p:nvPicPr>
-          <p:cNvPr id="5" name="Content Placeholder 4">
+              <a:rPr lang="en-GB" b="1" dirty="0"/>
+              <a:t>Data Processing with MapReduce (Hadoop)</a:t>
+            </a:r>
+          </a:p>
+        </p:txBody>
+      </p:sp>
+      <p:sp>
+        <p:nvSpPr>
+          <p:cNvPr id="3" name="Content Placeholder 2">
             <a:extLst>
               <a:ext uri="{FF2B5EF4-FFF2-40B4-BE49-F238E27FC236}">
-                <a16:creationId xmlns:a16="http://schemas.microsoft.com/office/drawing/2014/main" id="{18FDB7A7-15DE-B606-8817-5BA504BA3E7C}"/>
+                <a16:creationId xmlns:a16="http://schemas.microsoft.com/office/drawing/2014/main" id="{000836EF-339B-686A-B7F4-405755C98EE9}"/>
               </a:ext>
             </a:extLst>
           </p:cNvPr>
-          <p:cNvPicPr>
-            <a:picLocks noGrp="1" noChangeAspect="1"/>
-          </p:cNvPicPr>
+          <p:cNvSpPr>
+            <a:spLocks noGrp="1"/>
+          </p:cNvSpPr>
           <p:nvPr>
             <p:ph idx="1"/>
           </p:nvPr>
-        </p:nvPicPr>
-        <p:blipFill>
-          <a:blip r:embed="rId2"/>
-          <a:stretch>
-            <a:fillRect/>
-          </a:stretch>
-        </p:blipFill>
+        </p:nvSpPr>
         <p:spPr>
           <a:xfrm>
-            <a:off x="24271" y="3429000"/>
-            <a:ext cx="12068878" cy="1944216"/>
-          </a:xfrm>
-          <a:prstGeom prst="rect">
-            <a:avLst/>
-          </a:prstGeom>
-        </p:spPr>
-      </p:pic>
-      <p:pic>
-        <p:nvPicPr>
-          <p:cNvPr id="10" name="Picture 9">
-            <a:extLst>
-              <a:ext uri="{FF2B5EF4-FFF2-40B4-BE49-F238E27FC236}">
-                <a16:creationId xmlns:a16="http://schemas.microsoft.com/office/drawing/2014/main" id="{BCF2A2F3-8F3A-FB72-EDA5-D29075820055}"/>
-              </a:ext>
-            </a:extLst>
-          </p:cNvPr>
-          <p:cNvPicPr>
-            <a:picLocks noChangeAspect="1"/>
-          </p:cNvPicPr>
-          <p:nvPr/>
-        </p:nvPicPr>
-        <p:blipFill>
-          <a:blip r:embed="rId3"/>
-          <a:stretch>
-            <a:fillRect/>
-          </a:stretch>
-        </p:blipFill>
-        <p:spPr>
-          <a:xfrm>
-            <a:off x="24271" y="5373216"/>
-            <a:ext cx="11941938" cy="1644270"/>
-          </a:xfrm>
-          <a:prstGeom prst="rect">
-            <a:avLst/>
-          </a:prstGeom>
-        </p:spPr>
-      </p:pic>
-      <p:pic>
-        <p:nvPicPr>
-          <p:cNvPr id="15" name="Picture 14">
-            <a:extLst>
-              <a:ext uri="{FF2B5EF4-FFF2-40B4-BE49-F238E27FC236}">
-                <a16:creationId xmlns:a16="http://schemas.microsoft.com/office/drawing/2014/main" id="{53EFAEF0-891D-CAF5-6049-4ED0BEB4CD05}"/>
-              </a:ext>
-            </a:extLst>
-          </p:cNvPr>
-          <p:cNvPicPr>
-            <a:picLocks noChangeAspect="1"/>
-          </p:cNvPicPr>
-          <p:nvPr/>
-        </p:nvPicPr>
-        <p:blipFill>
-          <a:blip r:embed="rId4"/>
-          <a:stretch>
-            <a:fillRect/>
-          </a:stretch>
-        </p:blipFill>
-        <p:spPr>
-          <a:xfrm>
-            <a:off x="112950" y="1340769"/>
-            <a:ext cx="11948933" cy="2088232"/>
-          </a:xfrm>
-          <a:prstGeom prst="rect">
-            <a:avLst/>
-          </a:prstGeom>
-        </p:spPr>
-      </p:pic>
+            <a:off x="1341884" y="1600200"/>
+            <a:ext cx="10297144" cy="4572000"/>
+          </a:xfrm>
+        </p:spPr>
+        <p:txBody>
+          <a:bodyPr>
+            <a:normAutofit fontScale="92500"/>
+          </a:bodyPr>
+          <a:lstStyle/>
+          <a:p>
+            <a:pPr marL="0" indent="0">
+              <a:buNone/>
+            </a:pPr>
+            <a:r>
+              <a:rPr lang="en-GB" b="1" dirty="0"/>
+              <a:t>Purpose:</a:t>
+            </a:r>
+          </a:p>
+          <a:p>
+            <a:r>
+              <a:rPr lang="en-GB" b="1" dirty="0"/>
+              <a:t>Initial Data Processing at Scale:</a:t>
+            </a:r>
+            <a:r>
+              <a:rPr lang="en-GB" dirty="0"/>
+              <a:t> process large datasets by distributing the workload across multiple node.</a:t>
+            </a:r>
+          </a:p>
+          <a:p>
+            <a:r>
+              <a:rPr lang="en-GB" b="1" dirty="0"/>
+              <a:t>Data processing :</a:t>
+            </a:r>
+            <a:r>
+              <a:rPr lang="en-GB" dirty="0"/>
+              <a:t>cleaning, transforming , aggregating raw data</a:t>
+            </a:r>
+          </a:p>
+          <a:p>
+            <a:r>
+              <a:rPr lang="en-GB" b="1" dirty="0"/>
+              <a:t>Batch Processing</a:t>
+            </a:r>
+          </a:p>
+          <a:p>
+            <a:pPr marL="0" indent="0">
+              <a:buNone/>
+            </a:pPr>
+            <a:r>
+              <a:rPr lang="en-GB" b="1" dirty="0"/>
+              <a:t>Benefits:</a:t>
+            </a:r>
+            <a:endParaRPr lang="en-GB" dirty="0"/>
+          </a:p>
+          <a:p>
+            <a:pPr>
+              <a:buFont typeface="Arial" panose="020B0604020202020204" pitchFamily="34" charset="0"/>
+              <a:buChar char="•"/>
+            </a:pPr>
+            <a:r>
+              <a:rPr lang="en-GB" b="1" dirty="0"/>
+              <a:t>Scalability:</a:t>
+            </a:r>
+            <a:r>
+              <a:rPr lang="en-GB" dirty="0"/>
+              <a:t> Can handle massive volumes of data.</a:t>
+            </a:r>
+          </a:p>
+          <a:p>
+            <a:pPr>
+              <a:buFont typeface="Arial" panose="020B0604020202020204" pitchFamily="34" charset="0"/>
+              <a:buChar char="•"/>
+            </a:pPr>
+            <a:r>
+              <a:rPr lang="en-GB" b="1" dirty="0"/>
+              <a:t>Fault Tolerance:</a:t>
+            </a:r>
+            <a:r>
+              <a:rPr lang="en-GB" dirty="0"/>
+              <a:t> fault tolerance mechanisms node failures.</a:t>
+            </a:r>
+          </a:p>
+          <a:p>
+            <a:pPr>
+              <a:buFont typeface="Arial" panose="020B0604020202020204" pitchFamily="34" charset="0"/>
+              <a:buChar char="•"/>
+            </a:pPr>
+            <a:r>
+              <a:rPr lang="en-GB" b="1" dirty="0"/>
+              <a:t>Integration with </a:t>
+            </a:r>
+            <a:r>
+              <a:rPr lang="en-GB" b="1" dirty="0" err="1"/>
+              <a:t>HDF:</a:t>
+            </a:r>
+            <a:r>
+              <a:rPr lang="en-GB" dirty="0" err="1"/>
+              <a:t>efficient</a:t>
+            </a:r>
+            <a:r>
+              <a:rPr lang="en-GB" dirty="0"/>
+              <a:t> data storage and retrieval.</a:t>
+            </a:r>
+          </a:p>
+          <a:p>
+            <a:endParaRPr lang="en-GB" dirty="0"/>
+          </a:p>
+        </p:txBody>
+      </p:sp>
     </p:spTree>
     <p:extLst>
       <p:ext uri="{BB962C8B-B14F-4D97-AF65-F5344CB8AC3E}">
-        <p14:creationId xmlns:p14="http://schemas.microsoft.com/office/powerpoint/2010/main" val="144158864"/>
+        <p14:creationId xmlns:p14="http://schemas.microsoft.com/office/powerpoint/2010/main" val="3047160029"/>
       </p:ext>
     </p:extLst>
   </p:cSld>
@@ -12464,7 +12598,7 @@
           <p:cNvPr id="2" name="Title 1">
             <a:extLst>
               <a:ext uri="{FF2B5EF4-FFF2-40B4-BE49-F238E27FC236}">
-                <a16:creationId xmlns:a16="http://schemas.microsoft.com/office/drawing/2014/main" id="{31DBD1C7-A3A2-E47A-2D15-A578B277362C}"/>
+                <a16:creationId xmlns:a16="http://schemas.microsoft.com/office/drawing/2014/main" id="{909D870C-EAC7-99BC-5927-D5ED5128C45B}"/>
               </a:ext>
             </a:extLst>
           </p:cNvPr>
@@ -12477,8 +12611,8 @@
         </p:nvSpPr>
         <p:spPr>
           <a:xfrm>
-            <a:off x="1197868" y="177800"/>
-            <a:ext cx="10178369" cy="1239837"/>
+            <a:off x="636059" y="-321478"/>
+            <a:ext cx="11577275" cy="1311845"/>
           </a:xfrm>
         </p:spPr>
         <p:txBody>
@@ -12487,32 +12621,34 @@
           <a:p>
             <a:r>
               <a:rPr lang="en-GB" dirty="0"/>
-              <a:t>MapReduce Task 2 (</a:t>
+              <a:t>    MapReduce Task1 (</a:t>
             </a:r>
             <a:r>
               <a:rPr lang="en-GB" dirty="0" err="1"/>
-              <a:t>emotion_count</a:t>
+              <a:t>dominant_emotion</a:t>
             </a:r>
             <a:r>
               <a:rPr lang="en-GB" dirty="0"/>
-              <a:t>)</a:t>
+              <a:t> by gender)</a:t>
             </a:r>
           </a:p>
         </p:txBody>
       </p:sp>
       <p:pic>
         <p:nvPicPr>
-          <p:cNvPr id="13" name="Picture 12">
+          <p:cNvPr id="5" name="Content Placeholder 4">
             <a:extLst>
               <a:ext uri="{FF2B5EF4-FFF2-40B4-BE49-F238E27FC236}">
-                <a16:creationId xmlns:a16="http://schemas.microsoft.com/office/drawing/2014/main" id="{71ADC756-AEE4-4FE5-6453-5F0DC631F194}"/>
+                <a16:creationId xmlns:a16="http://schemas.microsoft.com/office/drawing/2014/main" id="{18FDB7A7-15DE-B606-8817-5BA504BA3E7C}"/>
               </a:ext>
             </a:extLst>
           </p:cNvPr>
           <p:cNvPicPr>
-            <a:picLocks noChangeAspect="1"/>
+            <a:picLocks noGrp="1" noChangeAspect="1"/>
           </p:cNvPicPr>
-          <p:nvPr/>
+          <p:nvPr>
+            <p:ph idx="1"/>
+          </p:nvPr>
         </p:nvPicPr>
         <p:blipFill>
           <a:blip r:embed="rId2"/>
@@ -12522,55 +12658,20 @@
         </p:blipFill>
         <p:spPr>
           <a:xfrm>
-            <a:off x="1197868" y="1536449"/>
-            <a:ext cx="10751067" cy="1873890"/>
+            <a:off x="24271" y="3429000"/>
+            <a:ext cx="12068878" cy="1944216"/>
           </a:xfrm>
           <a:prstGeom prst="rect">
             <a:avLst/>
           </a:prstGeom>
         </p:spPr>
       </p:pic>
-      <p:sp>
-        <p:nvSpPr>
-          <p:cNvPr id="15" name="TextBox 14">
+      <p:pic>
+        <p:nvPicPr>
+          <p:cNvPr id="10" name="Picture 9">
             <a:extLst>
               <a:ext uri="{FF2B5EF4-FFF2-40B4-BE49-F238E27FC236}">
-                <a16:creationId xmlns:a16="http://schemas.microsoft.com/office/drawing/2014/main" id="{8B4C3B83-9432-FBD0-DABC-138183FB50F1}"/>
-              </a:ext>
-            </a:extLst>
-          </p:cNvPr>
-          <p:cNvSpPr txBox="1"/>
-          <p:nvPr/>
-        </p:nvSpPr>
-        <p:spPr>
-          <a:xfrm>
-            <a:off x="1197868" y="3529151"/>
-            <a:ext cx="9865096" cy="646331"/>
-          </a:xfrm>
-          <a:prstGeom prst="rect">
-            <a:avLst/>
-          </a:prstGeom>
-          <a:noFill/>
-        </p:spPr>
-        <p:txBody>
-          <a:bodyPr wrap="square">
-            <a:spAutoFit/>
-          </a:bodyPr>
-          <a:lstStyle/>
-          <a:p>
-            <a:r>
-              <a:rPr lang="en-GB" sz="3600" dirty="0"/>
-              <a:t>MapReduce Task 3 (platform used by gender)</a:t>
-            </a:r>
-          </a:p>
-        </p:txBody>
-      </p:sp>
-      <p:pic>
-        <p:nvPicPr>
-          <p:cNvPr id="17" name="Picture 16">
-            <a:extLst>
-              <a:ext uri="{FF2B5EF4-FFF2-40B4-BE49-F238E27FC236}">
-                <a16:creationId xmlns:a16="http://schemas.microsoft.com/office/drawing/2014/main" id="{82981451-DD20-4EE9-B539-09FA605A897C}"/>
+                <a16:creationId xmlns:a16="http://schemas.microsoft.com/office/drawing/2014/main" id="{BCF2A2F3-8F3A-FB72-EDA5-D29075820055}"/>
               </a:ext>
             </a:extLst>
           </p:cNvPr>
@@ -12587,8 +12688,38 @@
         </p:blipFill>
         <p:spPr>
           <a:xfrm>
-            <a:off x="1197868" y="4294294"/>
-            <a:ext cx="10990957" cy="2206038"/>
+            <a:off x="24271" y="5373216"/>
+            <a:ext cx="11941938" cy="1644270"/>
+          </a:xfrm>
+          <a:prstGeom prst="rect">
+            <a:avLst/>
+          </a:prstGeom>
+        </p:spPr>
+      </p:pic>
+      <p:pic>
+        <p:nvPicPr>
+          <p:cNvPr id="15" name="Picture 14">
+            <a:extLst>
+              <a:ext uri="{FF2B5EF4-FFF2-40B4-BE49-F238E27FC236}">
+                <a16:creationId xmlns:a16="http://schemas.microsoft.com/office/drawing/2014/main" id="{53EFAEF0-891D-CAF5-6049-4ED0BEB4CD05}"/>
+              </a:ext>
+            </a:extLst>
+          </p:cNvPr>
+          <p:cNvPicPr>
+            <a:picLocks noChangeAspect="1"/>
+          </p:cNvPicPr>
+          <p:nvPr/>
+        </p:nvPicPr>
+        <p:blipFill>
+          <a:blip r:embed="rId4"/>
+          <a:stretch>
+            <a:fillRect/>
+          </a:stretch>
+        </p:blipFill>
+        <p:spPr>
+          <a:xfrm>
+            <a:off x="59789" y="1340768"/>
+            <a:ext cx="11948933" cy="2088232"/>
           </a:xfrm>
           <a:prstGeom prst="rect">
             <a:avLst/>
@@ -12598,7 +12729,7 @@
     </p:spTree>
     <p:extLst>
       <p:ext uri="{BB962C8B-B14F-4D97-AF65-F5344CB8AC3E}">
-        <p14:creationId xmlns:p14="http://schemas.microsoft.com/office/powerpoint/2010/main" val="2202796856"/>
+        <p14:creationId xmlns:p14="http://schemas.microsoft.com/office/powerpoint/2010/main" val="144158864"/>
       </p:ext>
     </p:extLst>
   </p:cSld>
@@ -12642,7 +12773,7 @@
           <p:cNvPr id="2" name="Title 1">
             <a:extLst>
               <a:ext uri="{FF2B5EF4-FFF2-40B4-BE49-F238E27FC236}">
-                <a16:creationId xmlns:a16="http://schemas.microsoft.com/office/drawing/2014/main" id="{B57D3DBD-5380-52F2-E24A-2A9E7EC0C76C}"/>
+                <a16:creationId xmlns:a16="http://schemas.microsoft.com/office/drawing/2014/main" id="{31DBD1C7-A3A2-E47A-2D15-A578B277362C}"/>
               </a:ext>
             </a:extLst>
           </p:cNvPr>
@@ -12653,24 +12784,37 @@
             <p:ph type="title"/>
           </p:nvPr>
         </p:nvSpPr>
-        <p:spPr/>
+        <p:spPr>
+          <a:xfrm>
+            <a:off x="1197868" y="177800"/>
+            <a:ext cx="10178369" cy="1239837"/>
+          </a:xfrm>
+        </p:spPr>
         <p:txBody>
           <a:bodyPr/>
           <a:lstStyle/>
           <a:p>
             <a:r>
               <a:rPr lang="en-GB" dirty="0"/>
-              <a:t>Map Reduce Task 4(post count)</a:t>
+              <a:t>MapReduce Task 2 (</a:t>
+            </a:r>
+            <a:r>
+              <a:rPr lang="en-GB" dirty="0" err="1"/>
+              <a:t>emotion_count</a:t>
+            </a:r>
+            <a:r>
+              <a:rPr lang="en-GB" dirty="0"/>
+              <a:t>)</a:t>
             </a:r>
           </a:p>
         </p:txBody>
       </p:sp>
       <p:pic>
         <p:nvPicPr>
-          <p:cNvPr id="7" name="Picture 6">
+          <p:cNvPr id="13" name="Picture 12">
             <a:extLst>
               <a:ext uri="{FF2B5EF4-FFF2-40B4-BE49-F238E27FC236}">
-                <a16:creationId xmlns:a16="http://schemas.microsoft.com/office/drawing/2014/main" id="{D5CA8F21-586B-6132-5F38-524716C47F90}"/>
+                <a16:creationId xmlns:a16="http://schemas.microsoft.com/office/drawing/2014/main" id="{71ADC756-AEE4-4FE5-6453-5F0DC631F194}"/>
               </a:ext>
             </a:extLst>
           </p:cNvPr>
@@ -12679,72 +12823,91 @@
           </p:cNvPicPr>
           <p:nvPr/>
         </p:nvPicPr>
-        <p:blipFill rotWithShape="1">
+        <p:blipFill>
           <a:blip r:embed="rId2"/>
-          <a:srcRect l="980" t="-5556" r="-980" b="5556"/>
-          <a:stretch/>
+          <a:stretch>
+            <a:fillRect/>
+          </a:stretch>
         </p:blipFill>
         <p:spPr>
           <a:xfrm>
-            <a:off x="1197868" y="1384627"/>
-            <a:ext cx="11000112" cy="3168352"/>
+            <a:off x="1197868" y="1536449"/>
+            <a:ext cx="10751067" cy="1873890"/>
           </a:xfrm>
           <a:prstGeom prst="rect">
             <a:avLst/>
           </a:prstGeom>
         </p:spPr>
       </p:pic>
+      <p:sp>
+        <p:nvSpPr>
+          <p:cNvPr id="15" name="TextBox 14">
+            <a:extLst>
+              <a:ext uri="{FF2B5EF4-FFF2-40B4-BE49-F238E27FC236}">
+                <a16:creationId xmlns:a16="http://schemas.microsoft.com/office/drawing/2014/main" id="{8B4C3B83-9432-FBD0-DABC-138183FB50F1}"/>
+              </a:ext>
+            </a:extLst>
+          </p:cNvPr>
+          <p:cNvSpPr txBox="1"/>
+          <p:nvPr/>
+        </p:nvSpPr>
+        <p:spPr>
+          <a:xfrm>
+            <a:off x="1197868" y="3529151"/>
+            <a:ext cx="9865096" cy="646331"/>
+          </a:xfrm>
+          <a:prstGeom prst="rect">
+            <a:avLst/>
+          </a:prstGeom>
+          <a:noFill/>
+        </p:spPr>
+        <p:txBody>
+          <a:bodyPr wrap="square">
+            <a:spAutoFit/>
+          </a:bodyPr>
+          <a:lstStyle/>
+          <a:p>
+            <a:r>
+              <a:rPr lang="en-GB" sz="3600" dirty="0"/>
+              <a:t>MapReduce Task 3 (platform used by gender)</a:t>
+            </a:r>
+          </a:p>
+        </p:txBody>
+      </p:sp>
       <p:pic>
         <p:nvPicPr>
-          <p:cNvPr id="2050" name="Picture 2" descr="Map Reduce in Hadoop - GeeksforGeeks">
+          <p:cNvPr id="17" name="Picture 16">
             <a:extLst>
               <a:ext uri="{FF2B5EF4-FFF2-40B4-BE49-F238E27FC236}">
-                <a16:creationId xmlns:a16="http://schemas.microsoft.com/office/drawing/2014/main" id="{B36A08E2-4560-1062-5241-8D27C7E95F9F}"/>
+                <a16:creationId xmlns:a16="http://schemas.microsoft.com/office/drawing/2014/main" id="{82981451-DD20-4EE9-B539-09FA605A897C}"/>
               </a:ext>
             </a:extLst>
           </p:cNvPr>
           <p:cNvPicPr>
-            <a:picLocks noChangeAspect="1" noChangeArrowheads="1"/>
+            <a:picLocks noChangeAspect="1"/>
           </p:cNvPicPr>
           <p:nvPr/>
         </p:nvPicPr>
         <p:blipFill>
-          <a:blip r:embed="rId3">
-            <a:extLst>
-              <a:ext uri="{28A0092B-C50C-407E-A947-70E740481C1C}">
-                <a14:useLocalDpi xmlns:a14="http://schemas.microsoft.com/office/drawing/2010/main" val="0"/>
-              </a:ext>
-            </a:extLst>
-          </a:blip>
-          <a:srcRect/>
+          <a:blip r:embed="rId3"/>
           <a:stretch>
             <a:fillRect/>
           </a:stretch>
         </p:blipFill>
-        <p:spPr bwMode="auto">
-          <a:xfrm>
-            <a:off x="1197868" y="4822010"/>
-            <a:ext cx="7632848" cy="2018823"/>
+        <p:spPr>
+          <a:xfrm>
+            <a:off x="1197868" y="4294294"/>
+            <a:ext cx="10990957" cy="2206038"/>
           </a:xfrm>
           <a:prstGeom prst="rect">
             <a:avLst/>
           </a:prstGeom>
-          <a:noFill/>
-          <a:extLst>
-            <a:ext uri="{909E8E84-426E-40DD-AFC4-6F175D3DCCD1}">
-              <a14:hiddenFill xmlns:a14="http://schemas.microsoft.com/office/drawing/2010/main">
-                <a:solidFill>
-                  <a:srgbClr val="FFFFFF"/>
-                </a:solidFill>
-              </a14:hiddenFill>
-            </a:ext>
-          </a:extLst>
         </p:spPr>
       </p:pic>
     </p:spTree>
     <p:extLst>
       <p:ext uri="{BB962C8B-B14F-4D97-AF65-F5344CB8AC3E}">
-        <p14:creationId xmlns:p14="http://schemas.microsoft.com/office/powerpoint/2010/main" val="765669847"/>
+        <p14:creationId xmlns:p14="http://schemas.microsoft.com/office/powerpoint/2010/main" val="2202796856"/>
       </p:ext>
     </p:extLst>
   </p:cSld>
@@ -12788,7 +12951,7 @@
           <p:cNvPr id="2" name="Title 1">
             <a:extLst>
               <a:ext uri="{FF2B5EF4-FFF2-40B4-BE49-F238E27FC236}">
-                <a16:creationId xmlns:a16="http://schemas.microsoft.com/office/drawing/2014/main" id="{CC6704F4-5F92-33BE-3F5E-11449915E73B}"/>
+                <a16:creationId xmlns:a16="http://schemas.microsoft.com/office/drawing/2014/main" id="{B57D3DBD-5380-52F2-E24A-2A9E7EC0C76C}"/>
               </a:ext>
             </a:extLst>
           </p:cNvPr>
@@ -12806,17 +12969,17 @@
           <a:p>
             <a:r>
               <a:rPr lang="en-GB" dirty="0"/>
-              <a:t>Data Ingestion and Storage in HDFS</a:t>
+              <a:t>Map Reduce Task 4(post count)</a:t>
             </a:r>
           </a:p>
         </p:txBody>
       </p:sp>
       <p:pic>
         <p:nvPicPr>
-          <p:cNvPr id="12" name="Picture 11">
+          <p:cNvPr id="7" name="Picture 6">
             <a:extLst>
               <a:ext uri="{FF2B5EF4-FFF2-40B4-BE49-F238E27FC236}">
-                <a16:creationId xmlns:a16="http://schemas.microsoft.com/office/drawing/2014/main" id="{4CA433AF-5645-456D-850A-F3661FB3AF1B}"/>
+                <a16:creationId xmlns:a16="http://schemas.microsoft.com/office/drawing/2014/main" id="{D5CA8F21-586B-6132-5F38-524716C47F90}"/>
               </a:ext>
             </a:extLst>
           </p:cNvPr>
@@ -12825,71 +12988,72 @@
           </p:cNvPicPr>
           <p:nvPr/>
         </p:nvPicPr>
+        <p:blipFill rotWithShape="1">
+          <a:blip r:embed="rId2"/>
+          <a:srcRect l="980" t="-5556" r="-980" b="5556"/>
+          <a:stretch/>
+        </p:blipFill>
+        <p:spPr>
+          <a:xfrm>
+            <a:off x="1197868" y="1384627"/>
+            <a:ext cx="11000112" cy="3168352"/>
+          </a:xfrm>
+          <a:prstGeom prst="rect">
+            <a:avLst/>
+          </a:prstGeom>
+        </p:spPr>
+      </p:pic>
+      <p:pic>
+        <p:nvPicPr>
+          <p:cNvPr id="2050" name="Picture 2" descr="Map Reduce in Hadoop - GeeksforGeeks">
+            <a:extLst>
+              <a:ext uri="{FF2B5EF4-FFF2-40B4-BE49-F238E27FC236}">
+                <a16:creationId xmlns:a16="http://schemas.microsoft.com/office/drawing/2014/main" id="{B36A08E2-4560-1062-5241-8D27C7E95F9F}"/>
+              </a:ext>
+            </a:extLst>
+          </p:cNvPr>
+          <p:cNvPicPr>
+            <a:picLocks noChangeAspect="1" noChangeArrowheads="1"/>
+          </p:cNvPicPr>
+          <p:nvPr/>
+        </p:nvPicPr>
         <p:blipFill>
-          <a:blip r:embed="rId2"/>
+          <a:blip r:embed="rId3">
+            <a:extLst>
+              <a:ext uri="{28A0092B-C50C-407E-A947-70E740481C1C}">
+                <a14:useLocalDpi xmlns:a14="http://schemas.microsoft.com/office/drawing/2010/main" val="0"/>
+              </a:ext>
+            </a:extLst>
+          </a:blip>
+          <a:srcRect/>
           <a:stretch>
             <a:fillRect/>
           </a:stretch>
         </p:blipFill>
-        <p:spPr>
-          <a:xfrm>
-            <a:off x="1197868" y="2564904"/>
-            <a:ext cx="10679807" cy="4266794"/>
-          </a:xfrm>
-          <a:prstGeom prst="rect">
-            <a:avLst/>
-          </a:prstGeom>
-        </p:spPr>
-      </p:pic>
-      <p:sp>
-        <p:nvSpPr>
-          <p:cNvPr id="4" name="TextBox 3">
-            <a:extLst>
-              <a:ext uri="{FF2B5EF4-FFF2-40B4-BE49-F238E27FC236}">
-                <a16:creationId xmlns:a16="http://schemas.microsoft.com/office/drawing/2014/main" id="{728324CF-7891-7091-7854-1FA1BB69428D}"/>
-              </a:ext>
-            </a:extLst>
-          </p:cNvPr>
-          <p:cNvSpPr txBox="1"/>
-          <p:nvPr/>
-        </p:nvSpPr>
-        <p:spPr>
-          <a:xfrm>
-            <a:off x="1269876" y="1644949"/>
-            <a:ext cx="10369152" cy="646331"/>
+        <p:spPr bwMode="auto">
+          <a:xfrm>
+            <a:off x="1197868" y="4822010"/>
+            <a:ext cx="7632848" cy="2018823"/>
           </a:xfrm>
           <a:prstGeom prst="rect">
             <a:avLst/>
           </a:prstGeom>
           <a:noFill/>
-        </p:spPr>
-        <p:txBody>
-          <a:bodyPr wrap="square">
-            <a:spAutoFit/>
-          </a:bodyPr>
-          <a:lstStyle/>
-          <a:p>
-            <a:r>
-              <a:rPr lang="en-GB" b="1" dirty="0"/>
-              <a:t>HDFS:</a:t>
-            </a:r>
-            <a:r>
-              <a:rPr lang="en-GB" dirty="0"/>
-              <a:t> Store CSV files from Kaggle for distributed storage and  processing. </a:t>
-            </a:r>
-          </a:p>
-          <a:p>
-            <a:r>
-              <a:rPr lang="en-GB" dirty="0"/>
-              <a:t>Output stored also in HDFS.</a:t>
-            </a:r>
-          </a:p>
-        </p:txBody>
-      </p:sp>
+          <a:extLst>
+            <a:ext uri="{909E8E84-426E-40DD-AFC4-6F175D3DCCD1}">
+              <a14:hiddenFill xmlns:a14="http://schemas.microsoft.com/office/drawing/2010/main">
+                <a:solidFill>
+                  <a:srgbClr val="FFFFFF"/>
+                </a:solidFill>
+              </a14:hiddenFill>
+            </a:ext>
+          </a:extLst>
+        </p:spPr>
+      </p:pic>
     </p:spTree>
     <p:extLst>
       <p:ext uri="{BB962C8B-B14F-4D97-AF65-F5344CB8AC3E}">
-        <p14:creationId xmlns:p14="http://schemas.microsoft.com/office/powerpoint/2010/main" val="1666075632"/>
+        <p14:creationId xmlns:p14="http://schemas.microsoft.com/office/powerpoint/2010/main" val="765669847"/>
       </p:ext>
     </p:extLst>
   </p:cSld>
